--- a/.lessons/6 Install new laravel & About folder structure/Install new laravel.pptx
+++ b/.lessons/6 Install new laravel & About folder structure/Install new laravel.pptx
@@ -12,11 +12,11 @@
     <p:sldId id="289" r:id="rId6"/>
     <p:sldId id="297" r:id="rId7"/>
     <p:sldId id="298" r:id="rId8"/>
-    <p:sldId id="299" r:id="rId9"/>
-    <p:sldId id="302" r:id="rId10"/>
-    <p:sldId id="303" r:id="rId11"/>
-    <p:sldId id="304" r:id="rId12"/>
-    <p:sldId id="300" r:id="rId13"/>
+    <p:sldId id="304" r:id="rId9"/>
+    <p:sldId id="300" r:id="rId10"/>
+    <p:sldId id="299" r:id="rId11"/>
+    <p:sldId id="302" r:id="rId12"/>
+    <p:sldId id="303" r:id="rId13"/>
     <p:sldId id="301" r:id="rId14"/>
   </p:sldIdLst>
   <p:sldSz cx="12192000" cy="6858000"/>
@@ -3529,6 +3529,2078 @@
         <p:cNvPr id="1" name="">
           <a:extLst>
             <a:ext uri="{FF2B5EF4-FFF2-40B4-BE49-F238E27FC236}">
+              <a16:creationId xmlns:a16="http://schemas.microsoft.com/office/drawing/2014/main" id="{416847F9-C76D-E35F-500B-DEF14E350842}"/>
+            </a:ext>
+          </a:extLst>
+        </p:cNvPr>
+        <p:cNvGrpSpPr/>
+        <p:nvPr/>
+      </p:nvGrpSpPr>
+      <p:grpSpPr>
+        <a:xfrm>
+          <a:off x="0" y="0"/>
+          <a:ext cx="0" cy="0"/>
+          <a:chOff x="0" y="0"/>
+          <a:chExt cx="0" cy="0"/>
+        </a:xfrm>
+      </p:grpSpPr>
+      <p:sp>
+        <p:nvSpPr>
+          <p:cNvPr id="3" name="TextBox 2">
+            <a:extLst>
+              <a:ext uri="{FF2B5EF4-FFF2-40B4-BE49-F238E27FC236}">
+                <a16:creationId xmlns:a16="http://schemas.microsoft.com/office/drawing/2014/main" id="{02857C27-78D2-CDFD-C34E-C436EC5D04D9}"/>
+              </a:ext>
+            </a:extLst>
+          </p:cNvPr>
+          <p:cNvSpPr txBox="1"/>
+          <p:nvPr/>
+        </p:nvSpPr>
+        <p:spPr>
+          <a:xfrm>
+            <a:off x="161153" y="151179"/>
+            <a:ext cx="7182327" cy="6555641"/>
+          </a:xfrm>
+          <a:prstGeom prst="rect">
+            <a:avLst/>
+          </a:prstGeom>
+          <a:noFill/>
+        </p:spPr>
+        <p:txBody>
+          <a:bodyPr wrap="square">
+            <a:spAutoFit/>
+          </a:bodyPr>
+          <a:lstStyle/>
+          <a:p>
+            <a:pPr>
+              <a:lnSpc>
+                <a:spcPct val="150000"/>
+              </a:lnSpc>
+              <a:buNone/>
+            </a:pPr>
+            <a:r>
+              <a:rPr kumimoji="0" lang="az-Latn-AZ" altLang="en-US" sz="1400" b="0" i="0" u="none" strike="noStrike" cap="none" normalizeH="0" baseline="0">
+                <a:ln>
+                  <a:noFill/>
+                </a:ln>
+                <a:solidFill>
+                  <a:schemeClr val="tx1"/>
+                </a:solidFill>
+                <a:effectLst/>
+                <a:latin typeface="Arial" panose="020B0604020202020204" pitchFamily="34" charset="0"/>
+                <a:cs typeface="Arial" panose="020B0604020202020204" pitchFamily="34" charset="0"/>
+              </a:rPr>
+              <a:t>İndi ilk öncə </a:t>
+            </a:r>
+            <a:r>
+              <a:rPr kumimoji="0" lang="az-Latn-AZ" altLang="en-US" sz="1400" b="1" i="0" u="none" strike="noStrike" cap="none" normalizeH="0" baseline="0">
+                <a:ln>
+                  <a:noFill/>
+                </a:ln>
+                <a:solidFill>
+                  <a:srgbClr val="FF0000"/>
+                </a:solidFill>
+                <a:effectLst/>
+                <a:latin typeface="Arial" panose="020B0604020202020204" pitchFamily="34" charset="0"/>
+                <a:cs typeface="Arial" panose="020B0604020202020204" pitchFamily="34" charset="0"/>
+              </a:rPr>
+              <a:t>LARAVEL qovluq strukturuna </a:t>
+            </a:r>
+            <a:r>
+              <a:rPr kumimoji="0" lang="az-Latn-AZ" altLang="en-US" sz="1400" b="0" i="0" u="none" strike="noStrike" cap="none" normalizeH="0" baseline="0">
+                <a:ln>
+                  <a:noFill/>
+                </a:ln>
+                <a:solidFill>
+                  <a:schemeClr val="tx1"/>
+                </a:solidFill>
+                <a:effectLst/>
+                <a:latin typeface="Arial" panose="020B0604020202020204" pitchFamily="34" charset="0"/>
+                <a:cs typeface="Arial" panose="020B0604020202020204" pitchFamily="34" charset="0"/>
+              </a:rPr>
+              <a:t>diqqət yetirək. </a:t>
+            </a:r>
+            <a:r>
+              <a:rPr lang="en-US" sz="1400">
+                <a:latin typeface="Arial" panose="020B0604020202020204" pitchFamily="34" charset="0"/>
+                <a:cs typeface="Arial" panose="020B0604020202020204" pitchFamily="34" charset="0"/>
+              </a:rPr>
+              <a:t>Laravel-də fayl və qovluq strukturu layihənin modullu, oxunaqlı və asan inkişaf etdirilə bilən şəkildə qurulmasına imkan verir. </a:t>
+            </a:r>
+            <a:r>
+              <a:rPr lang="az-Latn-AZ" sz="1400">
+                <a:latin typeface="Arial" panose="020B0604020202020204" pitchFamily="34" charset="0"/>
+                <a:cs typeface="Arial" panose="020B0604020202020204" pitchFamily="34" charset="0"/>
+              </a:rPr>
+              <a:t>Gəlin</a:t>
+            </a:r>
+            <a:r>
+              <a:rPr lang="en-US" sz="1400">
+                <a:latin typeface="Arial" panose="020B0604020202020204" pitchFamily="34" charset="0"/>
+                <a:cs typeface="Arial" panose="020B0604020202020204" pitchFamily="34" charset="0"/>
+              </a:rPr>
+              <a:t> </a:t>
+            </a:r>
+            <a:r>
+              <a:rPr lang="en-US" sz="1400" b="1">
+                <a:latin typeface="Arial" panose="020B0604020202020204" pitchFamily="34" charset="0"/>
+                <a:cs typeface="Arial" panose="020B0604020202020204" pitchFamily="34" charset="0"/>
+              </a:rPr>
+              <a:t>View, Model, Controller, Routing, File Store, Config, Database</a:t>
+            </a:r>
+            <a:r>
+              <a:rPr lang="en-US" sz="1400">
+                <a:latin typeface="Arial" panose="020B0604020202020204" pitchFamily="34" charset="0"/>
+                <a:cs typeface="Arial" panose="020B0604020202020204" pitchFamily="34" charset="0"/>
+              </a:rPr>
+              <a:t> hissələrinin nə üçün istifadə edildiyini </a:t>
+            </a:r>
+            <a:r>
+              <a:rPr lang="az-Latn-AZ" sz="1400">
+                <a:latin typeface="Arial" panose="020B0604020202020204" pitchFamily="34" charset="0"/>
+                <a:cs typeface="Arial" panose="020B0604020202020204" pitchFamily="34" charset="0"/>
+              </a:rPr>
+              <a:t>baxaq</a:t>
+            </a:r>
+            <a:r>
+              <a:rPr lang="en-US" sz="1400">
+                <a:latin typeface="Arial" panose="020B0604020202020204" pitchFamily="34" charset="0"/>
+                <a:cs typeface="Arial" panose="020B0604020202020204" pitchFamily="34" charset="0"/>
+              </a:rPr>
+              <a:t>:</a:t>
+            </a:r>
+            <a:endParaRPr kumimoji="0" lang="en-US" altLang="en-US" sz="1400" b="0" i="0" u="none" strike="noStrike" cap="none" normalizeH="0" baseline="0">
+              <a:ln>
+                <a:noFill/>
+              </a:ln>
+              <a:solidFill>
+                <a:schemeClr val="tx1"/>
+              </a:solidFill>
+              <a:effectLst/>
+              <a:latin typeface="Arial" panose="020B0604020202020204" pitchFamily="34" charset="0"/>
+              <a:cs typeface="Arial" panose="020B0604020202020204" pitchFamily="34" charset="0"/>
+            </a:endParaRPr>
+          </a:p>
+          <a:p>
+            <a:pPr>
+              <a:lnSpc>
+                <a:spcPct val="150000"/>
+              </a:lnSpc>
+            </a:pPr>
+            <a:endParaRPr lang="az-Latn-AZ" sz="1400">
+              <a:latin typeface="Arial" panose="020B0604020202020204" pitchFamily="34" charset="0"/>
+              <a:cs typeface="Arial" panose="020B0604020202020204" pitchFamily="34" charset="0"/>
+            </a:endParaRPr>
+          </a:p>
+          <a:p>
+            <a:pPr>
+              <a:lnSpc>
+                <a:spcPct val="150000"/>
+              </a:lnSpc>
+            </a:pPr>
+            <a:endParaRPr lang="az-Latn-AZ" sz="1400">
+              <a:latin typeface="Arial" panose="020B0604020202020204" pitchFamily="34" charset="0"/>
+              <a:cs typeface="Arial" panose="020B0604020202020204" pitchFamily="34" charset="0"/>
+            </a:endParaRPr>
+          </a:p>
+          <a:p>
+            <a:pPr marL="0" marR="0" lvl="0" indent="0" algn="l" defTabSz="914400" rtl="0" eaLnBrk="0" fontAlgn="base" latinLnBrk="0" hangingPunct="0">
+              <a:lnSpc>
+                <a:spcPct val="100000"/>
+              </a:lnSpc>
+              <a:spcBef>
+                <a:spcPct val="0"/>
+              </a:spcBef>
+              <a:spcAft>
+                <a:spcPct val="0"/>
+              </a:spcAft>
+              <a:buClrTx/>
+              <a:buSzTx/>
+              <a:buFontTx/>
+              <a:buNone/>
+              <a:tabLst/>
+            </a:pPr>
+            <a:r>
+              <a:rPr kumimoji="0" lang="en-US" altLang="en-US" sz="1400" b="1" i="0" u="none" strike="noStrike" cap="none" normalizeH="0" baseline="0">
+                <a:ln>
+                  <a:noFill/>
+                </a:ln>
+                <a:solidFill>
+                  <a:schemeClr val="tx1"/>
+                </a:solidFill>
+                <a:effectLst/>
+                <a:latin typeface="Arial" panose="020B0604020202020204" pitchFamily="34" charset="0"/>
+                <a:cs typeface="Arial" panose="020B0604020202020204" pitchFamily="34" charset="0"/>
+              </a:rPr>
+              <a:t>1. Model (app/Models)</a:t>
+            </a:r>
+            <a:r>
+              <a:rPr lang="az-Latn-AZ" altLang="en-US" sz="1400" b="1">
+                <a:latin typeface="Arial" panose="020B0604020202020204" pitchFamily="34" charset="0"/>
+                <a:cs typeface="Arial" panose="020B0604020202020204" pitchFamily="34" charset="0"/>
+              </a:rPr>
+              <a:t> - </a:t>
+            </a:r>
+            <a:r>
+              <a:rPr kumimoji="0" lang="en-US" altLang="en-US" sz="1400" b="0" i="0" u="none" strike="noStrike" cap="none" normalizeH="0" baseline="0">
+                <a:ln>
+                  <a:noFill/>
+                </a:ln>
+                <a:solidFill>
+                  <a:schemeClr val="tx1"/>
+                </a:solidFill>
+                <a:effectLst/>
+                <a:latin typeface="Arial" panose="020B0604020202020204" pitchFamily="34" charset="0"/>
+                <a:cs typeface="Arial" panose="020B0604020202020204" pitchFamily="34" charset="0"/>
+              </a:rPr>
+              <a:t>Model verilənlər bazası ilə əlaqəni idarə edir. Laravel-də Model, Eloquent ORM vasitəsilə verilənlər bazasındakı cədvəllərlə işləyir.</a:t>
+            </a:r>
+            <a:endParaRPr kumimoji="0" lang="az-Latn-AZ" altLang="en-US" sz="1400" b="0" i="0" u="none" strike="noStrike" cap="none" normalizeH="0" baseline="0">
+              <a:ln>
+                <a:noFill/>
+              </a:ln>
+              <a:solidFill>
+                <a:schemeClr val="tx1"/>
+              </a:solidFill>
+              <a:effectLst/>
+              <a:latin typeface="Arial" panose="020B0604020202020204" pitchFamily="34" charset="0"/>
+              <a:cs typeface="Arial" panose="020B0604020202020204" pitchFamily="34" charset="0"/>
+            </a:endParaRPr>
+          </a:p>
+          <a:p>
+            <a:pPr marL="0" marR="0" lvl="0" indent="0" algn="l" defTabSz="914400" rtl="0" eaLnBrk="0" fontAlgn="base" latinLnBrk="0" hangingPunct="0">
+              <a:lnSpc>
+                <a:spcPct val="100000"/>
+              </a:lnSpc>
+              <a:spcBef>
+                <a:spcPct val="0"/>
+              </a:spcBef>
+              <a:spcAft>
+                <a:spcPct val="0"/>
+              </a:spcAft>
+              <a:buClrTx/>
+              <a:buSzTx/>
+              <a:buFontTx/>
+              <a:buNone/>
+              <a:tabLst/>
+            </a:pPr>
+            <a:endParaRPr kumimoji="0" lang="en-US" altLang="en-US" sz="1400" b="0" i="0" u="none" strike="noStrike" cap="none" normalizeH="0" baseline="0">
+              <a:ln>
+                <a:noFill/>
+              </a:ln>
+              <a:solidFill>
+                <a:schemeClr val="tx1"/>
+              </a:solidFill>
+              <a:effectLst/>
+              <a:latin typeface="Arial" panose="020B0604020202020204" pitchFamily="34" charset="0"/>
+              <a:cs typeface="Arial" panose="020B0604020202020204" pitchFamily="34" charset="0"/>
+            </a:endParaRPr>
+          </a:p>
+          <a:p>
+            <a:pPr marL="0" marR="0" lvl="0" indent="0" algn="l" defTabSz="914400" rtl="0" eaLnBrk="0" fontAlgn="base" latinLnBrk="0" hangingPunct="0">
+              <a:lnSpc>
+                <a:spcPct val="100000"/>
+              </a:lnSpc>
+              <a:spcBef>
+                <a:spcPct val="0"/>
+              </a:spcBef>
+              <a:spcAft>
+                <a:spcPct val="0"/>
+              </a:spcAft>
+              <a:buClrTx/>
+              <a:buSzTx/>
+              <a:buFontTx/>
+              <a:buNone/>
+              <a:tabLst/>
+            </a:pPr>
+            <a:r>
+              <a:rPr kumimoji="0" lang="en-US" altLang="en-US" sz="1400" b="1" i="0" u="none" strike="noStrike" cap="none" normalizeH="0" baseline="0">
+                <a:ln>
+                  <a:noFill/>
+                </a:ln>
+                <a:solidFill>
+                  <a:schemeClr val="tx1"/>
+                </a:solidFill>
+                <a:effectLst/>
+                <a:latin typeface="Arial" panose="020B0604020202020204" pitchFamily="34" charset="0"/>
+                <a:cs typeface="Arial" panose="020B0604020202020204" pitchFamily="34" charset="0"/>
+              </a:rPr>
+              <a:t>Əsas funksiyaları:</a:t>
+            </a:r>
+            <a:endParaRPr kumimoji="0" lang="en-US" altLang="en-US" sz="1400" b="0" i="0" u="none" strike="noStrike" cap="none" normalizeH="0" baseline="0">
+              <a:ln>
+                <a:noFill/>
+              </a:ln>
+              <a:solidFill>
+                <a:schemeClr val="tx1"/>
+              </a:solidFill>
+              <a:effectLst/>
+              <a:latin typeface="Arial" panose="020B0604020202020204" pitchFamily="34" charset="0"/>
+              <a:cs typeface="Arial" panose="020B0604020202020204" pitchFamily="34" charset="0"/>
+            </a:endParaRPr>
+          </a:p>
+          <a:p>
+            <a:pPr marL="285750" marR="0" lvl="0" indent="-285750" algn="l" defTabSz="914400" rtl="0" eaLnBrk="0" fontAlgn="base" latinLnBrk="0" hangingPunct="0">
+              <a:lnSpc>
+                <a:spcPct val="100000"/>
+              </a:lnSpc>
+              <a:spcBef>
+                <a:spcPct val="0"/>
+              </a:spcBef>
+              <a:spcAft>
+                <a:spcPct val="0"/>
+              </a:spcAft>
+              <a:buClrTx/>
+              <a:buSzTx/>
+              <a:buFont typeface="Arial" panose="020B0604020202020204" pitchFamily="34" charset="0"/>
+              <a:buChar char="•"/>
+              <a:tabLst/>
+            </a:pPr>
+            <a:r>
+              <a:rPr kumimoji="0" lang="en-US" altLang="en-US" sz="1400" b="0" i="0" u="none" strike="noStrike" cap="none" normalizeH="0" baseline="0">
+                <a:ln>
+                  <a:noFill/>
+                </a:ln>
+                <a:solidFill>
+                  <a:schemeClr val="tx1"/>
+                </a:solidFill>
+                <a:effectLst/>
+                <a:latin typeface="Arial" panose="020B0604020202020204" pitchFamily="34" charset="0"/>
+                <a:cs typeface="Arial" panose="020B0604020202020204" pitchFamily="34" charset="0"/>
+              </a:rPr>
+              <a:t>Verilənlər bazası sorğuları (insert, update, delete, select).</a:t>
+            </a:r>
+          </a:p>
+          <a:p>
+            <a:pPr marL="285750" marR="0" lvl="0" indent="-285750" algn="l" defTabSz="914400" rtl="0" eaLnBrk="0" fontAlgn="base" latinLnBrk="0" hangingPunct="0">
+              <a:lnSpc>
+                <a:spcPct val="100000"/>
+              </a:lnSpc>
+              <a:spcBef>
+                <a:spcPct val="0"/>
+              </a:spcBef>
+              <a:spcAft>
+                <a:spcPct val="0"/>
+              </a:spcAft>
+              <a:buClrTx/>
+              <a:buSzTx/>
+              <a:buFont typeface="Arial" panose="020B0604020202020204" pitchFamily="34" charset="0"/>
+              <a:buChar char="•"/>
+              <a:tabLst/>
+            </a:pPr>
+            <a:r>
+              <a:rPr kumimoji="0" lang="en-US" altLang="en-US" sz="1400" b="0" i="0" u="none" strike="noStrike" cap="none" normalizeH="0" baseline="0">
+                <a:ln>
+                  <a:noFill/>
+                </a:ln>
+                <a:solidFill>
+                  <a:schemeClr val="tx1"/>
+                </a:solidFill>
+                <a:effectLst/>
+                <a:latin typeface="Arial" panose="020B0604020202020204" pitchFamily="34" charset="0"/>
+                <a:cs typeface="Arial" panose="020B0604020202020204" pitchFamily="34" charset="0"/>
+              </a:rPr>
+              <a:t>Əlaqələr (relationship) – məsələn, hasOne, hasMany, belongsTo, belongsToMany.</a:t>
+            </a:r>
+          </a:p>
+          <a:p>
+            <a:pPr marL="285750" marR="0" lvl="0" indent="-285750" algn="l" defTabSz="914400" rtl="0" eaLnBrk="0" fontAlgn="base" latinLnBrk="0" hangingPunct="0">
+              <a:lnSpc>
+                <a:spcPct val="100000"/>
+              </a:lnSpc>
+              <a:spcBef>
+                <a:spcPct val="0"/>
+              </a:spcBef>
+              <a:spcAft>
+                <a:spcPct val="0"/>
+              </a:spcAft>
+              <a:buClrTx/>
+              <a:buSzTx/>
+              <a:buFont typeface="Arial" panose="020B0604020202020204" pitchFamily="34" charset="0"/>
+              <a:buChar char="•"/>
+              <a:tabLst/>
+            </a:pPr>
+            <a:r>
+              <a:rPr kumimoji="0" lang="en-US" altLang="en-US" sz="1400" b="0" i="0" u="none" strike="noStrike" cap="none" normalizeH="0" baseline="0">
+                <a:ln>
+                  <a:noFill/>
+                </a:ln>
+                <a:solidFill>
+                  <a:schemeClr val="tx1"/>
+                </a:solidFill>
+                <a:effectLst/>
+                <a:latin typeface="Arial" panose="020B0604020202020204" pitchFamily="34" charset="0"/>
+                <a:cs typeface="Arial" panose="020B0604020202020204" pitchFamily="34" charset="0"/>
+              </a:rPr>
+              <a:t>Məlumatların yoxlanılması və işlənməsi.</a:t>
+            </a:r>
+          </a:p>
+          <a:p>
+            <a:pPr marL="0" marR="0" lvl="0" indent="0" algn="l" defTabSz="914400" rtl="0" eaLnBrk="0" fontAlgn="base" latinLnBrk="0" hangingPunct="0">
+              <a:lnSpc>
+                <a:spcPct val="100000"/>
+              </a:lnSpc>
+              <a:spcBef>
+                <a:spcPct val="0"/>
+              </a:spcBef>
+              <a:spcAft>
+                <a:spcPct val="0"/>
+              </a:spcAft>
+              <a:buClrTx/>
+              <a:buSzTx/>
+              <a:buFontTx/>
+              <a:buNone/>
+              <a:tabLst/>
+            </a:pPr>
+            <a:endParaRPr kumimoji="0" lang="en-US" altLang="en-US" sz="1400" b="0" i="0" u="none" strike="noStrike" cap="none" normalizeH="0" baseline="0">
+              <a:ln>
+                <a:noFill/>
+              </a:ln>
+              <a:solidFill>
+                <a:schemeClr val="tx1"/>
+              </a:solidFill>
+              <a:effectLst/>
+              <a:latin typeface="Arial" panose="020B0604020202020204" pitchFamily="34" charset="0"/>
+              <a:cs typeface="Arial" panose="020B0604020202020204" pitchFamily="34" charset="0"/>
+            </a:endParaRPr>
+          </a:p>
+          <a:p>
+            <a:pPr>
+              <a:lnSpc>
+                <a:spcPct val="150000"/>
+              </a:lnSpc>
+            </a:pPr>
+            <a:endParaRPr lang="az-Latn-AZ" sz="1400">
+              <a:latin typeface="Arial" panose="020B0604020202020204" pitchFamily="34" charset="0"/>
+              <a:cs typeface="Arial" panose="020B0604020202020204" pitchFamily="34" charset="0"/>
+            </a:endParaRPr>
+          </a:p>
+          <a:p>
+            <a:pPr>
+              <a:lnSpc>
+                <a:spcPct val="150000"/>
+              </a:lnSpc>
+            </a:pPr>
+            <a:endParaRPr lang="az-Latn-AZ" sz="1400">
+              <a:latin typeface="Arial" panose="020B0604020202020204" pitchFamily="34" charset="0"/>
+              <a:cs typeface="Arial" panose="020B0604020202020204" pitchFamily="34" charset="0"/>
+            </a:endParaRPr>
+          </a:p>
+          <a:p>
+            <a:pPr>
+              <a:lnSpc>
+                <a:spcPct val="150000"/>
+              </a:lnSpc>
+            </a:pPr>
+            <a:endParaRPr lang="az-Latn-AZ" sz="1400">
+              <a:latin typeface="Arial" panose="020B0604020202020204" pitchFamily="34" charset="0"/>
+              <a:cs typeface="Arial" panose="020B0604020202020204" pitchFamily="34" charset="0"/>
+            </a:endParaRPr>
+          </a:p>
+          <a:p>
+            <a:pPr>
+              <a:lnSpc>
+                <a:spcPct val="150000"/>
+              </a:lnSpc>
+            </a:pPr>
+            <a:endParaRPr lang="az-Latn-AZ" sz="1400">
+              <a:latin typeface="Arial" panose="020B0604020202020204" pitchFamily="34" charset="0"/>
+              <a:cs typeface="Arial" panose="020B0604020202020204" pitchFamily="34" charset="0"/>
+            </a:endParaRPr>
+          </a:p>
+          <a:p>
+            <a:pPr marL="0" marR="0" lvl="0" indent="0" algn="l" defTabSz="914400" rtl="0" eaLnBrk="0" fontAlgn="base" latinLnBrk="0" hangingPunct="0">
+              <a:lnSpc>
+                <a:spcPct val="100000"/>
+              </a:lnSpc>
+              <a:spcBef>
+                <a:spcPct val="0"/>
+              </a:spcBef>
+              <a:spcAft>
+                <a:spcPct val="0"/>
+              </a:spcAft>
+              <a:buClrTx/>
+              <a:buSzTx/>
+              <a:buFontTx/>
+              <a:buNone/>
+              <a:tabLst/>
+            </a:pPr>
+            <a:r>
+              <a:rPr kumimoji="0" lang="en-US" altLang="en-US" sz="1400" b="1" i="0" u="none" strike="noStrike" cap="none" normalizeH="0" baseline="0">
+                <a:ln>
+                  <a:noFill/>
+                </a:ln>
+                <a:solidFill>
+                  <a:schemeClr val="tx1"/>
+                </a:solidFill>
+                <a:effectLst/>
+                <a:latin typeface="Arial" panose="020B0604020202020204" pitchFamily="34" charset="0"/>
+                <a:cs typeface="Arial" panose="020B0604020202020204" pitchFamily="34" charset="0"/>
+              </a:rPr>
+              <a:t>2. View (resources/views)</a:t>
+            </a:r>
+            <a:r>
+              <a:rPr lang="az-Latn-AZ" altLang="en-US" sz="1400" b="1">
+                <a:latin typeface="Arial" panose="020B0604020202020204" pitchFamily="34" charset="0"/>
+                <a:cs typeface="Arial" panose="020B0604020202020204" pitchFamily="34" charset="0"/>
+              </a:rPr>
+              <a:t> - </a:t>
+            </a:r>
+            <a:r>
+              <a:rPr kumimoji="0" lang="en-US" altLang="en-US" sz="1400" b="0" i="0" u="none" strike="noStrike" cap="none" normalizeH="0" baseline="0">
+                <a:ln>
+                  <a:noFill/>
+                </a:ln>
+                <a:solidFill>
+                  <a:schemeClr val="tx1"/>
+                </a:solidFill>
+                <a:effectLst/>
+                <a:latin typeface="Arial" panose="020B0604020202020204" pitchFamily="34" charset="0"/>
+                <a:cs typeface="Arial" panose="020B0604020202020204" pitchFamily="34" charset="0"/>
+              </a:rPr>
+              <a:t>View istifadəçiyə göstərilən interfeys (HTML) hissəsini təşkil edir. </a:t>
+            </a:r>
+            <a:r>
+              <a:rPr kumimoji="0" lang="en-US" altLang="en-US" sz="1400" b="1" i="0" u="none" strike="noStrike" cap="none" normalizeH="0" baseline="0">
+                <a:ln>
+                  <a:noFill/>
+                </a:ln>
+                <a:solidFill>
+                  <a:schemeClr val="tx1"/>
+                </a:solidFill>
+                <a:effectLst/>
+                <a:latin typeface="Arial" panose="020B0604020202020204" pitchFamily="34" charset="0"/>
+                <a:cs typeface="Arial" panose="020B0604020202020204" pitchFamily="34" charset="0"/>
+              </a:rPr>
+              <a:t>Blade templating engine </a:t>
+            </a:r>
+            <a:r>
+              <a:rPr kumimoji="0" lang="en-US" altLang="en-US" sz="1400" b="0" i="0" u="none" strike="noStrike" cap="none" normalizeH="0" baseline="0">
+                <a:ln>
+                  <a:noFill/>
+                </a:ln>
+                <a:solidFill>
+                  <a:schemeClr val="tx1"/>
+                </a:solidFill>
+                <a:effectLst/>
+                <a:latin typeface="Arial" panose="020B0604020202020204" pitchFamily="34" charset="0"/>
+                <a:cs typeface="Arial" panose="020B0604020202020204" pitchFamily="34" charset="0"/>
+              </a:rPr>
+              <a:t>istifadə olunur.</a:t>
+            </a:r>
+            <a:endParaRPr kumimoji="0" lang="az-Latn-AZ" altLang="en-US" sz="1400" b="0" i="0" u="none" strike="noStrike" cap="none" normalizeH="0" baseline="0">
+              <a:ln>
+                <a:noFill/>
+              </a:ln>
+              <a:solidFill>
+                <a:schemeClr val="tx1"/>
+              </a:solidFill>
+              <a:effectLst/>
+              <a:latin typeface="Arial" panose="020B0604020202020204" pitchFamily="34" charset="0"/>
+              <a:cs typeface="Arial" panose="020B0604020202020204" pitchFamily="34" charset="0"/>
+            </a:endParaRPr>
+          </a:p>
+          <a:p>
+            <a:pPr marL="0" marR="0" lvl="0" indent="0" algn="l" defTabSz="914400" rtl="0" eaLnBrk="0" fontAlgn="base" latinLnBrk="0" hangingPunct="0">
+              <a:lnSpc>
+                <a:spcPct val="100000"/>
+              </a:lnSpc>
+              <a:spcBef>
+                <a:spcPct val="0"/>
+              </a:spcBef>
+              <a:spcAft>
+                <a:spcPct val="0"/>
+              </a:spcAft>
+              <a:buClrTx/>
+              <a:buSzTx/>
+              <a:buFontTx/>
+              <a:buNone/>
+              <a:tabLst/>
+            </a:pPr>
+            <a:endParaRPr kumimoji="0" lang="en-US" altLang="en-US" sz="1400" b="0" i="0" u="none" strike="noStrike" cap="none" normalizeH="0" baseline="0">
+              <a:ln>
+                <a:noFill/>
+              </a:ln>
+              <a:solidFill>
+                <a:schemeClr val="tx1"/>
+              </a:solidFill>
+              <a:effectLst/>
+              <a:latin typeface="Arial" panose="020B0604020202020204" pitchFamily="34" charset="0"/>
+              <a:cs typeface="Arial" panose="020B0604020202020204" pitchFamily="34" charset="0"/>
+            </a:endParaRPr>
+          </a:p>
+          <a:p>
+            <a:pPr marL="0" marR="0" lvl="0" indent="0" algn="l" defTabSz="914400" rtl="0" eaLnBrk="0" fontAlgn="base" latinLnBrk="0" hangingPunct="0">
+              <a:lnSpc>
+                <a:spcPct val="100000"/>
+              </a:lnSpc>
+              <a:spcBef>
+                <a:spcPct val="0"/>
+              </a:spcBef>
+              <a:spcAft>
+                <a:spcPct val="0"/>
+              </a:spcAft>
+              <a:buClrTx/>
+              <a:buSzTx/>
+              <a:buFontTx/>
+              <a:buNone/>
+              <a:tabLst/>
+            </a:pPr>
+            <a:r>
+              <a:rPr kumimoji="0" lang="en-US" altLang="en-US" sz="1400" b="1" i="0" u="none" strike="noStrike" cap="none" normalizeH="0" baseline="0">
+                <a:ln>
+                  <a:noFill/>
+                </a:ln>
+                <a:solidFill>
+                  <a:schemeClr val="tx1"/>
+                </a:solidFill>
+                <a:effectLst/>
+                <a:latin typeface="Arial" panose="020B0604020202020204" pitchFamily="34" charset="0"/>
+                <a:cs typeface="Arial" panose="020B0604020202020204" pitchFamily="34" charset="0"/>
+              </a:rPr>
+              <a:t>Əsas funksiyaları:</a:t>
+            </a:r>
+            <a:endParaRPr kumimoji="0" lang="en-US" altLang="en-US" sz="1400" b="0" i="0" u="none" strike="noStrike" cap="none" normalizeH="0" baseline="0">
+              <a:ln>
+                <a:noFill/>
+              </a:ln>
+              <a:solidFill>
+                <a:schemeClr val="tx1"/>
+              </a:solidFill>
+              <a:effectLst/>
+              <a:latin typeface="Arial" panose="020B0604020202020204" pitchFamily="34" charset="0"/>
+              <a:cs typeface="Arial" panose="020B0604020202020204" pitchFamily="34" charset="0"/>
+            </a:endParaRPr>
+          </a:p>
+          <a:p>
+            <a:pPr marL="285750" marR="0" lvl="0" indent="-285750" algn="l" defTabSz="914400" rtl="0" eaLnBrk="0" fontAlgn="base" latinLnBrk="0" hangingPunct="0">
+              <a:lnSpc>
+                <a:spcPct val="100000"/>
+              </a:lnSpc>
+              <a:spcBef>
+                <a:spcPct val="0"/>
+              </a:spcBef>
+              <a:spcAft>
+                <a:spcPct val="0"/>
+              </a:spcAft>
+              <a:buClrTx/>
+              <a:buSzTx/>
+              <a:buFont typeface="Arial" panose="020B0604020202020204" pitchFamily="34" charset="0"/>
+              <a:buChar char="•"/>
+              <a:tabLst/>
+            </a:pPr>
+            <a:r>
+              <a:rPr kumimoji="0" lang="en-US" altLang="en-US" sz="1400" b="0" i="0" u="none" strike="noStrike" cap="none" normalizeH="0" baseline="0">
+                <a:ln>
+                  <a:noFill/>
+                </a:ln>
+                <a:solidFill>
+                  <a:schemeClr val="tx1"/>
+                </a:solidFill>
+                <a:effectLst/>
+                <a:latin typeface="Arial" panose="020B0604020202020204" pitchFamily="34" charset="0"/>
+                <a:cs typeface="Arial" panose="020B0604020202020204" pitchFamily="34" charset="0"/>
+              </a:rPr>
+              <a:t>UI dizaynı və təqdimat.</a:t>
+            </a:r>
+          </a:p>
+          <a:p>
+            <a:pPr marL="285750" marR="0" lvl="0" indent="-285750" algn="l" defTabSz="914400" rtl="0" eaLnBrk="0" fontAlgn="base" latinLnBrk="0" hangingPunct="0">
+              <a:lnSpc>
+                <a:spcPct val="100000"/>
+              </a:lnSpc>
+              <a:spcBef>
+                <a:spcPct val="0"/>
+              </a:spcBef>
+              <a:spcAft>
+                <a:spcPct val="0"/>
+              </a:spcAft>
+              <a:buClrTx/>
+              <a:buSzTx/>
+              <a:buFont typeface="Arial" panose="020B0604020202020204" pitchFamily="34" charset="0"/>
+              <a:buChar char="•"/>
+              <a:tabLst/>
+            </a:pPr>
+            <a:r>
+              <a:rPr kumimoji="0" lang="en-US" altLang="en-US" sz="1400" b="0" i="0" u="none" strike="noStrike" cap="none" normalizeH="0" baseline="0">
+                <a:ln>
+                  <a:noFill/>
+                </a:ln>
+                <a:solidFill>
+                  <a:schemeClr val="tx1"/>
+                </a:solidFill>
+                <a:effectLst/>
+                <a:latin typeface="Arial" panose="020B0604020202020204" pitchFamily="34" charset="0"/>
+                <a:cs typeface="Arial" panose="020B0604020202020204" pitchFamily="34" charset="0"/>
+              </a:rPr>
+              <a:t>Blade sintaksisi ilə dəyişənlərin göstərilməsi.</a:t>
+            </a:r>
+          </a:p>
+          <a:p>
+            <a:pPr marL="285750" marR="0" lvl="0" indent="-285750" algn="l" defTabSz="914400" rtl="0" eaLnBrk="0" fontAlgn="base" latinLnBrk="0" hangingPunct="0">
+              <a:lnSpc>
+                <a:spcPct val="100000"/>
+              </a:lnSpc>
+              <a:spcBef>
+                <a:spcPct val="0"/>
+              </a:spcBef>
+              <a:spcAft>
+                <a:spcPct val="0"/>
+              </a:spcAft>
+              <a:buClrTx/>
+              <a:buSzTx/>
+              <a:buFont typeface="Arial" panose="020B0604020202020204" pitchFamily="34" charset="0"/>
+              <a:buChar char="•"/>
+              <a:tabLst/>
+            </a:pPr>
+            <a:r>
+              <a:rPr kumimoji="0" lang="en-US" altLang="en-US" sz="1400" b="0" i="0" u="none" strike="noStrike" cap="none" normalizeH="0" baseline="0">
+                <a:ln>
+                  <a:noFill/>
+                </a:ln>
+                <a:solidFill>
+                  <a:schemeClr val="tx1"/>
+                </a:solidFill>
+                <a:effectLst/>
+                <a:latin typeface="Arial" panose="020B0604020202020204" pitchFamily="34" charset="0"/>
+                <a:cs typeface="Arial" panose="020B0604020202020204" pitchFamily="34" charset="0"/>
+              </a:rPr>
+              <a:t>Layout və component əsaslı frontend strukturlaşması.</a:t>
+            </a:r>
+          </a:p>
+        </p:txBody>
+      </p:sp>
+      <p:pic>
+        <p:nvPicPr>
+          <p:cNvPr id="9" name="Picture 8">
+            <a:extLst>
+              <a:ext uri="{FF2B5EF4-FFF2-40B4-BE49-F238E27FC236}">
+                <a16:creationId xmlns:a16="http://schemas.microsoft.com/office/drawing/2014/main" id="{354DFAF0-7559-E856-1E55-A51CCB9BC8BB}"/>
+              </a:ext>
+            </a:extLst>
+          </p:cNvPr>
+          <p:cNvPicPr>
+            <a:picLocks noChangeAspect="1"/>
+          </p:cNvPicPr>
+          <p:nvPr/>
+        </p:nvPicPr>
+        <p:blipFill>
+          <a:blip r:embed="rId2"/>
+          <a:stretch>
+            <a:fillRect/>
+          </a:stretch>
+        </p:blipFill>
+        <p:spPr>
+          <a:xfrm>
+            <a:off x="9249324" y="0"/>
+            <a:ext cx="2942676" cy="6858000"/>
+          </a:xfrm>
+          <a:prstGeom prst="rect">
+            <a:avLst/>
+          </a:prstGeom>
+        </p:spPr>
+      </p:pic>
+    </p:spTree>
+    <p:extLst>
+      <p:ext uri="{BB962C8B-B14F-4D97-AF65-F5344CB8AC3E}">
+        <p14:creationId xmlns:p14="http://schemas.microsoft.com/office/powerpoint/2010/main" val="1360096130"/>
+      </p:ext>
+    </p:extLst>
+  </p:cSld>
+  <p:clrMapOvr>
+    <a:masterClrMapping/>
+  </p:clrMapOvr>
+</p:sld>
+</file>
+
+<file path=ppt/slides/slide11.xml><?xml version="1.0" encoding="utf-8"?>
+<p:sld xmlns:a="http://schemas.openxmlformats.org/drawingml/2006/main" xmlns:r="http://schemas.openxmlformats.org/officeDocument/2006/relationships" xmlns:p="http://schemas.openxmlformats.org/presentationml/2006/main">
+  <p:cSld>
+    <p:spTree>
+      <p:nvGrpSpPr>
+        <p:cNvPr id="1" name="">
+          <a:extLst>
+            <a:ext uri="{FF2B5EF4-FFF2-40B4-BE49-F238E27FC236}">
+              <a16:creationId xmlns:a16="http://schemas.microsoft.com/office/drawing/2014/main" id="{74413EE5-7CD2-C589-3522-1362CA2466D4}"/>
+            </a:ext>
+          </a:extLst>
+        </p:cNvPr>
+        <p:cNvGrpSpPr/>
+        <p:nvPr/>
+      </p:nvGrpSpPr>
+      <p:grpSpPr>
+        <a:xfrm>
+          <a:off x="0" y="0"/>
+          <a:ext cx="0" cy="0"/>
+          <a:chOff x="0" y="0"/>
+          <a:chExt cx="0" cy="0"/>
+        </a:xfrm>
+      </p:grpSpPr>
+      <p:sp>
+        <p:nvSpPr>
+          <p:cNvPr id="3" name="TextBox 2">
+            <a:extLst>
+              <a:ext uri="{FF2B5EF4-FFF2-40B4-BE49-F238E27FC236}">
+                <a16:creationId xmlns:a16="http://schemas.microsoft.com/office/drawing/2014/main" id="{CF8D4F9B-A6F4-0CDE-1665-B90D1D8CFAE1}"/>
+              </a:ext>
+            </a:extLst>
+          </p:cNvPr>
+          <p:cNvSpPr txBox="1"/>
+          <p:nvPr/>
+        </p:nvSpPr>
+        <p:spPr>
+          <a:xfrm>
+            <a:off x="217714" y="255046"/>
+            <a:ext cx="11756571" cy="6093976"/>
+          </a:xfrm>
+          <a:prstGeom prst="rect">
+            <a:avLst/>
+          </a:prstGeom>
+          <a:noFill/>
+        </p:spPr>
+        <p:txBody>
+          <a:bodyPr wrap="square">
+            <a:spAutoFit/>
+          </a:bodyPr>
+          <a:lstStyle/>
+          <a:p>
+            <a:pPr marL="0" marR="0" lvl="0" indent="0" algn="l" defTabSz="914400" rtl="0" eaLnBrk="0" fontAlgn="base" latinLnBrk="0" hangingPunct="0">
+              <a:lnSpc>
+                <a:spcPct val="100000"/>
+              </a:lnSpc>
+              <a:spcBef>
+                <a:spcPct val="0"/>
+              </a:spcBef>
+              <a:spcAft>
+                <a:spcPct val="0"/>
+              </a:spcAft>
+              <a:buClrTx/>
+              <a:buSzTx/>
+              <a:buFontTx/>
+              <a:buNone/>
+              <a:tabLst/>
+            </a:pPr>
+            <a:r>
+              <a:rPr kumimoji="0" lang="en-US" altLang="en-US" sz="1300" b="1" i="0" u="none" strike="noStrike" cap="none" normalizeH="0" baseline="0">
+                <a:ln>
+                  <a:noFill/>
+                </a:ln>
+                <a:solidFill>
+                  <a:schemeClr val="tx1"/>
+                </a:solidFill>
+                <a:effectLst/>
+                <a:latin typeface="Arial" panose="020B0604020202020204" pitchFamily="34" charset="0"/>
+              </a:rPr>
+              <a:t>3. Controller (</a:t>
+            </a:r>
+            <a:r>
+              <a:rPr kumimoji="0" lang="en-US" altLang="en-US" sz="1300" b="1" i="0" u="none" strike="noStrike" cap="none" normalizeH="0" baseline="0">
+                <a:ln>
+                  <a:noFill/>
+                </a:ln>
+                <a:solidFill>
+                  <a:schemeClr val="tx1"/>
+                </a:solidFill>
+                <a:effectLst/>
+                <a:latin typeface="Arial Unicode MS"/>
+              </a:rPr>
+              <a:t>app/Http/Controllers</a:t>
+            </a:r>
+            <a:r>
+              <a:rPr kumimoji="0" lang="en-US" altLang="en-US" sz="1300" b="1" i="0" u="none" strike="noStrike" cap="none" normalizeH="0" baseline="0">
+                <a:ln>
+                  <a:noFill/>
+                </a:ln>
+                <a:solidFill>
+                  <a:schemeClr val="tx1"/>
+                </a:solidFill>
+                <a:effectLst/>
+              </a:rPr>
+              <a:t>)</a:t>
+            </a:r>
+            <a:r>
+              <a:rPr lang="az-Latn-AZ" altLang="en-US" sz="1300" b="1">
+                <a:latin typeface="Arial" panose="020B0604020202020204" pitchFamily="34" charset="0"/>
+              </a:rPr>
+              <a:t> - </a:t>
+            </a:r>
+            <a:r>
+              <a:rPr kumimoji="0" lang="en-US" altLang="en-US" sz="1300" b="0" i="0" u="none" strike="noStrike" cap="none" normalizeH="0" baseline="0">
+                <a:ln>
+                  <a:noFill/>
+                </a:ln>
+                <a:solidFill>
+                  <a:schemeClr val="tx1"/>
+                </a:solidFill>
+                <a:effectLst/>
+                <a:latin typeface="Arial" panose="020B0604020202020204" pitchFamily="34" charset="0"/>
+              </a:rPr>
+              <a:t>Controller</a:t>
+            </a:r>
+            <a:r>
+              <a:rPr kumimoji="0" lang="az-Latn-AZ" altLang="en-US" sz="1300" b="0" i="0" u="none" strike="noStrike" cap="none" normalizeH="0" baseline="0">
+                <a:ln>
+                  <a:noFill/>
+                </a:ln>
+                <a:solidFill>
+                  <a:schemeClr val="tx1"/>
+                </a:solidFill>
+                <a:effectLst/>
+                <a:latin typeface="Arial" panose="020B0604020202020204" pitchFamily="34" charset="0"/>
+              </a:rPr>
+              <a:t>,</a:t>
+            </a:r>
+            <a:r>
+              <a:rPr kumimoji="0" lang="en-US" altLang="en-US" sz="1300" b="0" i="0" u="none" strike="noStrike" cap="none" normalizeH="0" baseline="0">
+                <a:ln>
+                  <a:noFill/>
+                </a:ln>
+                <a:solidFill>
+                  <a:schemeClr val="tx1"/>
+                </a:solidFill>
+                <a:effectLst/>
+                <a:latin typeface="Arial" panose="020B0604020202020204" pitchFamily="34" charset="0"/>
+              </a:rPr>
+              <a:t> View və Model arasında körpü rolunu oynayır. Sorğuları qəbul edir, modeli çağırır və nəticəni View-a ötürür.</a:t>
+            </a:r>
+            <a:endParaRPr kumimoji="0" lang="az-Latn-AZ" altLang="en-US" sz="1300" b="0" i="0" u="none" strike="noStrike" cap="none" normalizeH="0" baseline="0">
+              <a:ln>
+                <a:noFill/>
+              </a:ln>
+              <a:solidFill>
+                <a:schemeClr val="tx1"/>
+              </a:solidFill>
+              <a:effectLst/>
+              <a:latin typeface="Arial" panose="020B0604020202020204" pitchFamily="34" charset="0"/>
+            </a:endParaRPr>
+          </a:p>
+          <a:p>
+            <a:pPr marL="0" marR="0" lvl="0" indent="0" algn="l" defTabSz="914400" rtl="0" eaLnBrk="0" fontAlgn="base" latinLnBrk="0" hangingPunct="0">
+              <a:lnSpc>
+                <a:spcPct val="100000"/>
+              </a:lnSpc>
+              <a:spcBef>
+                <a:spcPct val="0"/>
+              </a:spcBef>
+              <a:spcAft>
+                <a:spcPct val="0"/>
+              </a:spcAft>
+              <a:buClrTx/>
+              <a:buSzTx/>
+              <a:buFontTx/>
+              <a:buNone/>
+              <a:tabLst/>
+            </a:pPr>
+            <a:endParaRPr kumimoji="0" lang="en-US" altLang="en-US" sz="1300" b="0" i="0" u="none" strike="noStrike" cap="none" normalizeH="0" baseline="0">
+              <a:ln>
+                <a:noFill/>
+              </a:ln>
+              <a:solidFill>
+                <a:schemeClr val="tx1"/>
+              </a:solidFill>
+              <a:effectLst/>
+              <a:latin typeface="Arial" panose="020B0604020202020204" pitchFamily="34" charset="0"/>
+            </a:endParaRPr>
+          </a:p>
+          <a:p>
+            <a:pPr marL="0" marR="0" lvl="0" indent="0" algn="l" defTabSz="914400" rtl="0" eaLnBrk="0" fontAlgn="base" latinLnBrk="0" hangingPunct="0">
+              <a:lnSpc>
+                <a:spcPct val="100000"/>
+              </a:lnSpc>
+              <a:spcBef>
+                <a:spcPct val="0"/>
+              </a:spcBef>
+              <a:spcAft>
+                <a:spcPct val="0"/>
+              </a:spcAft>
+              <a:buClrTx/>
+              <a:buSzTx/>
+              <a:buFontTx/>
+              <a:buNone/>
+              <a:tabLst/>
+            </a:pPr>
+            <a:r>
+              <a:rPr kumimoji="0" lang="en-US" altLang="en-US" sz="1300" b="1" i="0" u="none" strike="noStrike" cap="none" normalizeH="0" baseline="0">
+                <a:ln>
+                  <a:noFill/>
+                </a:ln>
+                <a:solidFill>
+                  <a:schemeClr val="tx1"/>
+                </a:solidFill>
+                <a:effectLst/>
+                <a:latin typeface="Arial" panose="020B0604020202020204" pitchFamily="34" charset="0"/>
+              </a:rPr>
+              <a:t>Əsas funksiyaları:</a:t>
+            </a:r>
+            <a:endParaRPr kumimoji="0" lang="en-US" altLang="en-US" sz="1300" b="0" i="0" u="none" strike="noStrike" cap="none" normalizeH="0" baseline="0">
+              <a:ln>
+                <a:noFill/>
+              </a:ln>
+              <a:solidFill>
+                <a:schemeClr val="tx1"/>
+              </a:solidFill>
+              <a:effectLst/>
+              <a:latin typeface="Arial" panose="020B0604020202020204" pitchFamily="34" charset="0"/>
+            </a:endParaRPr>
+          </a:p>
+          <a:p>
+            <a:pPr marL="285750" marR="0" lvl="0" indent="-285750" algn="l" defTabSz="914400" rtl="0" eaLnBrk="0" fontAlgn="base" latinLnBrk="0" hangingPunct="0">
+              <a:lnSpc>
+                <a:spcPct val="100000"/>
+              </a:lnSpc>
+              <a:spcBef>
+                <a:spcPct val="0"/>
+              </a:spcBef>
+              <a:spcAft>
+                <a:spcPct val="0"/>
+              </a:spcAft>
+              <a:buClrTx/>
+              <a:buSzTx/>
+              <a:buFont typeface="Arial" panose="020B0604020202020204" pitchFamily="34" charset="0"/>
+              <a:buChar char="•"/>
+              <a:tabLst/>
+            </a:pPr>
+            <a:r>
+              <a:rPr kumimoji="0" lang="en-US" altLang="en-US" sz="1300" b="0" i="0" u="none" strike="noStrike" cap="none" normalizeH="0" baseline="0">
+                <a:ln>
+                  <a:noFill/>
+                </a:ln>
+                <a:solidFill>
+                  <a:schemeClr val="tx1"/>
+                </a:solidFill>
+                <a:effectLst/>
+                <a:latin typeface="Arial" panose="020B0604020202020204" pitchFamily="34" charset="0"/>
+              </a:rPr>
+              <a:t>HTTP sorğularını idarə etmək.</a:t>
+            </a:r>
+          </a:p>
+          <a:p>
+            <a:pPr marL="285750" marR="0" lvl="0" indent="-285750" algn="l" defTabSz="914400" rtl="0" eaLnBrk="0" fontAlgn="base" latinLnBrk="0" hangingPunct="0">
+              <a:lnSpc>
+                <a:spcPct val="100000"/>
+              </a:lnSpc>
+              <a:spcBef>
+                <a:spcPct val="0"/>
+              </a:spcBef>
+              <a:spcAft>
+                <a:spcPct val="0"/>
+              </a:spcAft>
+              <a:buClrTx/>
+              <a:buSzTx/>
+              <a:buFont typeface="Arial" panose="020B0604020202020204" pitchFamily="34" charset="0"/>
+              <a:buChar char="•"/>
+              <a:tabLst/>
+            </a:pPr>
+            <a:r>
+              <a:rPr kumimoji="0" lang="en-US" altLang="en-US" sz="1300" b="0" i="0" u="none" strike="noStrike" cap="none" normalizeH="0" baseline="0">
+                <a:ln>
+                  <a:noFill/>
+                </a:ln>
+                <a:solidFill>
+                  <a:schemeClr val="tx1"/>
+                </a:solidFill>
+                <a:effectLst/>
+                <a:latin typeface="Arial" panose="020B0604020202020204" pitchFamily="34" charset="0"/>
+              </a:rPr>
+              <a:t>Biznes məntiqi yazmaq.</a:t>
+            </a:r>
+          </a:p>
+          <a:p>
+            <a:pPr marL="285750" marR="0" lvl="0" indent="-285750" algn="l" defTabSz="914400" rtl="0" eaLnBrk="0" fontAlgn="base" latinLnBrk="0" hangingPunct="0">
+              <a:lnSpc>
+                <a:spcPct val="100000"/>
+              </a:lnSpc>
+              <a:spcBef>
+                <a:spcPct val="0"/>
+              </a:spcBef>
+              <a:spcAft>
+                <a:spcPct val="0"/>
+              </a:spcAft>
+              <a:buClrTx/>
+              <a:buSzTx/>
+              <a:buFont typeface="Arial" panose="020B0604020202020204" pitchFamily="34" charset="0"/>
+              <a:buChar char="•"/>
+              <a:tabLst/>
+            </a:pPr>
+            <a:r>
+              <a:rPr kumimoji="0" lang="en-US" altLang="en-US" sz="1300" b="0" i="0" u="none" strike="noStrike" cap="none" normalizeH="0" baseline="0">
+                <a:ln>
+                  <a:noFill/>
+                </a:ln>
+                <a:solidFill>
+                  <a:schemeClr val="tx1"/>
+                </a:solidFill>
+                <a:effectLst/>
+                <a:latin typeface="Arial" panose="020B0604020202020204" pitchFamily="34" charset="0"/>
+              </a:rPr>
+              <a:t>Middleware-lərlə işləmək.</a:t>
+            </a:r>
+          </a:p>
+          <a:p>
+            <a:pPr marL="0" marR="0" lvl="0" indent="0" algn="l" defTabSz="914400" rtl="0" eaLnBrk="0" fontAlgn="base" latinLnBrk="0" hangingPunct="0">
+              <a:lnSpc>
+                <a:spcPct val="100000"/>
+              </a:lnSpc>
+              <a:spcBef>
+                <a:spcPct val="0"/>
+              </a:spcBef>
+              <a:spcAft>
+                <a:spcPct val="0"/>
+              </a:spcAft>
+              <a:buClrTx/>
+              <a:buSzTx/>
+              <a:buFontTx/>
+              <a:buNone/>
+              <a:tabLst/>
+            </a:pPr>
+            <a:endParaRPr kumimoji="0" lang="az-Latn-AZ" altLang="en-US" sz="1300" b="0" i="0" u="none" strike="noStrike" cap="none" normalizeH="0" baseline="0">
+              <a:ln>
+                <a:noFill/>
+              </a:ln>
+              <a:solidFill>
+                <a:schemeClr val="tx1"/>
+              </a:solidFill>
+              <a:effectLst/>
+              <a:latin typeface="Arial" panose="020B0604020202020204" pitchFamily="34" charset="0"/>
+            </a:endParaRPr>
+          </a:p>
+          <a:p>
+            <a:pPr marL="0" marR="0" lvl="0" indent="0" algn="l" defTabSz="914400" rtl="0" eaLnBrk="0" fontAlgn="base" latinLnBrk="0" hangingPunct="0">
+              <a:lnSpc>
+                <a:spcPct val="100000"/>
+              </a:lnSpc>
+              <a:spcBef>
+                <a:spcPct val="0"/>
+              </a:spcBef>
+              <a:spcAft>
+                <a:spcPct val="0"/>
+              </a:spcAft>
+              <a:buClrTx/>
+              <a:buSzTx/>
+              <a:buFontTx/>
+              <a:buNone/>
+              <a:tabLst/>
+            </a:pPr>
+            <a:endParaRPr lang="az-Latn-AZ" altLang="en-US" sz="1300">
+              <a:latin typeface="Arial" panose="020B0604020202020204" pitchFamily="34" charset="0"/>
+            </a:endParaRPr>
+          </a:p>
+          <a:p>
+            <a:pPr marL="0" marR="0" lvl="0" indent="0" algn="l" defTabSz="914400" rtl="0" eaLnBrk="0" fontAlgn="base" latinLnBrk="0" hangingPunct="0">
+              <a:lnSpc>
+                <a:spcPct val="100000"/>
+              </a:lnSpc>
+              <a:spcBef>
+                <a:spcPct val="0"/>
+              </a:spcBef>
+              <a:spcAft>
+                <a:spcPct val="0"/>
+              </a:spcAft>
+              <a:buClrTx/>
+              <a:buSzTx/>
+              <a:buFontTx/>
+              <a:buNone/>
+              <a:tabLst/>
+            </a:pPr>
+            <a:endParaRPr lang="az-Latn-AZ" altLang="en-US" sz="1300">
+              <a:latin typeface="Arial" panose="020B0604020202020204" pitchFamily="34" charset="0"/>
+            </a:endParaRPr>
+          </a:p>
+          <a:p>
+            <a:pPr marL="0" marR="0" lvl="0" indent="0" algn="l" defTabSz="914400" rtl="0" eaLnBrk="0" fontAlgn="base" latinLnBrk="0" hangingPunct="0">
+              <a:lnSpc>
+                <a:spcPct val="100000"/>
+              </a:lnSpc>
+              <a:spcBef>
+                <a:spcPct val="0"/>
+              </a:spcBef>
+              <a:spcAft>
+                <a:spcPct val="0"/>
+              </a:spcAft>
+              <a:buClrTx/>
+              <a:buSzTx/>
+              <a:buFontTx/>
+              <a:buNone/>
+              <a:tabLst/>
+            </a:pPr>
+            <a:endParaRPr lang="az-Latn-AZ" altLang="en-US" sz="1300">
+              <a:latin typeface="Arial" panose="020B0604020202020204" pitchFamily="34" charset="0"/>
+            </a:endParaRPr>
+          </a:p>
+          <a:p>
+            <a:pPr marL="0" marR="0" lvl="0" indent="0" algn="l" defTabSz="914400" rtl="0" eaLnBrk="0" fontAlgn="base" latinLnBrk="0" hangingPunct="0">
+              <a:lnSpc>
+                <a:spcPct val="100000"/>
+              </a:lnSpc>
+              <a:spcBef>
+                <a:spcPct val="0"/>
+              </a:spcBef>
+              <a:spcAft>
+                <a:spcPct val="0"/>
+              </a:spcAft>
+              <a:buClrTx/>
+              <a:buSzTx/>
+              <a:buFontTx/>
+              <a:buNone/>
+              <a:tabLst/>
+            </a:pPr>
+            <a:endParaRPr lang="az-Latn-AZ" altLang="en-US" sz="1300">
+              <a:latin typeface="Arial" panose="020B0604020202020204" pitchFamily="34" charset="0"/>
+            </a:endParaRPr>
+          </a:p>
+          <a:p>
+            <a:pPr marL="0" marR="0" lvl="0" indent="0" algn="l" defTabSz="914400" rtl="0" eaLnBrk="0" fontAlgn="base" latinLnBrk="0" hangingPunct="0">
+              <a:lnSpc>
+                <a:spcPct val="100000"/>
+              </a:lnSpc>
+              <a:spcBef>
+                <a:spcPct val="0"/>
+              </a:spcBef>
+              <a:spcAft>
+                <a:spcPct val="0"/>
+              </a:spcAft>
+              <a:buClrTx/>
+              <a:buSzTx/>
+              <a:buFontTx/>
+              <a:buNone/>
+              <a:tabLst/>
+            </a:pPr>
+            <a:endParaRPr lang="az-Latn-AZ" altLang="en-US" sz="1300">
+              <a:latin typeface="Arial" panose="020B0604020202020204" pitchFamily="34" charset="0"/>
+            </a:endParaRPr>
+          </a:p>
+          <a:p>
+            <a:pPr marL="0" marR="0" lvl="0" indent="0" algn="l" defTabSz="914400" rtl="0" eaLnBrk="0" fontAlgn="base" latinLnBrk="0" hangingPunct="0">
+              <a:lnSpc>
+                <a:spcPct val="100000"/>
+              </a:lnSpc>
+              <a:spcBef>
+                <a:spcPct val="0"/>
+              </a:spcBef>
+              <a:spcAft>
+                <a:spcPct val="0"/>
+              </a:spcAft>
+              <a:buClrTx/>
+              <a:buSzTx/>
+              <a:buFontTx/>
+              <a:buNone/>
+              <a:tabLst/>
+            </a:pPr>
+            <a:r>
+              <a:rPr kumimoji="0" lang="en-US" altLang="en-US" sz="1300" b="1" i="0" u="none" strike="noStrike" cap="none" normalizeH="0" baseline="0">
+                <a:ln>
+                  <a:noFill/>
+                </a:ln>
+                <a:solidFill>
+                  <a:schemeClr val="tx1"/>
+                </a:solidFill>
+                <a:effectLst/>
+                <a:latin typeface="Arial" panose="020B0604020202020204" pitchFamily="34" charset="0"/>
+              </a:rPr>
+              <a:t>4. Routing (</a:t>
+            </a:r>
+            <a:r>
+              <a:rPr kumimoji="0" lang="en-US" altLang="en-US" sz="1300" b="1" i="0" u="none" strike="noStrike" cap="none" normalizeH="0" baseline="0">
+                <a:ln>
+                  <a:noFill/>
+                </a:ln>
+                <a:solidFill>
+                  <a:schemeClr val="tx1"/>
+                </a:solidFill>
+                <a:effectLst/>
+                <a:latin typeface="Arial Unicode MS"/>
+              </a:rPr>
+              <a:t>routes/web.php</a:t>
+            </a:r>
+            <a:r>
+              <a:rPr kumimoji="0" lang="en-US" altLang="en-US" sz="1300" b="1" i="0" u="none" strike="noStrike" cap="none" normalizeH="0" baseline="0">
+                <a:ln>
+                  <a:noFill/>
+                </a:ln>
+                <a:solidFill>
+                  <a:schemeClr val="tx1"/>
+                </a:solidFill>
+                <a:effectLst/>
+              </a:rPr>
+              <a:t> və </a:t>
+            </a:r>
+            <a:r>
+              <a:rPr kumimoji="0" lang="en-US" altLang="en-US" sz="1300" b="1" i="0" u="none" strike="noStrike" cap="none" normalizeH="0" baseline="0">
+                <a:ln>
+                  <a:noFill/>
+                </a:ln>
+                <a:solidFill>
+                  <a:schemeClr val="tx1"/>
+                </a:solidFill>
+                <a:effectLst/>
+                <a:latin typeface="Arial Unicode MS"/>
+              </a:rPr>
+              <a:t>routes/api.php</a:t>
+            </a:r>
+            <a:r>
+              <a:rPr kumimoji="0" lang="en-US" altLang="en-US" sz="1300" b="1" i="0" u="none" strike="noStrike" cap="none" normalizeH="0" baseline="0">
+                <a:ln>
+                  <a:noFill/>
+                </a:ln>
+                <a:solidFill>
+                  <a:schemeClr val="tx1"/>
+                </a:solidFill>
+                <a:effectLst/>
+              </a:rPr>
+              <a:t>)</a:t>
+            </a:r>
+            <a:r>
+              <a:rPr lang="az-Latn-AZ" altLang="en-US" sz="1300" b="1">
+                <a:latin typeface="Arial" panose="020B0604020202020204" pitchFamily="34" charset="0"/>
+              </a:rPr>
+              <a:t> - </a:t>
+            </a:r>
+            <a:r>
+              <a:rPr kumimoji="0" lang="en-US" altLang="en-US" sz="1300" b="0" i="0" u="none" strike="noStrike" cap="none" normalizeH="0" baseline="0">
+                <a:ln>
+                  <a:noFill/>
+                </a:ln>
+                <a:solidFill>
+                  <a:schemeClr val="tx1"/>
+                </a:solidFill>
+                <a:effectLst/>
+                <a:latin typeface="Arial" panose="020B0604020202020204" pitchFamily="34" charset="0"/>
+              </a:rPr>
+              <a:t>Routing HTTP sorğularının hansı controller və ya function-a yönləndiriləcəyini təyin edir.</a:t>
+            </a:r>
+            <a:endParaRPr kumimoji="0" lang="az-Latn-AZ" altLang="en-US" sz="1300" b="0" i="0" u="none" strike="noStrike" cap="none" normalizeH="0" baseline="0">
+              <a:ln>
+                <a:noFill/>
+              </a:ln>
+              <a:solidFill>
+                <a:schemeClr val="tx1"/>
+              </a:solidFill>
+              <a:effectLst/>
+              <a:latin typeface="Arial" panose="020B0604020202020204" pitchFamily="34" charset="0"/>
+            </a:endParaRPr>
+          </a:p>
+          <a:p>
+            <a:pPr marL="0" marR="0" lvl="0" indent="0" algn="l" defTabSz="914400" rtl="0" eaLnBrk="0" fontAlgn="base" latinLnBrk="0" hangingPunct="0">
+              <a:lnSpc>
+                <a:spcPct val="100000"/>
+              </a:lnSpc>
+              <a:spcBef>
+                <a:spcPct val="0"/>
+              </a:spcBef>
+              <a:spcAft>
+                <a:spcPct val="0"/>
+              </a:spcAft>
+              <a:buClrTx/>
+              <a:buSzTx/>
+              <a:buFontTx/>
+              <a:buNone/>
+              <a:tabLst/>
+            </a:pPr>
+            <a:endParaRPr kumimoji="0" lang="en-US" altLang="en-US" sz="1300" b="0" i="0" u="none" strike="noStrike" cap="none" normalizeH="0" baseline="0">
+              <a:ln>
+                <a:noFill/>
+              </a:ln>
+              <a:solidFill>
+                <a:schemeClr val="tx1"/>
+              </a:solidFill>
+              <a:effectLst/>
+              <a:latin typeface="Arial" panose="020B0604020202020204" pitchFamily="34" charset="0"/>
+            </a:endParaRPr>
+          </a:p>
+          <a:p>
+            <a:pPr marL="0" marR="0" lvl="0" indent="0" algn="l" defTabSz="914400" rtl="0" eaLnBrk="0" fontAlgn="base" latinLnBrk="0" hangingPunct="0">
+              <a:lnSpc>
+                <a:spcPct val="100000"/>
+              </a:lnSpc>
+              <a:spcBef>
+                <a:spcPct val="0"/>
+              </a:spcBef>
+              <a:spcAft>
+                <a:spcPct val="0"/>
+              </a:spcAft>
+              <a:buClrTx/>
+              <a:buSzTx/>
+              <a:buFontTx/>
+              <a:buNone/>
+              <a:tabLst/>
+            </a:pPr>
+            <a:r>
+              <a:rPr kumimoji="0" lang="en-US" altLang="en-US" sz="1300" b="1" i="0" u="none" strike="noStrike" cap="none" normalizeH="0" baseline="0">
+                <a:ln>
+                  <a:noFill/>
+                </a:ln>
+                <a:solidFill>
+                  <a:schemeClr val="tx1"/>
+                </a:solidFill>
+                <a:effectLst/>
+                <a:latin typeface="Arial" panose="020B0604020202020204" pitchFamily="34" charset="0"/>
+              </a:rPr>
+              <a:t>Əsas funksiyaları:</a:t>
+            </a:r>
+            <a:endParaRPr kumimoji="0" lang="en-US" altLang="en-US" sz="1300" b="0" i="0" u="none" strike="noStrike" cap="none" normalizeH="0" baseline="0">
+              <a:ln>
+                <a:noFill/>
+              </a:ln>
+              <a:solidFill>
+                <a:schemeClr val="tx1"/>
+              </a:solidFill>
+              <a:effectLst/>
+              <a:latin typeface="Arial" panose="020B0604020202020204" pitchFamily="34" charset="0"/>
+            </a:endParaRPr>
+          </a:p>
+          <a:p>
+            <a:pPr marL="285750" marR="0" lvl="0" indent="-285750" algn="l" defTabSz="914400" rtl="0" eaLnBrk="0" fontAlgn="base" latinLnBrk="0" hangingPunct="0">
+              <a:lnSpc>
+                <a:spcPct val="100000"/>
+              </a:lnSpc>
+              <a:spcBef>
+                <a:spcPct val="0"/>
+              </a:spcBef>
+              <a:spcAft>
+                <a:spcPct val="0"/>
+              </a:spcAft>
+              <a:buClrTx/>
+              <a:buSzTx/>
+              <a:buFont typeface="Arial" panose="020B0604020202020204" pitchFamily="34" charset="0"/>
+              <a:buChar char="•"/>
+              <a:tabLst/>
+            </a:pPr>
+            <a:r>
+              <a:rPr kumimoji="0" lang="en-US" altLang="en-US" sz="1300" b="0" i="0" u="none" strike="noStrike" cap="none" normalizeH="0" baseline="0">
+                <a:ln>
+                  <a:noFill/>
+                </a:ln>
+                <a:solidFill>
+                  <a:schemeClr val="tx1"/>
+                </a:solidFill>
+                <a:effectLst/>
+                <a:latin typeface="Arial" panose="020B0604020202020204" pitchFamily="34" charset="0"/>
+              </a:rPr>
+              <a:t>URL-lər</a:t>
+            </a:r>
+            <a:r>
+              <a:rPr lang="az-Latn-AZ" altLang="en-US" sz="1300">
+                <a:latin typeface="Arial" panose="020B0604020202020204" pitchFamily="34" charset="0"/>
+              </a:rPr>
+              <a:t>dən istifadə edərək,</a:t>
+            </a:r>
+            <a:r>
+              <a:rPr kumimoji="0" lang="en-US" altLang="en-US" sz="1300" b="0" i="0" u="none" strike="noStrike" cap="none" normalizeH="0" baseline="0">
+                <a:ln>
+                  <a:noFill/>
+                </a:ln>
+                <a:solidFill>
+                  <a:schemeClr val="tx1"/>
+                </a:solidFill>
+                <a:effectLst/>
+                <a:latin typeface="Arial" panose="020B0604020202020204" pitchFamily="34" charset="0"/>
+              </a:rPr>
+              <a:t> kontroller funksiyaları arasında əlaqə yaratmaq.</a:t>
+            </a:r>
+          </a:p>
+          <a:p>
+            <a:pPr marL="285750" marR="0" lvl="0" indent="-285750" algn="l" defTabSz="914400" rtl="0" eaLnBrk="0" fontAlgn="base" latinLnBrk="0" hangingPunct="0">
+              <a:lnSpc>
+                <a:spcPct val="100000"/>
+              </a:lnSpc>
+              <a:spcBef>
+                <a:spcPct val="0"/>
+              </a:spcBef>
+              <a:spcAft>
+                <a:spcPct val="0"/>
+              </a:spcAft>
+              <a:buClrTx/>
+              <a:buSzTx/>
+              <a:buFont typeface="Arial" panose="020B0604020202020204" pitchFamily="34" charset="0"/>
+              <a:buChar char="•"/>
+              <a:tabLst/>
+            </a:pPr>
+            <a:r>
+              <a:rPr kumimoji="0" lang="en-US" altLang="en-US" sz="1300" b="0" i="0" u="none" strike="noStrike" cap="none" normalizeH="0" baseline="0">
+                <a:ln>
+                  <a:noFill/>
+                </a:ln>
+                <a:solidFill>
+                  <a:schemeClr val="tx1"/>
+                </a:solidFill>
+                <a:effectLst/>
+                <a:latin typeface="Arial" panose="020B0604020202020204" pitchFamily="34" charset="0"/>
+              </a:rPr>
+              <a:t>Route parameter və middleware istifadə etmək.</a:t>
+            </a:r>
+          </a:p>
+          <a:p>
+            <a:pPr marL="285750" marR="0" lvl="0" indent="-285750" algn="l" defTabSz="914400" rtl="0" eaLnBrk="0" fontAlgn="base" latinLnBrk="0" hangingPunct="0">
+              <a:lnSpc>
+                <a:spcPct val="100000"/>
+              </a:lnSpc>
+              <a:spcBef>
+                <a:spcPct val="0"/>
+              </a:spcBef>
+              <a:spcAft>
+                <a:spcPct val="0"/>
+              </a:spcAft>
+              <a:buClrTx/>
+              <a:buSzTx/>
+              <a:buFont typeface="Arial" panose="020B0604020202020204" pitchFamily="34" charset="0"/>
+              <a:buChar char="•"/>
+              <a:tabLst/>
+            </a:pPr>
+            <a:r>
+              <a:rPr kumimoji="0" lang="en-US" altLang="en-US" sz="1300" b="1" i="0" u="none" strike="noStrike" cap="none" normalizeH="0" baseline="0">
+                <a:ln>
+                  <a:noFill/>
+                </a:ln>
+                <a:solidFill>
+                  <a:srgbClr val="FF0000"/>
+                </a:solidFill>
+                <a:effectLst/>
+                <a:latin typeface="Arial" panose="020B0604020202020204" pitchFamily="34" charset="0"/>
+              </a:rPr>
+              <a:t>API</a:t>
+            </a:r>
+            <a:r>
+              <a:rPr kumimoji="0" lang="en-US" altLang="en-US" sz="1300" b="0" i="0" u="none" strike="noStrike" cap="none" normalizeH="0" baseline="0">
+                <a:ln>
+                  <a:noFill/>
+                </a:ln>
+                <a:solidFill>
+                  <a:schemeClr val="tx1"/>
+                </a:solidFill>
+                <a:effectLst/>
+                <a:latin typeface="Arial" panose="020B0604020202020204" pitchFamily="34" charset="0"/>
+              </a:rPr>
+              <a:t> və </a:t>
+            </a:r>
+            <a:r>
+              <a:rPr kumimoji="0" lang="en-US" altLang="en-US" sz="1300" b="1" i="0" u="none" strike="noStrike" cap="none" normalizeH="0" baseline="0">
+                <a:ln>
+                  <a:noFill/>
+                </a:ln>
+                <a:solidFill>
+                  <a:srgbClr val="FF0000"/>
+                </a:solidFill>
+                <a:effectLst/>
+                <a:latin typeface="Arial" panose="020B0604020202020204" pitchFamily="34" charset="0"/>
+              </a:rPr>
+              <a:t>web</a:t>
+            </a:r>
+            <a:r>
+              <a:rPr kumimoji="0" lang="en-US" altLang="en-US" sz="1300" b="0" i="0" u="none" strike="noStrike" cap="none" normalizeH="0" baseline="0">
+                <a:ln>
+                  <a:noFill/>
+                </a:ln>
+                <a:solidFill>
+                  <a:schemeClr val="tx1"/>
+                </a:solidFill>
+                <a:effectLst/>
+                <a:latin typeface="Arial" panose="020B0604020202020204" pitchFamily="34" charset="0"/>
+              </a:rPr>
+              <a:t> üçün fərqli route faylları.</a:t>
+            </a:r>
+          </a:p>
+          <a:p>
+            <a:pPr marL="0" marR="0" lvl="0" indent="0" algn="l" defTabSz="914400" rtl="0" eaLnBrk="0" fontAlgn="base" latinLnBrk="0" hangingPunct="0">
+              <a:lnSpc>
+                <a:spcPct val="100000"/>
+              </a:lnSpc>
+              <a:spcBef>
+                <a:spcPct val="0"/>
+              </a:spcBef>
+              <a:spcAft>
+                <a:spcPct val="0"/>
+              </a:spcAft>
+              <a:buClrTx/>
+              <a:buSzTx/>
+              <a:buFontTx/>
+              <a:buNone/>
+              <a:tabLst/>
+            </a:pPr>
+            <a:endParaRPr kumimoji="0" lang="en-US" altLang="en-US" sz="1300" b="0" i="0" u="none" strike="noStrike" cap="none" normalizeH="0" baseline="0">
+              <a:ln>
+                <a:noFill/>
+              </a:ln>
+              <a:solidFill>
+                <a:schemeClr val="tx1"/>
+              </a:solidFill>
+              <a:effectLst/>
+              <a:latin typeface="Arial" panose="020B0604020202020204" pitchFamily="34" charset="0"/>
+            </a:endParaRPr>
+          </a:p>
+          <a:p>
+            <a:pPr marL="0" marR="0" lvl="0" indent="0" algn="l" defTabSz="914400" rtl="0" eaLnBrk="0" fontAlgn="base" latinLnBrk="0" hangingPunct="0">
+              <a:lnSpc>
+                <a:spcPct val="100000"/>
+              </a:lnSpc>
+              <a:spcBef>
+                <a:spcPct val="0"/>
+              </a:spcBef>
+              <a:spcAft>
+                <a:spcPct val="0"/>
+              </a:spcAft>
+              <a:buClrTx/>
+              <a:buSzTx/>
+              <a:buFontTx/>
+              <a:buNone/>
+              <a:tabLst/>
+            </a:pPr>
+            <a:endParaRPr lang="az-Latn-AZ" altLang="en-US" sz="1300">
+              <a:latin typeface="Arial" panose="020B0604020202020204" pitchFamily="34" charset="0"/>
+            </a:endParaRPr>
+          </a:p>
+          <a:p>
+            <a:pPr marL="0" marR="0" lvl="0" indent="0" algn="l" defTabSz="914400" rtl="0" eaLnBrk="0" fontAlgn="base" latinLnBrk="0" hangingPunct="0">
+              <a:lnSpc>
+                <a:spcPct val="100000"/>
+              </a:lnSpc>
+              <a:spcBef>
+                <a:spcPct val="0"/>
+              </a:spcBef>
+              <a:spcAft>
+                <a:spcPct val="0"/>
+              </a:spcAft>
+              <a:buClrTx/>
+              <a:buSzTx/>
+              <a:buFontTx/>
+              <a:buNone/>
+              <a:tabLst/>
+            </a:pPr>
+            <a:endParaRPr lang="az-Latn-AZ" altLang="en-US" sz="1300">
+              <a:latin typeface="Arial" panose="020B0604020202020204" pitchFamily="34" charset="0"/>
+            </a:endParaRPr>
+          </a:p>
+          <a:p>
+            <a:pPr marL="0" marR="0" lvl="0" indent="0" algn="l" defTabSz="914400" rtl="0" eaLnBrk="0" fontAlgn="base" latinLnBrk="0" hangingPunct="0">
+              <a:lnSpc>
+                <a:spcPct val="100000"/>
+              </a:lnSpc>
+              <a:spcBef>
+                <a:spcPct val="0"/>
+              </a:spcBef>
+              <a:spcAft>
+                <a:spcPct val="0"/>
+              </a:spcAft>
+              <a:buClrTx/>
+              <a:buSzTx/>
+              <a:buFontTx/>
+              <a:buNone/>
+              <a:tabLst/>
+            </a:pPr>
+            <a:endParaRPr lang="az-Latn-AZ" altLang="en-US" sz="1300">
+              <a:latin typeface="Arial" panose="020B0604020202020204" pitchFamily="34" charset="0"/>
+            </a:endParaRPr>
+          </a:p>
+          <a:p>
+            <a:pPr marL="0" marR="0" lvl="0" indent="0" algn="l" defTabSz="914400" rtl="0" eaLnBrk="0" fontAlgn="base" latinLnBrk="0" hangingPunct="0">
+              <a:lnSpc>
+                <a:spcPct val="100000"/>
+              </a:lnSpc>
+              <a:spcBef>
+                <a:spcPct val="0"/>
+              </a:spcBef>
+              <a:spcAft>
+                <a:spcPct val="0"/>
+              </a:spcAft>
+              <a:buClrTx/>
+              <a:buSzTx/>
+              <a:buFontTx/>
+              <a:buNone/>
+              <a:tabLst/>
+            </a:pPr>
+            <a:endParaRPr lang="az-Latn-AZ" altLang="en-US" sz="1300">
+              <a:latin typeface="Arial" panose="020B0604020202020204" pitchFamily="34" charset="0"/>
+            </a:endParaRPr>
+          </a:p>
+          <a:p>
+            <a:pPr marL="0" marR="0" lvl="0" indent="0" algn="l" defTabSz="914400" rtl="0" eaLnBrk="0" fontAlgn="base" latinLnBrk="0" hangingPunct="0">
+              <a:lnSpc>
+                <a:spcPct val="100000"/>
+              </a:lnSpc>
+              <a:spcBef>
+                <a:spcPct val="0"/>
+              </a:spcBef>
+              <a:spcAft>
+                <a:spcPct val="0"/>
+              </a:spcAft>
+              <a:buClrTx/>
+              <a:buSzTx/>
+              <a:buFontTx/>
+              <a:buNone/>
+              <a:tabLst/>
+            </a:pPr>
+            <a:r>
+              <a:rPr kumimoji="0" lang="en-US" altLang="en-US" sz="1300" b="1" i="0" u="none" strike="noStrike" cap="none" normalizeH="0" baseline="0">
+                <a:ln>
+                  <a:noFill/>
+                </a:ln>
+                <a:solidFill>
+                  <a:schemeClr val="tx1"/>
+                </a:solidFill>
+                <a:effectLst/>
+                <a:latin typeface="Arial" panose="020B0604020202020204" pitchFamily="34" charset="0"/>
+              </a:rPr>
+              <a:t>5. File Store (Storage) (</a:t>
+            </a:r>
+            <a:r>
+              <a:rPr kumimoji="0" lang="en-US" altLang="en-US" sz="1300" b="1" i="0" u="none" strike="noStrike" cap="none" normalizeH="0" baseline="0">
+                <a:ln>
+                  <a:noFill/>
+                </a:ln>
+                <a:solidFill>
+                  <a:schemeClr val="tx1"/>
+                </a:solidFill>
+                <a:effectLst/>
+                <a:latin typeface="Arial Unicode MS"/>
+              </a:rPr>
+              <a:t>storage/app/public</a:t>
+            </a:r>
+            <a:r>
+              <a:rPr kumimoji="0" lang="en-US" altLang="en-US" sz="1300" b="1" i="0" u="none" strike="noStrike" cap="none" normalizeH="0" baseline="0">
+                <a:ln>
+                  <a:noFill/>
+                </a:ln>
+                <a:solidFill>
+                  <a:schemeClr val="tx1"/>
+                </a:solidFill>
+                <a:effectLst/>
+              </a:rPr>
+              <a:t>, </a:t>
+            </a:r>
+            <a:r>
+              <a:rPr kumimoji="0" lang="en-US" altLang="en-US" sz="1300" b="1" i="0" u="none" strike="noStrike" cap="none" normalizeH="0" baseline="0">
+                <a:ln>
+                  <a:noFill/>
+                </a:ln>
+                <a:solidFill>
+                  <a:schemeClr val="tx1"/>
+                </a:solidFill>
+                <a:effectLst/>
+                <a:latin typeface="Arial Unicode MS"/>
+              </a:rPr>
+              <a:t>storage/framework</a:t>
+            </a:r>
+            <a:r>
+              <a:rPr kumimoji="0" lang="en-US" altLang="en-US" sz="1300" b="1" i="0" u="none" strike="noStrike" cap="none" normalizeH="0" baseline="0">
+                <a:ln>
+                  <a:noFill/>
+                </a:ln>
+                <a:solidFill>
+                  <a:schemeClr val="tx1"/>
+                </a:solidFill>
+                <a:effectLst/>
+              </a:rPr>
+              <a:t>, </a:t>
+            </a:r>
+            <a:r>
+              <a:rPr kumimoji="0" lang="en-US" altLang="en-US" sz="1300" b="1" i="0" u="none" strike="noStrike" cap="none" normalizeH="0" baseline="0">
+                <a:ln>
+                  <a:noFill/>
+                </a:ln>
+                <a:solidFill>
+                  <a:schemeClr val="tx1"/>
+                </a:solidFill>
+                <a:effectLst/>
+                <a:latin typeface="Arial Unicode MS"/>
+              </a:rPr>
+              <a:t>storage/logs</a:t>
+            </a:r>
+            <a:r>
+              <a:rPr kumimoji="0" lang="en-US" altLang="en-US" sz="1300" b="1" i="0" u="none" strike="noStrike" cap="none" normalizeH="0" baseline="0">
+                <a:ln>
+                  <a:noFill/>
+                </a:ln>
+                <a:solidFill>
+                  <a:schemeClr val="tx1"/>
+                </a:solidFill>
+                <a:effectLst/>
+              </a:rPr>
+              <a:t>)</a:t>
+            </a:r>
+            <a:r>
+              <a:rPr lang="az-Latn-AZ" altLang="en-US" sz="1300" b="1">
+                <a:latin typeface="Arial" panose="020B0604020202020204" pitchFamily="34" charset="0"/>
+              </a:rPr>
+              <a:t> - </a:t>
+            </a:r>
+            <a:r>
+              <a:rPr kumimoji="0" lang="en-US" altLang="en-US" sz="1300" b="0" i="0" u="none" strike="noStrike" cap="none" normalizeH="0" baseline="0">
+                <a:ln>
+                  <a:noFill/>
+                </a:ln>
+                <a:solidFill>
+                  <a:schemeClr val="tx1"/>
+                </a:solidFill>
+                <a:effectLst/>
+                <a:latin typeface="Arial" panose="020B0604020202020204" pitchFamily="34" charset="0"/>
+              </a:rPr>
+              <a:t>Fayl saxlanması və idarəsi üçün istifadə olunur. İstifadəçinin yüklədiyi fayllar, log-lar və sessiyalar burada saxlanır.</a:t>
+            </a:r>
+            <a:endParaRPr kumimoji="0" lang="az-Latn-AZ" altLang="en-US" sz="1300" b="0" i="0" u="none" strike="noStrike" cap="none" normalizeH="0" baseline="0">
+              <a:ln>
+                <a:noFill/>
+              </a:ln>
+              <a:solidFill>
+                <a:schemeClr val="tx1"/>
+              </a:solidFill>
+              <a:effectLst/>
+              <a:latin typeface="Arial" panose="020B0604020202020204" pitchFamily="34" charset="0"/>
+            </a:endParaRPr>
+          </a:p>
+          <a:p>
+            <a:pPr marL="0" marR="0" lvl="0" indent="0" algn="l" defTabSz="914400" rtl="0" eaLnBrk="0" fontAlgn="base" latinLnBrk="0" hangingPunct="0">
+              <a:lnSpc>
+                <a:spcPct val="100000"/>
+              </a:lnSpc>
+              <a:spcBef>
+                <a:spcPct val="0"/>
+              </a:spcBef>
+              <a:spcAft>
+                <a:spcPct val="0"/>
+              </a:spcAft>
+              <a:buClrTx/>
+              <a:buSzTx/>
+              <a:buFontTx/>
+              <a:buNone/>
+              <a:tabLst/>
+            </a:pPr>
+            <a:endParaRPr kumimoji="0" lang="en-US" altLang="en-US" sz="1300" b="0" i="0" u="none" strike="noStrike" cap="none" normalizeH="0" baseline="0">
+              <a:ln>
+                <a:noFill/>
+              </a:ln>
+              <a:solidFill>
+                <a:schemeClr val="tx1"/>
+              </a:solidFill>
+              <a:effectLst/>
+              <a:latin typeface="Arial" panose="020B0604020202020204" pitchFamily="34" charset="0"/>
+            </a:endParaRPr>
+          </a:p>
+          <a:p>
+            <a:pPr marL="0" marR="0" lvl="0" indent="0" algn="l" defTabSz="914400" rtl="0" eaLnBrk="0" fontAlgn="base" latinLnBrk="0" hangingPunct="0">
+              <a:lnSpc>
+                <a:spcPct val="100000"/>
+              </a:lnSpc>
+              <a:spcBef>
+                <a:spcPct val="0"/>
+              </a:spcBef>
+              <a:spcAft>
+                <a:spcPct val="0"/>
+              </a:spcAft>
+              <a:buClrTx/>
+              <a:buSzTx/>
+              <a:buFontTx/>
+              <a:buNone/>
+              <a:tabLst/>
+            </a:pPr>
+            <a:r>
+              <a:rPr kumimoji="0" lang="en-US" altLang="en-US" sz="1300" b="1" i="0" u="none" strike="noStrike" cap="none" normalizeH="0" baseline="0">
+                <a:ln>
+                  <a:noFill/>
+                </a:ln>
+                <a:solidFill>
+                  <a:schemeClr val="tx1"/>
+                </a:solidFill>
+                <a:effectLst/>
+                <a:latin typeface="Arial" panose="020B0604020202020204" pitchFamily="34" charset="0"/>
+              </a:rPr>
+              <a:t>Əsas funksiyaları:</a:t>
+            </a:r>
+            <a:endParaRPr kumimoji="0" lang="en-US" altLang="en-US" sz="1300" b="0" i="0" u="none" strike="noStrike" cap="none" normalizeH="0" baseline="0">
+              <a:ln>
+                <a:noFill/>
+              </a:ln>
+              <a:solidFill>
+                <a:schemeClr val="tx1"/>
+              </a:solidFill>
+              <a:effectLst/>
+              <a:latin typeface="Arial" panose="020B0604020202020204" pitchFamily="34" charset="0"/>
+            </a:endParaRPr>
+          </a:p>
+          <a:p>
+            <a:pPr marL="285750" marR="0" lvl="0" indent="-285750" algn="l" defTabSz="914400" rtl="0" eaLnBrk="0" fontAlgn="base" latinLnBrk="0" hangingPunct="0">
+              <a:lnSpc>
+                <a:spcPct val="100000"/>
+              </a:lnSpc>
+              <a:spcBef>
+                <a:spcPct val="0"/>
+              </a:spcBef>
+              <a:spcAft>
+                <a:spcPct val="0"/>
+              </a:spcAft>
+              <a:buClrTx/>
+              <a:buSzTx/>
+              <a:buFont typeface="Arial" panose="020B0604020202020204" pitchFamily="34" charset="0"/>
+              <a:buChar char="•"/>
+              <a:tabLst/>
+            </a:pPr>
+            <a:r>
+              <a:rPr kumimoji="0" lang="en-US" altLang="en-US" sz="1300" b="0" i="0" u="none" strike="noStrike" cap="none" normalizeH="0" baseline="0">
+                <a:ln>
+                  <a:noFill/>
+                </a:ln>
+                <a:solidFill>
+                  <a:schemeClr val="tx1"/>
+                </a:solidFill>
+                <a:effectLst/>
+                <a:latin typeface="Arial" panose="020B0604020202020204" pitchFamily="34" charset="0"/>
+              </a:rPr>
+              <a:t>İstifadəçi fayllarını yükləmək və saxlamaq.</a:t>
+            </a:r>
+          </a:p>
+          <a:p>
+            <a:pPr marL="285750" marR="0" lvl="0" indent="-285750" algn="l" defTabSz="914400" rtl="0" eaLnBrk="0" fontAlgn="base" latinLnBrk="0" hangingPunct="0">
+              <a:lnSpc>
+                <a:spcPct val="100000"/>
+              </a:lnSpc>
+              <a:spcBef>
+                <a:spcPct val="0"/>
+              </a:spcBef>
+              <a:spcAft>
+                <a:spcPct val="0"/>
+              </a:spcAft>
+              <a:buClrTx/>
+              <a:buSzTx/>
+              <a:buFont typeface="Arial" panose="020B0604020202020204" pitchFamily="34" charset="0"/>
+              <a:buChar char="•"/>
+              <a:tabLst/>
+            </a:pPr>
+            <a:r>
+              <a:rPr kumimoji="0" lang="en-US" altLang="en-US" sz="1300" b="0" i="0" u="none" strike="noStrike" cap="none" normalizeH="0" baseline="0">
+                <a:ln>
+                  <a:noFill/>
+                </a:ln>
+                <a:solidFill>
+                  <a:schemeClr val="tx1"/>
+                </a:solidFill>
+                <a:effectLst/>
+                <a:latin typeface="Arial" panose="020B0604020202020204" pitchFamily="34" charset="0"/>
+              </a:rPr>
+              <a:t>Log qeydləri aparmaq (</a:t>
+            </a:r>
+            <a:r>
+              <a:rPr kumimoji="0" lang="en-US" altLang="en-US" sz="1300" b="0" i="0" u="none" strike="noStrike" cap="none" normalizeH="0" baseline="0">
+                <a:ln>
+                  <a:noFill/>
+                </a:ln>
+                <a:solidFill>
+                  <a:schemeClr val="tx1"/>
+                </a:solidFill>
+                <a:effectLst/>
+                <a:latin typeface="Arial Unicode MS"/>
+              </a:rPr>
+              <a:t>storage/logs/laravel.log</a:t>
+            </a:r>
+            <a:r>
+              <a:rPr kumimoji="0" lang="en-US" altLang="en-US" sz="1300" b="0" i="0" u="none" strike="noStrike" cap="none" normalizeH="0" baseline="0">
+                <a:ln>
+                  <a:noFill/>
+                </a:ln>
+                <a:solidFill>
+                  <a:schemeClr val="tx1"/>
+                </a:solidFill>
+                <a:effectLst/>
+              </a:rPr>
+              <a:t>).</a:t>
+            </a:r>
+            <a:endParaRPr kumimoji="0" lang="en-US" altLang="en-US" sz="1300" b="0" i="0" u="none" strike="noStrike" cap="none" normalizeH="0" baseline="0">
+              <a:ln>
+                <a:noFill/>
+              </a:ln>
+              <a:solidFill>
+                <a:schemeClr val="tx1"/>
+              </a:solidFill>
+              <a:effectLst/>
+              <a:latin typeface="Arial" panose="020B0604020202020204" pitchFamily="34" charset="0"/>
+            </a:endParaRPr>
+          </a:p>
+          <a:p>
+            <a:pPr marL="285750" marR="0" lvl="0" indent="-285750" algn="l" defTabSz="914400" rtl="0" eaLnBrk="0" fontAlgn="base" latinLnBrk="0" hangingPunct="0">
+              <a:lnSpc>
+                <a:spcPct val="100000"/>
+              </a:lnSpc>
+              <a:spcBef>
+                <a:spcPct val="0"/>
+              </a:spcBef>
+              <a:spcAft>
+                <a:spcPct val="0"/>
+              </a:spcAft>
+              <a:buClrTx/>
+              <a:buSzTx/>
+              <a:buFont typeface="Arial" panose="020B0604020202020204" pitchFamily="34" charset="0"/>
+              <a:buChar char="•"/>
+              <a:tabLst/>
+            </a:pPr>
+            <a:r>
+              <a:rPr kumimoji="0" lang="en-US" altLang="en-US" sz="1300" b="0" i="0" u="none" strike="noStrike" cap="none" normalizeH="0" baseline="0">
+                <a:ln>
+                  <a:noFill/>
+                </a:ln>
+                <a:solidFill>
+                  <a:schemeClr val="tx1"/>
+                </a:solidFill>
+                <a:effectLst/>
+                <a:latin typeface="Arial" panose="020B0604020202020204" pitchFamily="34" charset="0"/>
+              </a:rPr>
+              <a:t>Keş və sessiya idarəsi (</a:t>
+            </a:r>
+            <a:r>
+              <a:rPr kumimoji="0" lang="en-US" altLang="en-US" sz="1300" b="0" i="0" u="none" strike="noStrike" cap="none" normalizeH="0" baseline="0">
+                <a:ln>
+                  <a:noFill/>
+                </a:ln>
+                <a:solidFill>
+                  <a:schemeClr val="tx1"/>
+                </a:solidFill>
+                <a:effectLst/>
+                <a:latin typeface="Arial Unicode MS"/>
+              </a:rPr>
+              <a:t>storage/framework</a:t>
+            </a:r>
+            <a:r>
+              <a:rPr kumimoji="0" lang="en-US" altLang="en-US" sz="1300" b="0" i="0" u="none" strike="noStrike" cap="none" normalizeH="0" baseline="0">
+                <a:ln>
+                  <a:noFill/>
+                </a:ln>
+                <a:solidFill>
+                  <a:schemeClr val="tx1"/>
+                </a:solidFill>
+                <a:effectLst/>
+              </a:rPr>
+              <a:t>).</a:t>
+            </a:r>
+            <a:endParaRPr kumimoji="0" lang="en-US" altLang="en-US" sz="1300" b="0" i="0" u="none" strike="noStrike" cap="none" normalizeH="0" baseline="0">
+              <a:ln>
+                <a:noFill/>
+              </a:ln>
+              <a:solidFill>
+                <a:schemeClr val="tx1"/>
+              </a:solidFill>
+              <a:effectLst/>
+              <a:latin typeface="Arial" panose="020B0604020202020204" pitchFamily="34" charset="0"/>
+            </a:endParaRPr>
+          </a:p>
+        </p:txBody>
+      </p:sp>
+    </p:spTree>
+    <p:extLst>
+      <p:ext uri="{BB962C8B-B14F-4D97-AF65-F5344CB8AC3E}">
+        <p14:creationId xmlns:p14="http://schemas.microsoft.com/office/powerpoint/2010/main" val="3515091407"/>
+      </p:ext>
+    </p:extLst>
+  </p:cSld>
+  <p:clrMapOvr>
+    <a:masterClrMapping/>
+  </p:clrMapOvr>
+</p:sld>
+</file>
+
+<file path=ppt/slides/slide12.xml><?xml version="1.0" encoding="utf-8"?>
+<p:sld xmlns:a="http://schemas.openxmlformats.org/drawingml/2006/main" xmlns:r="http://schemas.openxmlformats.org/officeDocument/2006/relationships" xmlns:p="http://schemas.openxmlformats.org/presentationml/2006/main">
+  <p:cSld>
+    <p:spTree>
+      <p:nvGrpSpPr>
+        <p:cNvPr id="1" name="">
+          <a:extLst>
+            <a:ext uri="{FF2B5EF4-FFF2-40B4-BE49-F238E27FC236}">
               <a16:creationId xmlns:a16="http://schemas.microsoft.com/office/drawing/2014/main" id="{DDC94A87-5CD4-ACA2-7158-3F4E9E83628F}"/>
             </a:ext>
           </a:extLst>
@@ -4176,200 +6248,6 @@
     <p:extLst>
       <p:ext uri="{BB962C8B-B14F-4D97-AF65-F5344CB8AC3E}">
         <p14:creationId xmlns:p14="http://schemas.microsoft.com/office/powerpoint/2010/main" val="977415514"/>
-      </p:ext>
-    </p:extLst>
-  </p:cSld>
-  <p:clrMapOvr>
-    <a:masterClrMapping/>
-  </p:clrMapOvr>
-</p:sld>
-</file>
-
-<file path=ppt/slides/slide11.xml><?xml version="1.0" encoding="utf-8"?>
-<p:sld xmlns:a="http://schemas.openxmlformats.org/drawingml/2006/main" xmlns:r="http://schemas.openxmlformats.org/officeDocument/2006/relationships" xmlns:p="http://schemas.openxmlformats.org/presentationml/2006/main">
-  <p:cSld>
-    <p:spTree>
-      <p:nvGrpSpPr>
-        <p:cNvPr id="1" name="">
-          <a:extLst>
-            <a:ext uri="{FF2B5EF4-FFF2-40B4-BE49-F238E27FC236}">
-              <a16:creationId xmlns:a16="http://schemas.microsoft.com/office/drawing/2014/main" id="{B11491FF-5477-FBE4-1623-4B12DD17072D}"/>
-            </a:ext>
-          </a:extLst>
-        </p:cNvPr>
-        <p:cNvGrpSpPr/>
-        <p:nvPr/>
-      </p:nvGrpSpPr>
-      <p:grpSpPr>
-        <a:xfrm>
-          <a:off x="0" y="0"/>
-          <a:ext cx="0" cy="0"/>
-          <a:chOff x="0" y="0"/>
-          <a:chExt cx="0" cy="0"/>
-        </a:xfrm>
-      </p:grpSpPr>
-      <p:sp>
-        <p:nvSpPr>
-          <p:cNvPr id="3" name="TextBox 2">
-            <a:extLst>
-              <a:ext uri="{FF2B5EF4-FFF2-40B4-BE49-F238E27FC236}">
-                <a16:creationId xmlns:a16="http://schemas.microsoft.com/office/drawing/2014/main" id="{2CDE1AAB-923E-7556-B5AC-54D95192646E}"/>
-              </a:ext>
-            </a:extLst>
-          </p:cNvPr>
-          <p:cNvSpPr txBox="1"/>
-          <p:nvPr/>
-        </p:nvSpPr>
-        <p:spPr>
-          <a:xfrm>
-            <a:off x="217714" y="255046"/>
-            <a:ext cx="11756571" cy="655436"/>
-          </a:xfrm>
-          <a:prstGeom prst="rect">
-            <a:avLst/>
-          </a:prstGeom>
-          <a:noFill/>
-        </p:spPr>
-        <p:txBody>
-          <a:bodyPr wrap="square">
-            <a:spAutoFit/>
-          </a:bodyPr>
-          <a:lstStyle/>
-          <a:p>
-            <a:pPr>
-              <a:lnSpc>
-                <a:spcPct val="150000"/>
-              </a:lnSpc>
-              <a:buNone/>
-            </a:pPr>
-            <a:r>
-              <a:rPr kumimoji="0" lang="en-US" altLang="en-US" sz="1300" b="0" i="0" u="none" strike="noStrike" cap="none" normalizeH="0" baseline="0">
-                <a:ln>
-                  <a:noFill/>
-                </a:ln>
-                <a:solidFill>
-                  <a:schemeClr val="tx1"/>
-                </a:solidFill>
-                <a:effectLst/>
-                <a:latin typeface="Arial" panose="020B0604020202020204" pitchFamily="34" charset="0"/>
-              </a:rPr>
-              <a:t>.</a:t>
-            </a:r>
-          </a:p>
-          <a:p>
-            <a:pPr>
-              <a:lnSpc>
-                <a:spcPct val="150000"/>
-              </a:lnSpc>
-            </a:pPr>
-            <a:endParaRPr lang="en-US" sz="1300">
-              <a:latin typeface="Arial" panose="020B0604020202020204" pitchFamily="34" charset="0"/>
-              <a:cs typeface="Arial" panose="020B0604020202020204" pitchFamily="34" charset="0"/>
-            </a:endParaRPr>
-          </a:p>
-        </p:txBody>
-      </p:sp>
-    </p:spTree>
-    <p:extLst>
-      <p:ext uri="{BB962C8B-B14F-4D97-AF65-F5344CB8AC3E}">
-        <p14:creationId xmlns:p14="http://schemas.microsoft.com/office/powerpoint/2010/main" val="1822285607"/>
-      </p:ext>
-    </p:extLst>
-  </p:cSld>
-  <p:clrMapOvr>
-    <a:masterClrMapping/>
-  </p:clrMapOvr>
-</p:sld>
-</file>
-
-<file path=ppt/slides/slide12.xml><?xml version="1.0" encoding="utf-8"?>
-<p:sld xmlns:a="http://schemas.openxmlformats.org/drawingml/2006/main" xmlns:r="http://schemas.openxmlformats.org/officeDocument/2006/relationships" xmlns:p="http://schemas.openxmlformats.org/presentationml/2006/main">
-  <p:cSld>
-    <p:spTree>
-      <p:nvGrpSpPr>
-        <p:cNvPr id="1" name="">
-          <a:extLst>
-            <a:ext uri="{FF2B5EF4-FFF2-40B4-BE49-F238E27FC236}">
-              <a16:creationId xmlns:a16="http://schemas.microsoft.com/office/drawing/2014/main" id="{72DECC7B-7CA2-801C-0067-E7F5534A9560}"/>
-            </a:ext>
-          </a:extLst>
-        </p:cNvPr>
-        <p:cNvGrpSpPr/>
-        <p:nvPr/>
-      </p:nvGrpSpPr>
-      <p:grpSpPr>
-        <a:xfrm>
-          <a:off x="0" y="0"/>
-          <a:ext cx="0" cy="0"/>
-          <a:chOff x="0" y="0"/>
-          <a:chExt cx="0" cy="0"/>
-        </a:xfrm>
-      </p:grpSpPr>
-      <p:sp>
-        <p:nvSpPr>
-          <p:cNvPr id="3" name="TextBox 2">
-            <a:extLst>
-              <a:ext uri="{FF2B5EF4-FFF2-40B4-BE49-F238E27FC236}">
-                <a16:creationId xmlns:a16="http://schemas.microsoft.com/office/drawing/2014/main" id="{170846AD-B160-6DA0-48B5-84D52645A61E}"/>
-              </a:ext>
-            </a:extLst>
-          </p:cNvPr>
-          <p:cNvSpPr txBox="1"/>
-          <p:nvPr/>
-        </p:nvSpPr>
-        <p:spPr>
-          <a:xfrm>
-            <a:off x="217714" y="255046"/>
-            <a:ext cx="11756571" cy="655436"/>
-          </a:xfrm>
-          <a:prstGeom prst="rect">
-            <a:avLst/>
-          </a:prstGeom>
-          <a:noFill/>
-        </p:spPr>
-        <p:txBody>
-          <a:bodyPr wrap="square">
-            <a:spAutoFit/>
-          </a:bodyPr>
-          <a:lstStyle/>
-          <a:p>
-            <a:pPr>
-              <a:lnSpc>
-                <a:spcPct val="150000"/>
-              </a:lnSpc>
-              <a:buNone/>
-            </a:pPr>
-            <a:r>
-              <a:rPr kumimoji="0" lang="en-US" altLang="en-US" sz="1300" b="0" i="0" u="none" strike="noStrike" cap="none" normalizeH="0" baseline="0">
-                <a:ln>
-                  <a:noFill/>
-                </a:ln>
-                <a:solidFill>
-                  <a:schemeClr val="tx1"/>
-                </a:solidFill>
-                <a:effectLst/>
-                <a:latin typeface="Arial" panose="020B0604020202020204" pitchFamily="34" charset="0"/>
-              </a:rPr>
-              <a:t>.</a:t>
-            </a:r>
-          </a:p>
-          <a:p>
-            <a:pPr>
-              <a:lnSpc>
-                <a:spcPct val="150000"/>
-              </a:lnSpc>
-            </a:pPr>
-            <a:endParaRPr lang="en-US" sz="1300">
-              <a:latin typeface="Arial" panose="020B0604020202020204" pitchFamily="34" charset="0"/>
-              <a:cs typeface="Arial" panose="020B0604020202020204" pitchFamily="34" charset="0"/>
-            </a:endParaRPr>
-          </a:p>
-        </p:txBody>
-      </p:sp>
-    </p:spTree>
-    <p:extLst>
-      <p:ext uri="{BB962C8B-B14F-4D97-AF65-F5344CB8AC3E}">
-        <p14:creationId xmlns:p14="http://schemas.microsoft.com/office/powerpoint/2010/main" val="4223090936"/>
       </p:ext>
     </p:extLst>
   </p:cSld>
@@ -5259,7 +7137,7 @@
         <p:spPr>
           <a:xfrm>
             <a:off x="217714" y="255046"/>
-            <a:ext cx="11756571" cy="1255600"/>
+            <a:ext cx="11756571" cy="4536306"/>
           </a:xfrm>
           <a:prstGeom prst="rect">
             <a:avLst/>
@@ -5281,83 +7159,65 @@
             <a:r>
               <a:rPr lang="az-Latn-AZ" altLang="en-US" sz="1300">
                 <a:latin typeface="Arial" panose="020B0604020202020204" pitchFamily="34" charset="0"/>
-              </a:rPr>
-              <a:t>Növbəti xəta isə </a:t>
+                <a:cs typeface="Arial" panose="020B0604020202020204" pitchFamily="34" charset="0"/>
+              </a:rPr>
+              <a:t>Növbəti xəta </a:t>
             </a:r>
             <a:r>
               <a:rPr lang="az-Latn-AZ" altLang="en-US" sz="1300" b="1">
+                <a:latin typeface="Arial" panose="020B0604020202020204" pitchFamily="34" charset="0"/>
+                <a:cs typeface="Arial" panose="020B0604020202020204" pitchFamily="34" charset="0"/>
+              </a:rPr>
+              <a:t>Laravel</a:t>
+            </a:r>
+            <a:r>
+              <a:rPr lang="az-Latn-AZ" altLang="en-US" sz="1300">
+                <a:latin typeface="Arial" panose="020B0604020202020204" pitchFamily="34" charset="0"/>
+                <a:cs typeface="Arial" panose="020B0604020202020204" pitchFamily="34" charset="0"/>
+              </a:rPr>
+              <a:t> -in sessiya sistemində istifadə olunan </a:t>
+            </a:r>
+            <a:r>
+              <a:rPr lang="az-Latn-AZ" altLang="en-US" sz="1300" b="1">
                 <a:solidFill>
                   <a:srgbClr val="FF0000"/>
                 </a:solidFill>
                 <a:latin typeface="Arial" panose="020B0604020202020204" pitchFamily="34" charset="0"/>
-              </a:rPr>
-              <a:t>DB faylının </a:t>
+                <a:cs typeface="Arial" panose="020B0604020202020204" pitchFamily="34" charset="0"/>
+              </a:rPr>
+              <a:t>sessions</a:t>
             </a:r>
             <a:r>
               <a:rPr lang="az-Latn-AZ" altLang="en-US" sz="1300">
                 <a:latin typeface="Arial" panose="020B0604020202020204" pitchFamily="34" charset="0"/>
-              </a:rPr>
-              <a:t>mövcudluğu ilə olacaq. Yəni </a:t>
+                <a:cs typeface="Arial" panose="020B0604020202020204" pitchFamily="34" charset="0"/>
+              </a:rPr>
+              <a:t> adlı cədvəlin məlumat bazasında olmaması səbəbindən baş verir. Laravel, default olaraq database sessiya sürücüsünü istifadə edirsə və sessions cədvəli mövcud deyilsə, bu cür </a:t>
             </a:r>
             <a:r>
               <a:rPr lang="az-Latn-AZ" altLang="en-US" sz="1300" b="1">
-                <a:latin typeface="Arial" panose="020B0604020202020204" pitchFamily="34" charset="0"/>
-              </a:rPr>
-              <a:t>DB</a:t>
+                <a:solidFill>
+                  <a:srgbClr val="00B0F0"/>
+                </a:solidFill>
+                <a:latin typeface="Arial" panose="020B0604020202020204" pitchFamily="34" charset="0"/>
+                <a:cs typeface="Arial" panose="020B0604020202020204" pitchFamily="34" charset="0"/>
+              </a:rPr>
+              <a:t>Illuminate\Database\QueryException </a:t>
             </a:r>
             <a:r>
               <a:rPr lang="az-Latn-AZ" altLang="en-US" sz="1300">
                 <a:latin typeface="Arial" panose="020B0604020202020204" pitchFamily="34" charset="0"/>
-              </a:rPr>
-              <a:t> faylı olmadığı üçün şəkildəki kimi bir xəta görəcəyik.</a:t>
-            </a:r>
-            <a:endParaRPr kumimoji="0" lang="en-US" altLang="en-US" sz="1300" b="0" i="0" u="none" strike="noStrike" cap="none" normalizeH="0" baseline="0">
-              <a:ln>
-                <a:noFill/>
-              </a:ln>
-              <a:solidFill>
-                <a:schemeClr val="tx1"/>
-              </a:solidFill>
-              <a:effectLst/>
-              <a:latin typeface="Arial" panose="020B0604020202020204" pitchFamily="34" charset="0"/>
-            </a:endParaRPr>
+                <a:cs typeface="Arial" panose="020B0604020202020204" pitchFamily="34" charset="0"/>
+              </a:rPr>
+              <a:t>xətası alırıq.</a:t>
+            </a:r>
           </a:p>
           <a:p>
             <a:pPr>
               <a:lnSpc>
                 <a:spcPct val="150000"/>
               </a:lnSpc>
-            </a:pPr>
-            <a:r>
-              <a:rPr lang="az-Latn-AZ" sz="1300">
-                <a:latin typeface="Arial" panose="020B0604020202020204" pitchFamily="34" charset="0"/>
-                <a:cs typeface="Arial" panose="020B0604020202020204" pitchFamily="34" charset="0"/>
-              </a:rPr>
-              <a:t>Bu xəta Laravel layihəndə SQLite verilənlər bazasından istifadə etdiyini göstərir, amma Laravel göstərilən yerdə </a:t>
-            </a:r>
-            <a:r>
-              <a:rPr lang="az-Latn-AZ" sz="1300" b="1">
-                <a:solidFill>
-                  <a:srgbClr val="FF0000"/>
-                </a:solidFill>
-                <a:latin typeface="Arial" panose="020B0604020202020204" pitchFamily="34" charset="0"/>
-                <a:cs typeface="Arial" panose="020B0604020202020204" pitchFamily="34" charset="0"/>
-              </a:rPr>
-              <a:t>SQLite .db </a:t>
-            </a:r>
-            <a:r>
-              <a:rPr lang="az-Latn-AZ" sz="1300">
-                <a:latin typeface="Arial" panose="020B0604020202020204" pitchFamily="34" charset="0"/>
-                <a:cs typeface="Arial" panose="020B0604020202020204" pitchFamily="34" charset="0"/>
-              </a:rPr>
-              <a:t>faylını tapa bilmir.</a:t>
-            </a:r>
-          </a:p>
-          <a:p>
-            <a:pPr>
-              <a:lnSpc>
-                <a:spcPct val="150000"/>
-              </a:lnSpc>
+              <a:buNone/>
             </a:pPr>
             <a:endParaRPr lang="az-Latn-AZ" sz="1300">
               <a:latin typeface="Arial" panose="020B0604020202020204" pitchFamily="34" charset="0"/>
@@ -5369,67 +7229,334 @@
               <a:lnSpc>
                 <a:spcPct val="150000"/>
               </a:lnSpc>
-            </a:pPr>
+              <a:buNone/>
+            </a:pPr>
+            <a:r>
+              <a:rPr lang="az-Latn-AZ" sz="1300">
+                <a:latin typeface="Arial" panose="020B0604020202020204" pitchFamily="34" charset="0"/>
+                <a:cs typeface="Arial" panose="020B0604020202020204" pitchFamily="34" charset="0"/>
+              </a:rPr>
+              <a:t>Əgər production mühitinə işləyirsənsə və bir neçə server arasında sessiya sinxronizasiyası vacibdirsə, </a:t>
+            </a:r>
             <a:r>
               <a:rPr lang="az-Latn-AZ" sz="1300" b="1">
                 <a:latin typeface="Arial" panose="020B0604020202020204" pitchFamily="34" charset="0"/>
                 <a:cs typeface="Arial" panose="020B0604020202020204" pitchFamily="34" charset="0"/>
               </a:rPr>
-              <a:t>SQLite</a:t>
+              <a:t>database</a:t>
             </a:r>
             <a:r>
               <a:rPr lang="az-Latn-AZ" sz="1300">
                 <a:latin typeface="Arial" panose="020B0604020202020204" pitchFamily="34" charset="0"/>
                 <a:cs typeface="Arial" panose="020B0604020202020204" pitchFamily="34" charset="0"/>
               </a:rPr>
-              <a:t> faylına </a:t>
+              <a:t> sürücüsü daha məqsədəuyğundur. Yox əgər </a:t>
             </a:r>
             <a:r>
               <a:rPr lang="az-Latn-AZ" sz="1300" b="1">
                 <a:latin typeface="Arial" panose="020B0604020202020204" pitchFamily="34" charset="0"/>
                 <a:cs typeface="Arial" panose="020B0604020202020204" pitchFamily="34" charset="0"/>
               </a:rPr>
-              <a:t>ehtiyac olmayacaq </a:t>
+              <a:t>local development </a:t>
             </a:r>
             <a:r>
               <a:rPr lang="az-Latn-AZ" sz="1300">
                 <a:latin typeface="Arial" panose="020B0604020202020204" pitchFamily="34" charset="0"/>
                 <a:cs typeface="Arial" panose="020B0604020202020204" pitchFamily="34" charset="0"/>
               </a:rPr>
-              <a:t>çünki biz </a:t>
+              <a:t>və </a:t>
             </a:r>
             <a:r>
               <a:rPr lang="az-Latn-AZ" sz="1300" b="1">
                 <a:latin typeface="Arial" panose="020B0604020202020204" pitchFamily="34" charset="0"/>
                 <a:cs typeface="Arial" panose="020B0604020202020204" pitchFamily="34" charset="0"/>
               </a:rPr>
-              <a:t>fərqli</a:t>
+              <a:t>test</a:t>
             </a:r>
             <a:r>
               <a:rPr lang="az-Latn-AZ" sz="1300">
                 <a:latin typeface="Arial" panose="020B0604020202020204" pitchFamily="34" charset="0"/>
                 <a:cs typeface="Arial" panose="020B0604020202020204" pitchFamily="34" charset="0"/>
               </a:rPr>
-              <a:t> bir </a:t>
+              <a:t> üçün işləyirsənsə, </a:t>
             </a:r>
             <a:r>
               <a:rPr lang="az-Latn-AZ" sz="1300" b="1">
                 <a:latin typeface="Arial" panose="020B0604020202020204" pitchFamily="34" charset="0"/>
                 <a:cs typeface="Arial" panose="020B0604020202020204" pitchFamily="34" charset="0"/>
               </a:rPr>
-              <a:t>DB</a:t>
+              <a:t>file</a:t>
             </a:r>
             <a:r>
               <a:rPr lang="az-Latn-AZ" sz="1300">
                 <a:latin typeface="Arial" panose="020B0604020202020204" pitchFamily="34" charset="0"/>
                 <a:cs typeface="Arial" panose="020B0604020202020204" pitchFamily="34" charset="0"/>
               </a:rPr>
-              <a:t> istifadə edəcəyik.</a:t>
-            </a:r>
-            <a:endParaRPr lang="en-US" sz="1300">
+              <a:t> sürücüsü daha sadədir.</a:t>
+            </a:r>
+          </a:p>
+          <a:p>
+            <a:pPr>
+              <a:lnSpc>
+                <a:spcPct val="150000"/>
+              </a:lnSpc>
+              <a:buNone/>
+            </a:pPr>
+            <a:endParaRPr lang="az-Latn-AZ" sz="1300">
               <a:latin typeface="Arial" panose="020B0604020202020204" pitchFamily="34" charset="0"/>
               <a:cs typeface="Arial" panose="020B0604020202020204" pitchFamily="34" charset="0"/>
             </a:endParaRPr>
+          </a:p>
+          <a:p>
+            <a:pPr>
+              <a:lnSpc>
+                <a:spcPct val="150000"/>
+              </a:lnSpc>
+              <a:buNone/>
+            </a:pPr>
+            <a:r>
+              <a:rPr lang="az-Latn-AZ" sz="1300">
+                <a:latin typeface="Arial" panose="020B0604020202020204" pitchFamily="34" charset="0"/>
+                <a:cs typeface="Arial" panose="020B0604020202020204" pitchFamily="34" charset="0"/>
+              </a:rPr>
+              <a:t>Həll yolları bir neçədənədir. Ancaq hələki ən rahat həll yollu,  </a:t>
+            </a:r>
+            <a:r>
+              <a:rPr lang="en-US" sz="1300" b="1">
+                <a:solidFill>
+                  <a:srgbClr val="FF0000"/>
+                </a:solidFill>
+                <a:effectLst/>
+                <a:latin typeface="Arial" panose="020B0604020202020204" pitchFamily="34" charset="0"/>
+                <a:cs typeface="Arial" panose="020B0604020202020204" pitchFamily="34" charset="0"/>
+              </a:rPr>
+              <a:t>SESSION_DRIVER=database</a:t>
+            </a:r>
+            <a:r>
+              <a:rPr lang="az-Latn-AZ" sz="1300" b="1">
+                <a:solidFill>
+                  <a:srgbClr val="FF0000"/>
+                </a:solidFill>
+                <a:effectLst/>
+                <a:latin typeface="Arial" panose="020B0604020202020204" pitchFamily="34" charset="0"/>
+                <a:cs typeface="Arial" panose="020B0604020202020204" pitchFamily="34" charset="0"/>
+              </a:rPr>
+              <a:t> </a:t>
+            </a:r>
+            <a:r>
+              <a:rPr lang="az-Latn-AZ" sz="1300">
+                <a:latin typeface="Arial" panose="020B0604020202020204" pitchFamily="34" charset="0"/>
+                <a:cs typeface="Arial" panose="020B0604020202020204" pitchFamily="34" charset="0"/>
+              </a:rPr>
+              <a:t>sətrindəki </a:t>
+            </a:r>
+            <a:r>
+              <a:rPr lang="az-Latn-AZ" sz="1300" b="1">
+                <a:solidFill>
+                  <a:srgbClr val="0070C0"/>
+                </a:solidFill>
+                <a:latin typeface="Arial" panose="020B0604020202020204" pitchFamily="34" charset="0"/>
+                <a:cs typeface="Arial" panose="020B0604020202020204" pitchFamily="34" charset="0"/>
+              </a:rPr>
+              <a:t>database</a:t>
+            </a:r>
+            <a:r>
+              <a:rPr lang="az-Latn-AZ" sz="1300">
+                <a:latin typeface="Arial" panose="020B0604020202020204" pitchFamily="34" charset="0"/>
+                <a:cs typeface="Arial" panose="020B0604020202020204" pitchFamily="34" charset="0"/>
+              </a:rPr>
+              <a:t> yazısını </a:t>
+            </a:r>
+            <a:r>
+              <a:rPr lang="az-Latn-AZ" sz="1300" b="1">
+                <a:solidFill>
+                  <a:srgbClr val="00B050"/>
+                </a:solidFill>
+                <a:latin typeface="Arial" panose="020B0604020202020204" pitchFamily="34" charset="0"/>
+                <a:cs typeface="Arial" panose="020B0604020202020204" pitchFamily="34" charset="0"/>
+              </a:rPr>
+              <a:t>file </a:t>
+            </a:r>
+            <a:r>
+              <a:rPr lang="az-Latn-AZ" sz="1300">
+                <a:latin typeface="Arial" panose="020B0604020202020204" pitchFamily="34" charset="0"/>
+                <a:cs typeface="Arial" panose="020B0604020202020204" pitchFamily="34" charset="0"/>
+              </a:rPr>
+              <a:t>yazısı ilə əvəz etməkdir.</a:t>
+            </a:r>
+          </a:p>
+          <a:p>
+            <a:pPr>
+              <a:lnSpc>
+                <a:spcPct val="150000"/>
+              </a:lnSpc>
+              <a:buNone/>
+            </a:pPr>
+            <a:endParaRPr lang="az-Latn-AZ" sz="1300">
+              <a:latin typeface="Arial" panose="020B0604020202020204" pitchFamily="34" charset="0"/>
+              <a:cs typeface="Arial" panose="020B0604020202020204" pitchFamily="34" charset="0"/>
+            </a:endParaRPr>
+          </a:p>
+          <a:p>
+            <a:pPr>
+              <a:lnSpc>
+                <a:spcPct val="150000"/>
+              </a:lnSpc>
+              <a:buNone/>
+            </a:pPr>
+            <a:endParaRPr lang="az-Latn-AZ" sz="1300">
+              <a:latin typeface="Arial" panose="020B0604020202020204" pitchFamily="34" charset="0"/>
+              <a:cs typeface="Arial" panose="020B0604020202020204" pitchFamily="34" charset="0"/>
+            </a:endParaRPr>
+          </a:p>
+          <a:p>
+            <a:pPr>
+              <a:lnSpc>
+                <a:spcPct val="150000"/>
+              </a:lnSpc>
+              <a:buNone/>
+            </a:pPr>
+            <a:r>
+              <a:rPr lang="en-US" sz="1300">
+                <a:latin typeface="Arial" panose="020B0604020202020204" pitchFamily="34" charset="0"/>
+                <a:cs typeface="Arial" panose="020B0604020202020204" pitchFamily="34" charset="0"/>
+              </a:rPr>
+              <a:t>Sonra </a:t>
+            </a:r>
+            <a:r>
+              <a:rPr lang="en-US" sz="1300" b="1">
+                <a:solidFill>
+                  <a:srgbClr val="FF0000"/>
+                </a:solidFill>
+                <a:latin typeface="Arial" panose="020B0604020202020204" pitchFamily="34" charset="0"/>
+                <a:cs typeface="Arial" panose="020B0604020202020204" pitchFamily="34" charset="0"/>
+              </a:rPr>
+              <a:t>cache</a:t>
+            </a:r>
+            <a:r>
+              <a:rPr lang="az-Latn-AZ" sz="1300">
+                <a:latin typeface="Arial" panose="020B0604020202020204" pitchFamily="34" charset="0"/>
+                <a:cs typeface="Arial" panose="020B0604020202020204" pitchFamily="34" charset="0"/>
+              </a:rPr>
+              <a:t> </a:t>
+            </a:r>
+            <a:r>
+              <a:rPr lang="en-US" sz="1300">
+                <a:latin typeface="Arial" panose="020B0604020202020204" pitchFamily="34" charset="0"/>
+                <a:cs typeface="Arial" panose="020B0604020202020204" pitchFamily="34" charset="0"/>
+              </a:rPr>
+              <a:t>-ləri təmizl</a:t>
+            </a:r>
+            <a:r>
+              <a:rPr lang="az-Latn-AZ" sz="1300">
+                <a:latin typeface="Arial" panose="020B0604020202020204" pitchFamily="34" charset="0"/>
+                <a:cs typeface="Arial" panose="020B0604020202020204" pitchFamily="34" charset="0"/>
+              </a:rPr>
+              <a:t>əmək </a:t>
+            </a:r>
+          </a:p>
+          <a:p>
+            <a:pPr>
+              <a:lnSpc>
+                <a:spcPct val="150000"/>
+              </a:lnSpc>
+              <a:buNone/>
+            </a:pPr>
+            <a:r>
+              <a:rPr lang="az-Latn-AZ" sz="1300">
+                <a:latin typeface="Arial" panose="020B0604020202020204" pitchFamily="34" charset="0"/>
+                <a:cs typeface="Arial" panose="020B0604020202020204" pitchFamily="34" charset="0"/>
+              </a:rPr>
+              <a:t>lazımdır. Ancaq </a:t>
+            </a:r>
+            <a:r>
+              <a:rPr lang="en-US" sz="1300" b="1">
+                <a:latin typeface="Arial" panose="020B0604020202020204" pitchFamily="34" charset="0"/>
+                <a:cs typeface="Arial" panose="020B0604020202020204" pitchFamily="34" charset="0"/>
+              </a:rPr>
+              <a:t>cache</a:t>
+            </a:r>
+            <a:r>
+              <a:rPr lang="az-Latn-AZ" sz="1300">
+                <a:latin typeface="Arial" panose="020B0604020202020204" pitchFamily="34" charset="0"/>
+                <a:cs typeface="Arial" panose="020B0604020202020204" pitchFamily="34" charset="0"/>
+              </a:rPr>
+              <a:t> təmizlədikdə</a:t>
+            </a:r>
+          </a:p>
+          <a:p>
+            <a:pPr>
+              <a:lnSpc>
+                <a:spcPct val="150000"/>
+              </a:lnSpc>
+              <a:buNone/>
+            </a:pPr>
+            <a:r>
+              <a:rPr lang="az-Latn-AZ" sz="1300">
+                <a:latin typeface="Arial" panose="020B0604020202020204" pitchFamily="34" charset="0"/>
+                <a:cs typeface="Arial" panose="020B0604020202020204" pitchFamily="34" charset="0"/>
+              </a:rPr>
+              <a:t>problemlər ilə qarşılaşacağıq. </a:t>
+            </a:r>
+          </a:p>
+          <a:p>
+            <a:pPr>
+              <a:lnSpc>
+                <a:spcPct val="150000"/>
+              </a:lnSpc>
+              <a:buNone/>
+            </a:pPr>
+            <a:r>
+              <a:rPr lang="az-Latn-AZ" sz="1300">
+                <a:latin typeface="Arial" panose="020B0604020202020204" pitchFamily="34" charset="0"/>
+                <a:cs typeface="Arial" panose="020B0604020202020204" pitchFamily="34" charset="0"/>
+              </a:rPr>
+              <a:t>Həmin problemlər ilə qarşılaşmadan</a:t>
+            </a:r>
+          </a:p>
+          <a:p>
+            <a:pPr>
+              <a:lnSpc>
+                <a:spcPct val="150000"/>
+              </a:lnSpc>
+              <a:buNone/>
+            </a:pPr>
+            <a:r>
+              <a:rPr lang="az-Latn-AZ" sz="1300">
+                <a:latin typeface="Arial" panose="020B0604020202020204" pitchFamily="34" charset="0"/>
+                <a:cs typeface="Arial" panose="020B0604020202020204" pitchFamily="34" charset="0"/>
+              </a:rPr>
+              <a:t>əvvəl veb </a:t>
+            </a:r>
+            <a:r>
+              <a:rPr lang="en-US" sz="1300">
+                <a:latin typeface="Arial" panose="020B0604020202020204" pitchFamily="34" charset="0"/>
+                <a:cs typeface="Arial" panose="020B0604020202020204" pitchFamily="34" charset="0"/>
+              </a:rPr>
+              <a:t>s</a:t>
+            </a:r>
+            <a:r>
+              <a:rPr lang="az-Latn-AZ" sz="1300">
+                <a:latin typeface="Arial" panose="020B0604020202020204" pitchFamily="34" charset="0"/>
+                <a:cs typeface="Arial" panose="020B0604020202020204" pitchFamily="34" charset="0"/>
+              </a:rPr>
+              <a:t>əhifənin yüklənib yüklənmədiyini</a:t>
+            </a:r>
+          </a:p>
+          <a:p>
+            <a:pPr>
+              <a:lnSpc>
+                <a:spcPct val="150000"/>
+              </a:lnSpc>
+              <a:buNone/>
+            </a:pPr>
+            <a:r>
+              <a:rPr lang="az-Latn-AZ" sz="1300">
+                <a:latin typeface="Arial" panose="020B0604020202020204" pitchFamily="34" charset="0"/>
+                <a:cs typeface="Arial" panose="020B0604020202020204" pitchFamily="34" charset="0"/>
+              </a:rPr>
+              <a:t>kontrol edək. Növbəti slaydda.</a:t>
+            </a:r>
           </a:p>
         </p:txBody>
       </p:sp>
@@ -5455,8 +7582,8 @@
         </p:blipFill>
         <p:spPr>
           <a:xfrm>
-            <a:off x="3661543" y="1706252"/>
-            <a:ext cx="8530457" cy="5151748"/>
+            <a:off x="5956103" y="3091992"/>
+            <a:ext cx="6235897" cy="3766008"/>
           </a:xfrm>
           <a:prstGeom prst="rect">
             <a:avLst/>
@@ -5484,7 +7611,7 @@
         <p:cNvPr id="1" name="">
           <a:extLst>
             <a:ext uri="{FF2B5EF4-FFF2-40B4-BE49-F238E27FC236}">
-              <a16:creationId xmlns:a16="http://schemas.microsoft.com/office/drawing/2014/main" id="{416847F9-C76D-E35F-500B-DEF14E350842}"/>
+              <a16:creationId xmlns:a16="http://schemas.microsoft.com/office/drawing/2014/main" id="{B11491FF-5477-FBE4-1623-4B12DD17072D}"/>
             </a:ext>
           </a:extLst>
         </p:cNvPr>
@@ -5504,7 +7631,7 @@
           <p:cNvPr id="3" name="TextBox 2">
             <a:extLst>
               <a:ext uri="{FF2B5EF4-FFF2-40B4-BE49-F238E27FC236}">
-                <a16:creationId xmlns:a16="http://schemas.microsoft.com/office/drawing/2014/main" id="{02857C27-78D2-CDFD-C34E-C436EC5D04D9}"/>
+                <a16:creationId xmlns:a16="http://schemas.microsoft.com/office/drawing/2014/main" id="{2CDE1AAB-923E-7556-B5AC-54D95192646E}"/>
               </a:ext>
             </a:extLst>
           </p:cNvPr>
@@ -5513,8 +7640,8 @@
         </p:nvSpPr>
         <p:spPr>
           <a:xfrm>
-            <a:off x="161153" y="151179"/>
-            <a:ext cx="7182327" cy="6555641"/>
+            <a:off x="217715" y="255046"/>
+            <a:ext cx="5296966" cy="5044138"/>
           </a:xfrm>
           <a:prstGeom prst="rect">
             <a:avLst/>
@@ -5534,97 +7661,50 @@
               <a:buNone/>
             </a:pPr>
             <a:r>
-              <a:rPr kumimoji="0" lang="az-Latn-AZ" altLang="en-US" sz="1400" b="0" i="0" u="none" strike="noStrike" cap="none" normalizeH="0" baseline="0">
-                <a:ln>
-                  <a:noFill/>
-                </a:ln>
-                <a:solidFill>
-                  <a:schemeClr val="tx1"/>
-                </a:solidFill>
-                <a:effectLst/>
-                <a:latin typeface="Arial" panose="020B0604020202020204" pitchFamily="34" charset="0"/>
-                <a:cs typeface="Arial" panose="020B0604020202020204" pitchFamily="34" charset="0"/>
-              </a:rPr>
-              <a:t>İndi ilk öncə </a:t>
-            </a:r>
-            <a:r>
-              <a:rPr kumimoji="0" lang="az-Latn-AZ" altLang="en-US" sz="1400" b="1" i="0" u="none" strike="noStrike" cap="none" normalizeH="0" baseline="0">
-                <a:ln>
-                  <a:noFill/>
-                </a:ln>
-                <a:solidFill>
-                  <a:srgbClr val="FF0000"/>
-                </a:solidFill>
-                <a:effectLst/>
-                <a:latin typeface="Arial" panose="020B0604020202020204" pitchFamily="34" charset="0"/>
-                <a:cs typeface="Arial" panose="020B0604020202020204" pitchFamily="34" charset="0"/>
-              </a:rPr>
-              <a:t>LARAVEL qovluq strukturuna </a:t>
-            </a:r>
-            <a:r>
-              <a:rPr kumimoji="0" lang="az-Latn-AZ" altLang="en-US" sz="1400" b="0" i="0" u="none" strike="noStrike" cap="none" normalizeH="0" baseline="0">
-                <a:ln>
-                  <a:noFill/>
-                </a:ln>
-                <a:solidFill>
-                  <a:schemeClr val="tx1"/>
-                </a:solidFill>
-                <a:effectLst/>
-                <a:latin typeface="Arial" panose="020B0604020202020204" pitchFamily="34" charset="0"/>
-                <a:cs typeface="Arial" panose="020B0604020202020204" pitchFamily="34" charset="0"/>
-              </a:rPr>
-              <a:t>diqqət yetirək. </a:t>
-            </a:r>
-            <a:r>
-              <a:rPr lang="en-US" sz="1400">
-                <a:latin typeface="Arial" panose="020B0604020202020204" pitchFamily="34" charset="0"/>
-                <a:cs typeface="Arial" panose="020B0604020202020204" pitchFamily="34" charset="0"/>
-              </a:rPr>
-              <a:t>Laravel-də fayl və qovluq strukturu layihənin modullu, oxunaqlı və asan inkişaf etdirilə bilən şəkildə qurulmasına imkan verir. </a:t>
-            </a:r>
-            <a:r>
-              <a:rPr lang="az-Latn-AZ" sz="1400">
-                <a:latin typeface="Arial" panose="020B0604020202020204" pitchFamily="34" charset="0"/>
-                <a:cs typeface="Arial" panose="020B0604020202020204" pitchFamily="34" charset="0"/>
-              </a:rPr>
-              <a:t>Gəlin</a:t>
-            </a:r>
-            <a:r>
-              <a:rPr lang="en-US" sz="1400">
-                <a:latin typeface="Arial" panose="020B0604020202020204" pitchFamily="34" charset="0"/>
-                <a:cs typeface="Arial" panose="020B0604020202020204" pitchFamily="34" charset="0"/>
-              </a:rPr>
-              <a:t> </a:t>
-            </a:r>
-            <a:r>
-              <a:rPr lang="en-US" sz="1400" b="1">
-                <a:latin typeface="Arial" panose="020B0604020202020204" pitchFamily="34" charset="0"/>
-                <a:cs typeface="Arial" panose="020B0604020202020204" pitchFamily="34" charset="0"/>
-              </a:rPr>
-              <a:t>View, Model, Controller, Routing, File Store, Config, Database</a:t>
-            </a:r>
-            <a:r>
-              <a:rPr lang="en-US" sz="1400">
-                <a:latin typeface="Arial" panose="020B0604020202020204" pitchFamily="34" charset="0"/>
-                <a:cs typeface="Arial" panose="020B0604020202020204" pitchFamily="34" charset="0"/>
-              </a:rPr>
-              <a:t> hissələrinin nə üçün istifadə edildiyini </a:t>
-            </a:r>
-            <a:r>
-              <a:rPr lang="az-Latn-AZ" sz="1400">
-                <a:latin typeface="Arial" panose="020B0604020202020204" pitchFamily="34" charset="0"/>
-                <a:cs typeface="Arial" panose="020B0604020202020204" pitchFamily="34" charset="0"/>
-              </a:rPr>
-              <a:t>baxaq</a:t>
-            </a:r>
-            <a:r>
-              <a:rPr lang="en-US" sz="1400">
-                <a:latin typeface="Arial" panose="020B0604020202020204" pitchFamily="34" charset="0"/>
-                <a:cs typeface="Arial" panose="020B0604020202020204" pitchFamily="34" charset="0"/>
-              </a:rPr>
-              <a:t>:</a:t>
-            </a:r>
-            <a:endParaRPr kumimoji="0" lang="en-US" altLang="en-US" sz="1400" b="0" i="0" u="none" strike="noStrike" cap="none" normalizeH="0" baseline="0">
+              <a:rPr lang="az-Latn-AZ" altLang="en-US" sz="1200">
+                <a:latin typeface="Arial" panose="020B0604020202020204" pitchFamily="34" charset="0"/>
+                <a:cs typeface="Arial" panose="020B0604020202020204" pitchFamily="34" charset="0"/>
+              </a:rPr>
+              <a:t>Və budur məndə səhifə problemsiz yükləndi (yuxarı sağ şəkil). </a:t>
+            </a:r>
+          </a:p>
+          <a:p>
+            <a:pPr>
+              <a:lnSpc>
+                <a:spcPct val="150000"/>
+              </a:lnSpc>
+              <a:buNone/>
+            </a:pPr>
+            <a:r>
+              <a:rPr lang="az-Latn-AZ" altLang="en-US" sz="1200">
+                <a:latin typeface="Arial" panose="020B0604020202020204" pitchFamily="34" charset="0"/>
+                <a:cs typeface="Arial" panose="020B0604020202020204" pitchFamily="34" charset="0"/>
+              </a:rPr>
+              <a:t>Ancaq yenədə </a:t>
+            </a:r>
+            <a:r>
+              <a:rPr lang="en-US" sz="1200" b="1">
+                <a:latin typeface="Arial" panose="020B0604020202020204" pitchFamily="34" charset="0"/>
+                <a:cs typeface="Arial" panose="020B0604020202020204" pitchFamily="34" charset="0"/>
+              </a:rPr>
+              <a:t>cache</a:t>
+            </a:r>
+            <a:r>
+              <a:rPr lang="az-Latn-AZ" sz="1200">
+                <a:latin typeface="Arial" panose="020B0604020202020204" pitchFamily="34" charset="0"/>
+                <a:cs typeface="Arial" panose="020B0604020202020204" pitchFamily="34" charset="0"/>
+              </a:rPr>
+              <a:t> -ləri təmizləmək lazımdır. </a:t>
+            </a:r>
+          </a:p>
+          <a:p>
+            <a:pPr>
+              <a:lnSpc>
+                <a:spcPct val="150000"/>
+              </a:lnSpc>
+              <a:buNone/>
+            </a:pPr>
+            <a:endParaRPr kumimoji="0" lang="az-Latn-AZ" altLang="en-US" sz="1200" b="0" i="0" u="none" strike="noStrike" cap="none" normalizeH="0" baseline="0">
               <a:ln>
                 <a:noFill/>
               </a:ln>
@@ -5641,8 +7721,48 @@
               <a:lnSpc>
                 <a:spcPct val="150000"/>
               </a:lnSpc>
-            </a:pPr>
-            <a:endParaRPr lang="az-Latn-AZ" sz="1400">
+              <a:buNone/>
+            </a:pPr>
+            <a:r>
+              <a:rPr lang="en-US" sz="1200" b="1">
+                <a:latin typeface="Arial" panose="020B0604020202020204" pitchFamily="34" charset="0"/>
+                <a:cs typeface="Arial" panose="020B0604020202020204" pitchFamily="34" charset="0"/>
+              </a:rPr>
+              <a:t>cache </a:t>
+            </a:r>
+            <a:r>
+              <a:rPr lang="az-Latn-AZ" sz="1200">
+                <a:latin typeface="Arial" panose="020B0604020202020204" pitchFamily="34" charset="0"/>
+                <a:cs typeface="Arial" panose="020B0604020202020204" pitchFamily="34" charset="0"/>
+              </a:rPr>
+              <a:t>-ləri </a:t>
+            </a:r>
+            <a:r>
+              <a:rPr kumimoji="0" lang="az-Latn-AZ" altLang="en-US" sz="1200" b="0" i="0" u="none" strike="noStrike" cap="none" normalizeH="0" baseline="0">
+                <a:ln>
+                  <a:noFill/>
+                </a:ln>
+                <a:solidFill>
+                  <a:schemeClr val="tx1"/>
+                </a:solidFill>
+                <a:effectLst/>
+                <a:latin typeface="Arial" panose="020B0604020202020204" pitchFamily="34" charset="0"/>
+                <a:cs typeface="Arial" panose="020B0604020202020204" pitchFamily="34" charset="0"/>
+              </a:rPr>
+              <a:t>təmizləmək üçün aşağıdakı əmrləri yazırıq.</a:t>
+            </a:r>
+          </a:p>
+          <a:p>
+            <a:pPr>
+              <a:lnSpc>
+                <a:spcPct val="150000"/>
+              </a:lnSpc>
+              <a:buNone/>
+            </a:pPr>
+            <a:endParaRPr lang="en-US" altLang="en-US" sz="1200" b="1">
+              <a:solidFill>
+                <a:srgbClr val="FF0000"/>
+              </a:solidFill>
               <a:latin typeface="Arial" panose="020B0604020202020204" pitchFamily="34" charset="0"/>
               <a:cs typeface="Arial" panose="020B0604020202020204" pitchFamily="34" charset="0"/>
             </a:endParaRPr>
@@ -5653,64 +7773,141 @@
                 <a:spcPct val="150000"/>
               </a:lnSpc>
             </a:pPr>
-            <a:endParaRPr lang="az-Latn-AZ" sz="1400">
+            <a:r>
+              <a:rPr lang="az-Latn-AZ" altLang="en-US" sz="1200" b="1">
+                <a:solidFill>
+                  <a:srgbClr val="FF0000"/>
+                </a:solidFill>
+                <a:latin typeface="Arial" panose="020B0604020202020204" pitchFamily="34" charset="0"/>
+                <a:cs typeface="Arial" panose="020B0604020202020204" pitchFamily="34" charset="0"/>
+              </a:rPr>
+              <a:t>php artisan config:clear</a:t>
+            </a:r>
+            <a:r>
+              <a:rPr lang="en-US" altLang="en-US" sz="1200" b="1">
+                <a:solidFill>
+                  <a:srgbClr val="FF0000"/>
+                </a:solidFill>
+                <a:latin typeface="Arial" panose="020B0604020202020204" pitchFamily="34" charset="0"/>
+                <a:cs typeface="Arial" panose="020B0604020202020204" pitchFamily="34" charset="0"/>
+              </a:rPr>
+              <a:t> </a:t>
+            </a:r>
+            <a:r>
+              <a:rPr kumimoji="0" lang="az-Latn-AZ" altLang="en-US" sz="1200" i="0" u="none" strike="noStrike" cap="none" normalizeH="0" baseline="0">
+                <a:ln>
+                  <a:noFill/>
+                </a:ln>
+                <a:effectLst/>
+                <a:latin typeface="Arial" panose="020B0604020202020204" pitchFamily="34" charset="0"/>
+                <a:cs typeface="Arial" panose="020B0604020202020204" pitchFamily="34" charset="0"/>
+              </a:rPr>
+              <a:t>- xəta olmadı</a:t>
+            </a:r>
+            <a:endParaRPr lang="az-Latn-AZ" altLang="en-US" sz="1200" b="1">
+              <a:solidFill>
+                <a:srgbClr val="FF0000"/>
+              </a:solidFill>
               <a:latin typeface="Arial" panose="020B0604020202020204" pitchFamily="34" charset="0"/>
               <a:cs typeface="Arial" panose="020B0604020202020204" pitchFamily="34" charset="0"/>
             </a:endParaRPr>
           </a:p>
           <a:p>
-            <a:pPr marL="0" marR="0" lvl="0" indent="0" algn="l" defTabSz="914400" rtl="0" eaLnBrk="0" fontAlgn="base" latinLnBrk="0" hangingPunct="0">
-              <a:lnSpc>
-                <a:spcPct val="100000"/>
-              </a:lnSpc>
-              <a:spcBef>
-                <a:spcPct val="0"/>
-              </a:spcBef>
-              <a:spcAft>
-                <a:spcPct val="0"/>
-              </a:spcAft>
-              <a:buClrTx/>
-              <a:buSzTx/>
-              <a:buFontTx/>
-              <a:buNone/>
-              <a:tabLst/>
-            </a:pPr>
-            <a:r>
-              <a:rPr kumimoji="0" lang="en-US" altLang="en-US" sz="1400" b="1" i="0" u="none" strike="noStrike" cap="none" normalizeH="0" baseline="0">
-                <a:ln>
-                  <a:noFill/>
-                </a:ln>
-                <a:solidFill>
-                  <a:schemeClr val="tx1"/>
-                </a:solidFill>
-                <a:effectLst/>
-                <a:latin typeface="Arial" panose="020B0604020202020204" pitchFamily="34" charset="0"/>
-                <a:cs typeface="Arial" panose="020B0604020202020204" pitchFamily="34" charset="0"/>
-              </a:rPr>
-              <a:t>1. Model (app/Models)</a:t>
-            </a:r>
-            <a:r>
-              <a:rPr lang="az-Latn-AZ" altLang="en-US" sz="1400" b="1">
-                <a:latin typeface="Arial" panose="020B0604020202020204" pitchFamily="34" charset="0"/>
-                <a:cs typeface="Arial" panose="020B0604020202020204" pitchFamily="34" charset="0"/>
-              </a:rPr>
-              <a:t> - </a:t>
-            </a:r>
-            <a:r>
-              <a:rPr kumimoji="0" lang="en-US" altLang="en-US" sz="1400" b="0" i="0" u="none" strike="noStrike" cap="none" normalizeH="0" baseline="0">
-                <a:ln>
-                  <a:noFill/>
-                </a:ln>
-                <a:solidFill>
-                  <a:schemeClr val="tx1"/>
-                </a:solidFill>
-                <a:effectLst/>
-                <a:latin typeface="Arial" panose="020B0604020202020204" pitchFamily="34" charset="0"/>
-                <a:cs typeface="Arial" panose="020B0604020202020204" pitchFamily="34" charset="0"/>
-              </a:rPr>
-              <a:t>Model verilənlər bazası ilə əlaqəni idarə edir. Laravel-də Model, Eloquent ORM vasitəsilə verilənlər bazasındakı cədvəllərlə işləyir.</a:t>
-            </a:r>
-            <a:endParaRPr kumimoji="0" lang="az-Latn-AZ" altLang="en-US" sz="1400" b="0" i="0" u="none" strike="noStrike" cap="none" normalizeH="0" baseline="0">
+            <a:pPr>
+              <a:lnSpc>
+                <a:spcPct val="150000"/>
+              </a:lnSpc>
+              <a:buNone/>
+            </a:pPr>
+            <a:r>
+              <a:rPr kumimoji="0" lang="az-Latn-AZ" altLang="en-US" sz="1200" b="1" i="0" u="none" strike="noStrike" cap="none" normalizeH="0" baseline="0">
+                <a:ln>
+                  <a:noFill/>
+                </a:ln>
+                <a:solidFill>
+                  <a:srgbClr val="FF0000"/>
+                </a:solidFill>
+                <a:effectLst/>
+                <a:latin typeface="Arial" panose="020B0604020202020204" pitchFamily="34" charset="0"/>
+                <a:cs typeface="Arial" panose="020B0604020202020204" pitchFamily="34" charset="0"/>
+              </a:rPr>
+              <a:t>php artisan config:cache </a:t>
+            </a:r>
+            <a:r>
+              <a:rPr kumimoji="0" lang="az-Latn-AZ" altLang="en-US" sz="1200" i="0" u="none" strike="noStrike" cap="none" normalizeH="0" baseline="0">
+                <a:ln>
+                  <a:noFill/>
+                </a:ln>
+                <a:effectLst/>
+                <a:latin typeface="Arial" panose="020B0604020202020204" pitchFamily="34" charset="0"/>
+                <a:cs typeface="Arial" panose="020B0604020202020204" pitchFamily="34" charset="0"/>
+              </a:rPr>
+              <a:t>- xəta olmadı</a:t>
+            </a:r>
+            <a:endParaRPr kumimoji="0" lang="az-Latn-AZ" altLang="en-US" sz="1200" b="1" i="0" u="none" strike="noStrike" cap="none" normalizeH="0" baseline="0">
+              <a:ln>
+                <a:noFill/>
+              </a:ln>
+              <a:solidFill>
+                <a:srgbClr val="FF0000"/>
+              </a:solidFill>
+              <a:effectLst/>
+              <a:latin typeface="Arial" panose="020B0604020202020204" pitchFamily="34" charset="0"/>
+              <a:cs typeface="Arial" panose="020B0604020202020204" pitchFamily="34" charset="0"/>
+            </a:endParaRPr>
+          </a:p>
+          <a:p>
+            <a:pPr>
+              <a:lnSpc>
+                <a:spcPct val="150000"/>
+              </a:lnSpc>
+              <a:buNone/>
+            </a:pPr>
+            <a:r>
+              <a:rPr kumimoji="0" lang="az-Latn-AZ" altLang="en-US" sz="1200" b="1" i="0" u="none" strike="noStrike" cap="none" normalizeH="0" baseline="0">
+                <a:ln>
+                  <a:noFill/>
+                </a:ln>
+                <a:solidFill>
+                  <a:srgbClr val="FF0000"/>
+                </a:solidFill>
+                <a:effectLst/>
+                <a:latin typeface="Arial" panose="020B0604020202020204" pitchFamily="34" charset="0"/>
+                <a:cs typeface="Arial" panose="020B0604020202020204" pitchFamily="34" charset="0"/>
+              </a:rPr>
+              <a:t>php artisan cache:clear</a:t>
+            </a:r>
+            <a:r>
+              <a:rPr kumimoji="0" lang="az-Latn-AZ" altLang="en-US" sz="1200" i="0" u="none" strike="noStrike" cap="none" normalizeH="0" baseline="0">
+                <a:ln>
+                  <a:noFill/>
+                </a:ln>
+                <a:effectLst/>
+                <a:latin typeface="Arial" panose="020B0604020202020204" pitchFamily="34" charset="0"/>
+                <a:cs typeface="Arial" panose="020B0604020202020204" pitchFamily="34" charset="0"/>
+              </a:rPr>
+              <a:t> - xəta oldu (aşağı sağ şəkil)</a:t>
+            </a:r>
+            <a:endParaRPr kumimoji="0" lang="az-Latn-AZ" altLang="en-US" sz="1200" b="1" i="0" u="none" strike="noStrike" cap="none" normalizeH="0" baseline="0">
+              <a:ln>
+                <a:noFill/>
+              </a:ln>
+              <a:solidFill>
+                <a:srgbClr val="FF0000"/>
+              </a:solidFill>
+              <a:effectLst/>
+              <a:latin typeface="Arial" panose="020B0604020202020204" pitchFamily="34" charset="0"/>
+              <a:cs typeface="Arial" panose="020B0604020202020204" pitchFamily="34" charset="0"/>
+            </a:endParaRPr>
+          </a:p>
+          <a:p>
+            <a:pPr>
+              <a:lnSpc>
+                <a:spcPct val="150000"/>
+              </a:lnSpc>
+              <a:buNone/>
+            </a:pPr>
+            <a:endParaRPr kumimoji="0" lang="az-Latn-AZ" altLang="en-US" sz="1200" b="0" i="0" u="none" strike="noStrike" cap="none" normalizeH="0" baseline="0">
               <a:ln>
                 <a:noFill/>
               </a:ln>
@@ -5723,23 +7920,33 @@
             </a:endParaRPr>
           </a:p>
           <a:p>
-            <a:pPr marL="0" marR="0" lvl="0" indent="0" algn="l" defTabSz="914400" rtl="0" eaLnBrk="0" fontAlgn="base" latinLnBrk="0" hangingPunct="0">
-              <a:lnSpc>
-                <a:spcPct val="100000"/>
-              </a:lnSpc>
-              <a:spcBef>
-                <a:spcPct val="0"/>
-              </a:spcBef>
-              <a:spcAft>
-                <a:spcPct val="0"/>
-              </a:spcAft>
-              <a:buClrTx/>
-              <a:buSzTx/>
-              <a:buFontTx/>
-              <a:buNone/>
-              <a:tabLst/>
-            </a:pPr>
-            <a:endParaRPr kumimoji="0" lang="en-US" altLang="en-US" sz="1400" b="0" i="0" u="none" strike="noStrike" cap="none" normalizeH="0" baseline="0">
+            <a:pPr>
+              <a:lnSpc>
+                <a:spcPct val="150000"/>
+              </a:lnSpc>
+              <a:buNone/>
+            </a:pPr>
+            <a:r>
+              <a:rPr lang="en-US" sz="1200"/>
+              <a:t>Bu xəta göstərir ki, Laravel layihəndə </a:t>
+            </a:r>
+            <a:r>
+              <a:rPr lang="en-US" sz="1200" b="1"/>
+              <a:t>SQLite verilənlər bazası</a:t>
+            </a:r>
+            <a:r>
+              <a:rPr lang="en-US" sz="1200"/>
+              <a:t> istifadə olunmağa çalışılır, amma qeyd edilən </a:t>
+            </a:r>
+            <a:r>
+              <a:rPr lang="en-US" sz="1200" b="1"/>
+              <a:t>verilənlər bazası faylı mövcud deyil</a:t>
+            </a:r>
+            <a:r>
+              <a:rPr lang="en-US" sz="1200"/>
+              <a:t>.</a:t>
+            </a:r>
+            <a:endParaRPr kumimoji="0" lang="en-US" altLang="en-US" sz="1200" b="0" i="0" u="none" strike="noStrike" cap="none" normalizeH="0" baseline="0">
               <a:ln>
                 <a:noFill/>
               </a:ln>
@@ -5752,169 +7959,23 @@
             </a:endParaRPr>
           </a:p>
           <a:p>
-            <a:pPr marL="0" marR="0" lvl="0" indent="0" algn="l" defTabSz="914400" rtl="0" eaLnBrk="0" fontAlgn="base" latinLnBrk="0" hangingPunct="0">
-              <a:lnSpc>
-                <a:spcPct val="100000"/>
-              </a:lnSpc>
-              <a:spcBef>
-                <a:spcPct val="0"/>
-              </a:spcBef>
-              <a:spcAft>
-                <a:spcPct val="0"/>
-              </a:spcAft>
-              <a:buClrTx/>
-              <a:buSzTx/>
-              <a:buFontTx/>
-              <a:buNone/>
-              <a:tabLst/>
-            </a:pPr>
-            <a:r>
-              <a:rPr kumimoji="0" lang="en-US" altLang="en-US" sz="1400" b="1" i="0" u="none" strike="noStrike" cap="none" normalizeH="0" baseline="0">
-                <a:ln>
-                  <a:noFill/>
-                </a:ln>
-                <a:solidFill>
-                  <a:schemeClr val="tx1"/>
-                </a:solidFill>
-                <a:effectLst/>
-                <a:latin typeface="Arial" panose="020B0604020202020204" pitchFamily="34" charset="0"/>
-                <a:cs typeface="Arial" panose="020B0604020202020204" pitchFamily="34" charset="0"/>
-              </a:rPr>
-              <a:t>Əsas funksiyaları:</a:t>
-            </a:r>
-            <a:endParaRPr kumimoji="0" lang="en-US" altLang="en-US" sz="1400" b="0" i="0" u="none" strike="noStrike" cap="none" normalizeH="0" baseline="0">
-              <a:ln>
-                <a:noFill/>
-              </a:ln>
-              <a:solidFill>
-                <a:schemeClr val="tx1"/>
-              </a:solidFill>
-              <a:effectLst/>
+            <a:pPr>
+              <a:lnSpc>
+                <a:spcPct val="150000"/>
+              </a:lnSpc>
+            </a:pPr>
+            <a:endParaRPr lang="az-Latn-AZ" sz="1200">
               <a:latin typeface="Arial" panose="020B0604020202020204" pitchFamily="34" charset="0"/>
               <a:cs typeface="Arial" panose="020B0604020202020204" pitchFamily="34" charset="0"/>
             </a:endParaRPr>
           </a:p>
           <a:p>
-            <a:pPr marL="285750" marR="0" lvl="0" indent="-285750" algn="l" defTabSz="914400" rtl="0" eaLnBrk="0" fontAlgn="base" latinLnBrk="0" hangingPunct="0">
-              <a:lnSpc>
-                <a:spcPct val="100000"/>
-              </a:lnSpc>
-              <a:spcBef>
-                <a:spcPct val="0"/>
-              </a:spcBef>
-              <a:spcAft>
-                <a:spcPct val="0"/>
-              </a:spcAft>
-              <a:buClrTx/>
-              <a:buSzTx/>
-              <a:buFont typeface="Arial" panose="020B0604020202020204" pitchFamily="34" charset="0"/>
-              <a:buChar char="•"/>
-              <a:tabLst/>
-            </a:pPr>
-            <a:r>
-              <a:rPr kumimoji="0" lang="en-US" altLang="en-US" sz="1400" b="0" i="0" u="none" strike="noStrike" cap="none" normalizeH="0" baseline="0">
-                <a:ln>
-                  <a:noFill/>
-                </a:ln>
-                <a:solidFill>
-                  <a:schemeClr val="tx1"/>
-                </a:solidFill>
-                <a:effectLst/>
-                <a:latin typeface="Arial" panose="020B0604020202020204" pitchFamily="34" charset="0"/>
-                <a:cs typeface="Arial" panose="020B0604020202020204" pitchFamily="34" charset="0"/>
-              </a:rPr>
-              <a:t>Verilənlər bazası sorğuları (insert, update, delete, select).</a:t>
-            </a:r>
-          </a:p>
-          <a:p>
-            <a:pPr marL="285750" marR="0" lvl="0" indent="-285750" algn="l" defTabSz="914400" rtl="0" eaLnBrk="0" fontAlgn="base" latinLnBrk="0" hangingPunct="0">
-              <a:lnSpc>
-                <a:spcPct val="100000"/>
-              </a:lnSpc>
-              <a:spcBef>
-                <a:spcPct val="0"/>
-              </a:spcBef>
-              <a:spcAft>
-                <a:spcPct val="0"/>
-              </a:spcAft>
-              <a:buClrTx/>
-              <a:buSzTx/>
-              <a:buFont typeface="Arial" panose="020B0604020202020204" pitchFamily="34" charset="0"/>
-              <a:buChar char="•"/>
-              <a:tabLst/>
-            </a:pPr>
-            <a:r>
-              <a:rPr kumimoji="0" lang="en-US" altLang="en-US" sz="1400" b="0" i="0" u="none" strike="noStrike" cap="none" normalizeH="0" baseline="0">
-                <a:ln>
-                  <a:noFill/>
-                </a:ln>
-                <a:solidFill>
-                  <a:schemeClr val="tx1"/>
-                </a:solidFill>
-                <a:effectLst/>
-                <a:latin typeface="Arial" panose="020B0604020202020204" pitchFamily="34" charset="0"/>
-                <a:cs typeface="Arial" panose="020B0604020202020204" pitchFamily="34" charset="0"/>
-              </a:rPr>
-              <a:t>Əlaqələr (relationship) – məsələn, hasOne, hasMany, belongsTo, belongsToMany.</a:t>
-            </a:r>
-          </a:p>
-          <a:p>
-            <a:pPr marL="285750" marR="0" lvl="0" indent="-285750" algn="l" defTabSz="914400" rtl="0" eaLnBrk="0" fontAlgn="base" latinLnBrk="0" hangingPunct="0">
-              <a:lnSpc>
-                <a:spcPct val="100000"/>
-              </a:lnSpc>
-              <a:spcBef>
-                <a:spcPct val="0"/>
-              </a:spcBef>
-              <a:spcAft>
-                <a:spcPct val="0"/>
-              </a:spcAft>
-              <a:buClrTx/>
-              <a:buSzTx/>
-              <a:buFont typeface="Arial" panose="020B0604020202020204" pitchFamily="34" charset="0"/>
-              <a:buChar char="•"/>
-              <a:tabLst/>
-            </a:pPr>
-            <a:r>
-              <a:rPr kumimoji="0" lang="en-US" altLang="en-US" sz="1400" b="0" i="0" u="none" strike="noStrike" cap="none" normalizeH="0" baseline="0">
-                <a:ln>
-                  <a:noFill/>
-                </a:ln>
-                <a:solidFill>
-                  <a:schemeClr val="tx1"/>
-                </a:solidFill>
-                <a:effectLst/>
-                <a:latin typeface="Arial" panose="020B0604020202020204" pitchFamily="34" charset="0"/>
-                <a:cs typeface="Arial" panose="020B0604020202020204" pitchFamily="34" charset="0"/>
-              </a:rPr>
-              <a:t>Məlumatların yoxlanılması və işlənməsi.</a:t>
-            </a:r>
-          </a:p>
-          <a:p>
-            <a:pPr marL="0" marR="0" lvl="0" indent="0" algn="l" defTabSz="914400" rtl="0" eaLnBrk="0" fontAlgn="base" latinLnBrk="0" hangingPunct="0">
-              <a:lnSpc>
-                <a:spcPct val="100000"/>
-              </a:lnSpc>
-              <a:spcBef>
-                <a:spcPct val="0"/>
-              </a:spcBef>
-              <a:spcAft>
-                <a:spcPct val="0"/>
-              </a:spcAft>
-              <a:buClrTx/>
-              <a:buSzTx/>
-              <a:buFontTx/>
-              <a:buNone/>
-              <a:tabLst/>
-            </a:pPr>
-            <a:endParaRPr kumimoji="0" lang="en-US" altLang="en-US" sz="1400" b="0" i="0" u="none" strike="noStrike" cap="none" normalizeH="0" baseline="0">
-              <a:ln>
-                <a:noFill/>
-              </a:ln>
-              <a:solidFill>
-                <a:schemeClr val="tx1"/>
-              </a:solidFill>
-              <a:effectLst/>
+            <a:pPr>
+              <a:lnSpc>
+                <a:spcPct val="150000"/>
+              </a:lnSpc>
+            </a:pPr>
+            <a:endParaRPr lang="az-Latn-AZ" sz="1200">
               <a:latin typeface="Arial" panose="020B0604020202020204" pitchFamily="34" charset="0"/>
               <a:cs typeface="Arial" panose="020B0604020202020204" pitchFamily="34" charset="0"/>
             </a:endParaRPr>
@@ -5925,7 +7986,66 @@
                 <a:spcPct val="150000"/>
               </a:lnSpc>
             </a:pPr>
-            <a:endParaRPr lang="az-Latn-AZ" sz="1400">
+            <a:r>
+              <a:rPr lang="az-Latn-AZ" sz="1200">
+                <a:latin typeface="Arial" panose="020B0604020202020204" pitchFamily="34" charset="0"/>
+                <a:cs typeface="Arial" panose="020B0604020202020204" pitchFamily="34" charset="0"/>
+              </a:rPr>
+              <a:t>Növbəti dərsdə, </a:t>
+            </a:r>
+            <a:r>
+              <a:rPr lang="az-Latn-AZ" sz="1200" b="1">
+                <a:solidFill>
+                  <a:srgbClr val="FF0000"/>
+                </a:solidFill>
+                <a:latin typeface="Arial" panose="020B0604020202020204" pitchFamily="34" charset="0"/>
+                <a:cs typeface="Arial" panose="020B0604020202020204" pitchFamily="34" charset="0"/>
+              </a:rPr>
+              <a:t>phpMyAdmin</a:t>
+            </a:r>
+            <a:r>
+              <a:rPr lang="az-Latn-AZ" sz="1200">
+                <a:latin typeface="Arial" panose="020B0604020202020204" pitchFamily="34" charset="0"/>
+                <a:cs typeface="Arial" panose="020B0604020202020204" pitchFamily="34" charset="0"/>
+              </a:rPr>
+              <a:t> yükləyəcəyik ki, </a:t>
+            </a:r>
+            <a:r>
+              <a:rPr lang="az-Latn-AZ" sz="1200" b="1">
+                <a:latin typeface="Arial" panose="020B0604020202020204" pitchFamily="34" charset="0"/>
+                <a:cs typeface="Arial" panose="020B0604020202020204" pitchFamily="34" charset="0"/>
+              </a:rPr>
+              <a:t>SQLite</a:t>
+            </a:r>
+            <a:r>
+              <a:rPr lang="az-Latn-AZ" sz="1200">
+                <a:latin typeface="Arial" panose="020B0604020202020204" pitchFamily="34" charset="0"/>
+                <a:cs typeface="Arial" panose="020B0604020202020204" pitchFamily="34" charset="0"/>
+              </a:rPr>
+              <a:t> əvəzinə </a:t>
+            </a:r>
+            <a:r>
+              <a:rPr lang="az-Latn-AZ" sz="1200" b="1">
+                <a:latin typeface="Arial" panose="020B0604020202020204" pitchFamily="34" charset="0"/>
+                <a:cs typeface="Arial" panose="020B0604020202020204" pitchFamily="34" charset="0"/>
+              </a:rPr>
+              <a:t>MySQL</a:t>
+            </a:r>
+            <a:r>
+              <a:rPr lang="az-Latn-AZ" sz="1200">
+                <a:latin typeface="Arial" panose="020B0604020202020204" pitchFamily="34" charset="0"/>
+                <a:cs typeface="Arial" panose="020B0604020202020204" pitchFamily="34" charset="0"/>
+              </a:rPr>
+              <a:t> istifadə edək. Həmin bu xətanıda onda aradan qaldırmağa çalışarıq.</a:t>
+            </a:r>
+            <a:r>
+              <a:rPr lang="en-US" sz="1200">
+                <a:latin typeface="Arial" panose="020B0604020202020204" pitchFamily="34" charset="0"/>
+                <a:cs typeface="Arial" panose="020B0604020202020204" pitchFamily="34" charset="0"/>
+              </a:rPr>
+              <a:t> </a:t>
+            </a:r>
+            <a:endParaRPr lang="az-Latn-AZ" sz="1200">
               <a:latin typeface="Arial" panose="020B0604020202020204" pitchFamily="34" charset="0"/>
               <a:cs typeface="Arial" panose="020B0604020202020204" pitchFamily="34" charset="0"/>
             </a:endParaRPr>
@@ -5936,7 +8056,7 @@
                 <a:spcPct val="150000"/>
               </a:lnSpc>
             </a:pPr>
-            <a:endParaRPr lang="az-Latn-AZ" sz="1400">
+            <a:endParaRPr lang="az-Latn-AZ" sz="1200">
               <a:latin typeface="Arial" panose="020B0604020202020204" pitchFamily="34" charset="0"/>
               <a:cs typeface="Arial" panose="020B0604020202020204" pitchFamily="34" charset="0"/>
             </a:endParaRPr>
@@ -5947,290 +8067,32 @@
                 <a:spcPct val="150000"/>
               </a:lnSpc>
             </a:pPr>
-            <a:endParaRPr lang="az-Latn-AZ" sz="1400">
-              <a:latin typeface="Arial" panose="020B0604020202020204" pitchFamily="34" charset="0"/>
-              <a:cs typeface="Arial" panose="020B0604020202020204" pitchFamily="34" charset="0"/>
-            </a:endParaRPr>
-          </a:p>
-          <a:p>
-            <a:pPr>
-              <a:lnSpc>
-                <a:spcPct val="150000"/>
-              </a:lnSpc>
-            </a:pPr>
-            <a:endParaRPr lang="az-Latn-AZ" sz="1400">
-              <a:latin typeface="Arial" panose="020B0604020202020204" pitchFamily="34" charset="0"/>
-              <a:cs typeface="Arial" panose="020B0604020202020204" pitchFamily="34" charset="0"/>
-            </a:endParaRPr>
-          </a:p>
-          <a:p>
-            <a:pPr marL="0" marR="0" lvl="0" indent="0" algn="l" defTabSz="914400" rtl="0" eaLnBrk="0" fontAlgn="base" latinLnBrk="0" hangingPunct="0">
-              <a:lnSpc>
-                <a:spcPct val="100000"/>
-              </a:lnSpc>
-              <a:spcBef>
-                <a:spcPct val="0"/>
-              </a:spcBef>
-              <a:spcAft>
-                <a:spcPct val="0"/>
-              </a:spcAft>
-              <a:buClrTx/>
-              <a:buSzTx/>
-              <a:buFontTx/>
-              <a:buNone/>
-              <a:tabLst/>
-            </a:pPr>
-            <a:r>
-              <a:rPr kumimoji="0" lang="en-US" altLang="en-US" sz="1400" b="1" i="0" u="none" strike="noStrike" cap="none" normalizeH="0" baseline="0">
-                <a:ln>
-                  <a:noFill/>
-                </a:ln>
-                <a:solidFill>
-                  <a:schemeClr val="tx1"/>
-                </a:solidFill>
-                <a:effectLst/>
-                <a:latin typeface="Arial" panose="020B0604020202020204" pitchFamily="34" charset="0"/>
-                <a:cs typeface="Arial" panose="020B0604020202020204" pitchFamily="34" charset="0"/>
-              </a:rPr>
-              <a:t>2. View (resources/views)</a:t>
-            </a:r>
-            <a:r>
-              <a:rPr lang="az-Latn-AZ" altLang="en-US" sz="1400" b="1">
-                <a:latin typeface="Arial" panose="020B0604020202020204" pitchFamily="34" charset="0"/>
-                <a:cs typeface="Arial" panose="020B0604020202020204" pitchFamily="34" charset="0"/>
-              </a:rPr>
-              <a:t> - </a:t>
-            </a:r>
-            <a:r>
-              <a:rPr kumimoji="0" lang="en-US" altLang="en-US" sz="1400" b="0" i="0" u="none" strike="noStrike" cap="none" normalizeH="0" baseline="0">
-                <a:ln>
-                  <a:noFill/>
-                </a:ln>
-                <a:solidFill>
-                  <a:schemeClr val="tx1"/>
-                </a:solidFill>
-                <a:effectLst/>
-                <a:latin typeface="Arial" panose="020B0604020202020204" pitchFamily="34" charset="0"/>
-                <a:cs typeface="Arial" panose="020B0604020202020204" pitchFamily="34" charset="0"/>
-              </a:rPr>
-              <a:t>View istifadəçiyə göstərilən interfeys (HTML) hissəsini təşkil edir. </a:t>
-            </a:r>
-            <a:r>
-              <a:rPr kumimoji="0" lang="en-US" altLang="en-US" sz="1400" b="1" i="0" u="none" strike="noStrike" cap="none" normalizeH="0" baseline="0">
-                <a:ln>
-                  <a:noFill/>
-                </a:ln>
-                <a:solidFill>
-                  <a:schemeClr val="tx1"/>
-                </a:solidFill>
-                <a:effectLst/>
-                <a:latin typeface="Arial" panose="020B0604020202020204" pitchFamily="34" charset="0"/>
-                <a:cs typeface="Arial" panose="020B0604020202020204" pitchFamily="34" charset="0"/>
-              </a:rPr>
-              <a:t>Blade templating engine </a:t>
-            </a:r>
-            <a:r>
-              <a:rPr kumimoji="0" lang="en-US" altLang="en-US" sz="1400" b="0" i="0" u="none" strike="noStrike" cap="none" normalizeH="0" baseline="0">
-                <a:ln>
-                  <a:noFill/>
-                </a:ln>
-                <a:solidFill>
-                  <a:schemeClr val="tx1"/>
-                </a:solidFill>
-                <a:effectLst/>
-                <a:latin typeface="Arial" panose="020B0604020202020204" pitchFamily="34" charset="0"/>
-                <a:cs typeface="Arial" panose="020B0604020202020204" pitchFamily="34" charset="0"/>
-              </a:rPr>
-              <a:t>istifadə olunur.</a:t>
-            </a:r>
-            <a:endParaRPr kumimoji="0" lang="az-Latn-AZ" altLang="en-US" sz="1400" b="0" i="0" u="none" strike="noStrike" cap="none" normalizeH="0" baseline="0">
-              <a:ln>
-                <a:noFill/>
-              </a:ln>
-              <a:solidFill>
-                <a:schemeClr val="tx1"/>
-              </a:solidFill>
-              <a:effectLst/>
-              <a:latin typeface="Arial" panose="020B0604020202020204" pitchFamily="34" charset="0"/>
-              <a:cs typeface="Arial" panose="020B0604020202020204" pitchFamily="34" charset="0"/>
-            </a:endParaRPr>
-          </a:p>
-          <a:p>
-            <a:pPr marL="0" marR="0" lvl="0" indent="0" algn="l" defTabSz="914400" rtl="0" eaLnBrk="0" fontAlgn="base" latinLnBrk="0" hangingPunct="0">
-              <a:lnSpc>
-                <a:spcPct val="100000"/>
-              </a:lnSpc>
-              <a:spcBef>
-                <a:spcPct val="0"/>
-              </a:spcBef>
-              <a:spcAft>
-                <a:spcPct val="0"/>
-              </a:spcAft>
-              <a:buClrTx/>
-              <a:buSzTx/>
-              <a:buFontTx/>
-              <a:buNone/>
-              <a:tabLst/>
-            </a:pPr>
-            <a:endParaRPr kumimoji="0" lang="en-US" altLang="en-US" sz="1400" b="0" i="0" u="none" strike="noStrike" cap="none" normalizeH="0" baseline="0">
-              <a:ln>
-                <a:noFill/>
-              </a:ln>
-              <a:solidFill>
-                <a:schemeClr val="tx1"/>
-              </a:solidFill>
-              <a:effectLst/>
-              <a:latin typeface="Arial" panose="020B0604020202020204" pitchFamily="34" charset="0"/>
-              <a:cs typeface="Arial" panose="020B0604020202020204" pitchFamily="34" charset="0"/>
-            </a:endParaRPr>
-          </a:p>
-          <a:p>
-            <a:pPr marL="0" marR="0" lvl="0" indent="0" algn="l" defTabSz="914400" rtl="0" eaLnBrk="0" fontAlgn="base" latinLnBrk="0" hangingPunct="0">
-              <a:lnSpc>
-                <a:spcPct val="100000"/>
-              </a:lnSpc>
-              <a:spcBef>
-                <a:spcPct val="0"/>
-              </a:spcBef>
-              <a:spcAft>
-                <a:spcPct val="0"/>
-              </a:spcAft>
-              <a:buClrTx/>
-              <a:buSzTx/>
-              <a:buFontTx/>
-              <a:buNone/>
-              <a:tabLst/>
-            </a:pPr>
-            <a:r>
-              <a:rPr kumimoji="0" lang="en-US" altLang="en-US" sz="1400" b="1" i="0" u="none" strike="noStrike" cap="none" normalizeH="0" baseline="0">
-                <a:ln>
-                  <a:noFill/>
-                </a:ln>
-                <a:solidFill>
-                  <a:schemeClr val="tx1"/>
-                </a:solidFill>
-                <a:effectLst/>
-                <a:latin typeface="Arial" panose="020B0604020202020204" pitchFamily="34" charset="0"/>
-                <a:cs typeface="Arial" panose="020B0604020202020204" pitchFamily="34" charset="0"/>
-              </a:rPr>
-              <a:t>Əsas funksiyaları:</a:t>
-            </a:r>
-            <a:endParaRPr kumimoji="0" lang="en-US" altLang="en-US" sz="1400" b="0" i="0" u="none" strike="noStrike" cap="none" normalizeH="0" baseline="0">
-              <a:ln>
-                <a:noFill/>
-              </a:ln>
-              <a:solidFill>
-                <a:schemeClr val="tx1"/>
-              </a:solidFill>
-              <a:effectLst/>
-              <a:latin typeface="Arial" panose="020B0604020202020204" pitchFamily="34" charset="0"/>
-              <a:cs typeface="Arial" panose="020B0604020202020204" pitchFamily="34" charset="0"/>
-            </a:endParaRPr>
-          </a:p>
-          <a:p>
-            <a:pPr marL="285750" marR="0" lvl="0" indent="-285750" algn="l" defTabSz="914400" rtl="0" eaLnBrk="0" fontAlgn="base" latinLnBrk="0" hangingPunct="0">
-              <a:lnSpc>
-                <a:spcPct val="100000"/>
-              </a:lnSpc>
-              <a:spcBef>
-                <a:spcPct val="0"/>
-              </a:spcBef>
-              <a:spcAft>
-                <a:spcPct val="0"/>
-              </a:spcAft>
-              <a:buClrTx/>
-              <a:buSzTx/>
-              <a:buFont typeface="Arial" panose="020B0604020202020204" pitchFamily="34" charset="0"/>
-              <a:buChar char="•"/>
-              <a:tabLst/>
-            </a:pPr>
-            <a:r>
-              <a:rPr kumimoji="0" lang="en-US" altLang="en-US" sz="1400" b="0" i="0" u="none" strike="noStrike" cap="none" normalizeH="0" baseline="0">
-                <a:ln>
-                  <a:noFill/>
-                </a:ln>
-                <a:solidFill>
-                  <a:schemeClr val="tx1"/>
-                </a:solidFill>
-                <a:effectLst/>
-                <a:latin typeface="Arial" panose="020B0604020202020204" pitchFamily="34" charset="0"/>
-                <a:cs typeface="Arial" panose="020B0604020202020204" pitchFamily="34" charset="0"/>
-              </a:rPr>
-              <a:t>UI dizaynı və təqdimat.</a:t>
-            </a:r>
-          </a:p>
-          <a:p>
-            <a:pPr marL="285750" marR="0" lvl="0" indent="-285750" algn="l" defTabSz="914400" rtl="0" eaLnBrk="0" fontAlgn="base" latinLnBrk="0" hangingPunct="0">
-              <a:lnSpc>
-                <a:spcPct val="100000"/>
-              </a:lnSpc>
-              <a:spcBef>
-                <a:spcPct val="0"/>
-              </a:spcBef>
-              <a:spcAft>
-                <a:spcPct val="0"/>
-              </a:spcAft>
-              <a:buClrTx/>
-              <a:buSzTx/>
-              <a:buFont typeface="Arial" panose="020B0604020202020204" pitchFamily="34" charset="0"/>
-              <a:buChar char="•"/>
-              <a:tabLst/>
-            </a:pPr>
-            <a:r>
-              <a:rPr kumimoji="0" lang="en-US" altLang="en-US" sz="1400" b="0" i="0" u="none" strike="noStrike" cap="none" normalizeH="0" baseline="0">
-                <a:ln>
-                  <a:noFill/>
-                </a:ln>
-                <a:solidFill>
-                  <a:schemeClr val="tx1"/>
-                </a:solidFill>
-                <a:effectLst/>
-                <a:latin typeface="Arial" panose="020B0604020202020204" pitchFamily="34" charset="0"/>
-                <a:cs typeface="Arial" panose="020B0604020202020204" pitchFamily="34" charset="0"/>
-              </a:rPr>
-              <a:t>Blade sintaksisi ilə dəyişənlərin göstərilməsi.</a:t>
-            </a:r>
-          </a:p>
-          <a:p>
-            <a:pPr marL="285750" marR="0" lvl="0" indent="-285750" algn="l" defTabSz="914400" rtl="0" eaLnBrk="0" fontAlgn="base" latinLnBrk="0" hangingPunct="0">
-              <a:lnSpc>
-                <a:spcPct val="100000"/>
-              </a:lnSpc>
-              <a:spcBef>
-                <a:spcPct val="0"/>
-              </a:spcBef>
-              <a:spcAft>
-                <a:spcPct val="0"/>
-              </a:spcAft>
-              <a:buClrTx/>
-              <a:buSzTx/>
-              <a:buFont typeface="Arial" panose="020B0604020202020204" pitchFamily="34" charset="0"/>
-              <a:buChar char="•"/>
-              <a:tabLst/>
-            </a:pPr>
-            <a:r>
-              <a:rPr kumimoji="0" lang="en-US" altLang="en-US" sz="1400" b="0" i="0" u="none" strike="noStrike" cap="none" normalizeH="0" baseline="0">
-                <a:ln>
-                  <a:noFill/>
-                </a:ln>
-                <a:solidFill>
-                  <a:schemeClr val="tx1"/>
-                </a:solidFill>
-                <a:effectLst/>
-                <a:latin typeface="Arial" panose="020B0604020202020204" pitchFamily="34" charset="0"/>
-                <a:cs typeface="Arial" panose="020B0604020202020204" pitchFamily="34" charset="0"/>
-              </a:rPr>
-              <a:t>Layout və component əsaslı frontend strukturlaşması.</a:t>
+            <a:r>
+              <a:rPr lang="az-Latn-AZ" sz="1200" b="1">
+                <a:solidFill>
+                  <a:srgbClr val="7030A0"/>
+                </a:solidFill>
+                <a:latin typeface="Arial" panose="020B0604020202020204" pitchFamily="34" charset="0"/>
+                <a:cs typeface="Arial" panose="020B0604020202020204" pitchFamily="34" charset="0"/>
+              </a:rPr>
+              <a:t>NOT</a:t>
+            </a:r>
+            <a:r>
+              <a:rPr lang="az-Latn-AZ" sz="1200">
+                <a:latin typeface="Arial" panose="020B0604020202020204" pitchFamily="34" charset="0"/>
+                <a:cs typeface="Arial" panose="020B0604020202020204" pitchFamily="34" charset="0"/>
+              </a:rPr>
+              <a:t>: Ola bilərki, brazuerdə veb səhifə xətasız açılsın. Ancaq terminaldakı bu xətanı aradan qaldırmaq lazımdır.</a:t>
             </a:r>
           </a:p>
         </p:txBody>
       </p:sp>
       <p:pic>
         <p:nvPicPr>
-          <p:cNvPr id="9" name="Picture 8">
+          <p:cNvPr id="4" name="Picture 3">
             <a:extLst>
               <a:ext uri="{FF2B5EF4-FFF2-40B4-BE49-F238E27FC236}">
-                <a16:creationId xmlns:a16="http://schemas.microsoft.com/office/drawing/2014/main" id="{354DFAF0-7559-E856-1E55-A51CCB9BC8BB}"/>
+                <a16:creationId xmlns:a16="http://schemas.microsoft.com/office/drawing/2014/main" id="{110F31F6-EF2E-1D00-2694-082805F5701B}"/>
               </a:ext>
             </a:extLst>
           </p:cNvPr>
@@ -6247,8 +8109,38 @@
         </p:blipFill>
         <p:spPr>
           <a:xfrm>
-            <a:off x="9249324" y="0"/>
-            <a:ext cx="2942676" cy="6858000"/>
+            <a:off x="5665509" y="0"/>
+            <a:ext cx="6526491" cy="3599663"/>
+          </a:xfrm>
+          <a:prstGeom prst="rect">
+            <a:avLst/>
+          </a:prstGeom>
+        </p:spPr>
+      </p:pic>
+      <p:pic>
+        <p:nvPicPr>
+          <p:cNvPr id="6" name="Picture 5">
+            <a:extLst>
+              <a:ext uri="{FF2B5EF4-FFF2-40B4-BE49-F238E27FC236}">
+                <a16:creationId xmlns:a16="http://schemas.microsoft.com/office/drawing/2014/main" id="{512A3C02-D876-2149-B4A5-66281F4C2DDD}"/>
+              </a:ext>
+            </a:extLst>
+          </p:cNvPr>
+          <p:cNvPicPr>
+            <a:picLocks noChangeAspect="1"/>
+          </p:cNvPicPr>
+          <p:nvPr/>
+        </p:nvPicPr>
+        <p:blipFill>
+          <a:blip r:embed="rId3"/>
+          <a:stretch>
+            <a:fillRect/>
+          </a:stretch>
+        </p:blipFill>
+        <p:spPr>
+          <a:xfrm>
+            <a:off x="5665508" y="3770294"/>
+            <a:ext cx="6526492" cy="3087706"/>
           </a:xfrm>
           <a:prstGeom prst="rect">
             <a:avLst/>
@@ -6258,7 +8150,7 @@
     </p:spTree>
     <p:extLst>
       <p:ext uri="{BB962C8B-B14F-4D97-AF65-F5344CB8AC3E}">
-        <p14:creationId xmlns:p14="http://schemas.microsoft.com/office/powerpoint/2010/main" val="1360096130"/>
+        <p14:creationId xmlns:p14="http://schemas.microsoft.com/office/powerpoint/2010/main" val="1822285607"/>
       </p:ext>
     </p:extLst>
   </p:cSld>
@@ -6276,7 +8168,7 @@
         <p:cNvPr id="1" name="">
           <a:extLst>
             <a:ext uri="{FF2B5EF4-FFF2-40B4-BE49-F238E27FC236}">
-              <a16:creationId xmlns:a16="http://schemas.microsoft.com/office/drawing/2014/main" id="{74413EE5-7CD2-C589-3522-1362CA2466D4}"/>
+              <a16:creationId xmlns:a16="http://schemas.microsoft.com/office/drawing/2014/main" id="{72DECC7B-7CA2-801C-0067-E7F5534A9560}"/>
             </a:ext>
           </a:extLst>
         </p:cNvPr>
@@ -6296,7 +8188,7 @@
           <p:cNvPr id="3" name="TextBox 2">
             <a:extLst>
               <a:ext uri="{FF2B5EF4-FFF2-40B4-BE49-F238E27FC236}">
-                <a16:creationId xmlns:a16="http://schemas.microsoft.com/office/drawing/2014/main" id="{CF8D4F9B-A6F4-0CDE-1665-B90D1D8CFAE1}"/>
+                <a16:creationId xmlns:a16="http://schemas.microsoft.com/office/drawing/2014/main" id="{170846AD-B160-6DA0-48B5-84D52645A61E}"/>
               </a:ext>
             </a:extLst>
           </p:cNvPr>
@@ -6306,7 +8198,7 @@
         <p:spPr>
           <a:xfrm>
             <a:off x="217714" y="255046"/>
-            <a:ext cx="11756571" cy="6093976"/>
+            <a:ext cx="11756571" cy="655436"/>
           </a:xfrm>
           <a:prstGeom prst="rect">
             <a:avLst/>
@@ -6319,24 +8211,14 @@
           </a:bodyPr>
           <a:lstStyle/>
           <a:p>
-            <a:pPr marL="0" marR="0" lvl="0" indent="0" algn="l" defTabSz="914400" rtl="0" eaLnBrk="0" fontAlgn="base" latinLnBrk="0" hangingPunct="0">
-              <a:lnSpc>
-                <a:spcPct val="100000"/>
-              </a:lnSpc>
-              <a:spcBef>
-                <a:spcPct val="0"/>
-              </a:spcBef>
-              <a:spcAft>
-                <a:spcPct val="0"/>
-              </a:spcAft>
-              <a:buClrTx/>
-              <a:buSzTx/>
-              <a:buFontTx/>
-              <a:buNone/>
-              <a:tabLst/>
-            </a:pPr>
-            <a:r>
-              <a:rPr kumimoji="0" lang="en-US" altLang="en-US" sz="1300" b="1" i="0" u="none" strike="noStrike" cap="none" normalizeH="0" baseline="0">
+            <a:pPr>
+              <a:lnSpc>
+                <a:spcPct val="150000"/>
+              </a:lnSpc>
+              <a:buNone/>
+            </a:pPr>
+            <a:r>
+              <a:rPr kumimoji="0" lang="en-US" altLang="en-US" sz="1300" b="0" i="0" u="none" strike="noStrike" cap="none" normalizeH="0" baseline="0">
                 <a:ln>
                   <a:noFill/>
                 </a:ln>
@@ -6346,1191 +8228,18 @@
                 <a:effectLst/>
                 <a:latin typeface="Arial" panose="020B0604020202020204" pitchFamily="34" charset="0"/>
               </a:rPr>
-              <a:t>3. Controller (</a:t>
-            </a:r>
-            <a:r>
-              <a:rPr kumimoji="0" lang="en-US" altLang="en-US" sz="1300" b="1" i="0" u="none" strike="noStrike" cap="none" normalizeH="0" baseline="0">
-                <a:ln>
-                  <a:noFill/>
-                </a:ln>
-                <a:solidFill>
-                  <a:schemeClr val="tx1"/>
-                </a:solidFill>
-                <a:effectLst/>
-                <a:latin typeface="Arial Unicode MS"/>
-              </a:rPr>
-              <a:t>app/Http/Controllers</a:t>
-            </a:r>
-            <a:r>
-              <a:rPr kumimoji="0" lang="en-US" altLang="en-US" sz="1300" b="1" i="0" u="none" strike="noStrike" cap="none" normalizeH="0" baseline="0">
-                <a:ln>
-                  <a:noFill/>
-                </a:ln>
-                <a:solidFill>
-                  <a:schemeClr val="tx1"/>
-                </a:solidFill>
-                <a:effectLst/>
-              </a:rPr>
-              <a:t>)</a:t>
-            </a:r>
-            <a:r>
-              <a:rPr lang="az-Latn-AZ" altLang="en-US" sz="1300" b="1">
-                <a:latin typeface="Arial" panose="020B0604020202020204" pitchFamily="34" charset="0"/>
-              </a:rPr>
-              <a:t> - </a:t>
-            </a:r>
-            <a:r>
-              <a:rPr kumimoji="0" lang="en-US" altLang="en-US" sz="1300" b="0" i="0" u="none" strike="noStrike" cap="none" normalizeH="0" baseline="0">
-                <a:ln>
-                  <a:noFill/>
-                </a:ln>
-                <a:solidFill>
-                  <a:schemeClr val="tx1"/>
-                </a:solidFill>
-                <a:effectLst/>
-                <a:latin typeface="Arial" panose="020B0604020202020204" pitchFamily="34" charset="0"/>
-              </a:rPr>
-              <a:t>Controller</a:t>
-            </a:r>
-            <a:r>
-              <a:rPr kumimoji="0" lang="az-Latn-AZ" altLang="en-US" sz="1300" b="0" i="0" u="none" strike="noStrike" cap="none" normalizeH="0" baseline="0">
-                <a:ln>
-                  <a:noFill/>
-                </a:ln>
-                <a:solidFill>
-                  <a:schemeClr val="tx1"/>
-                </a:solidFill>
-                <a:effectLst/>
-                <a:latin typeface="Arial" panose="020B0604020202020204" pitchFamily="34" charset="0"/>
-              </a:rPr>
-              <a:t>,</a:t>
-            </a:r>
-            <a:r>
-              <a:rPr kumimoji="0" lang="en-US" altLang="en-US" sz="1300" b="0" i="0" u="none" strike="noStrike" cap="none" normalizeH="0" baseline="0">
-                <a:ln>
-                  <a:noFill/>
-                </a:ln>
-                <a:solidFill>
-                  <a:schemeClr val="tx1"/>
-                </a:solidFill>
-                <a:effectLst/>
-                <a:latin typeface="Arial" panose="020B0604020202020204" pitchFamily="34" charset="0"/>
-              </a:rPr>
-              <a:t> View və Model arasında körpü rolunu oynayır. Sorğuları qəbul edir, modeli çağırır və nəticəni View-a ötürür.</a:t>
-            </a:r>
-            <a:endParaRPr kumimoji="0" lang="az-Latn-AZ" altLang="en-US" sz="1300" b="0" i="0" u="none" strike="noStrike" cap="none" normalizeH="0" baseline="0">
-              <a:ln>
-                <a:noFill/>
-              </a:ln>
-              <a:solidFill>
-                <a:schemeClr val="tx1"/>
-              </a:solidFill>
-              <a:effectLst/>
+              <a:t>.</a:t>
+            </a:r>
+          </a:p>
+          <a:p>
+            <a:pPr>
+              <a:lnSpc>
+                <a:spcPct val="150000"/>
+              </a:lnSpc>
+            </a:pPr>
+            <a:endParaRPr lang="en-US" sz="1300">
               <a:latin typeface="Arial" panose="020B0604020202020204" pitchFamily="34" charset="0"/>
-            </a:endParaRPr>
-          </a:p>
-          <a:p>
-            <a:pPr marL="0" marR="0" lvl="0" indent="0" algn="l" defTabSz="914400" rtl="0" eaLnBrk="0" fontAlgn="base" latinLnBrk="0" hangingPunct="0">
-              <a:lnSpc>
-                <a:spcPct val="100000"/>
-              </a:lnSpc>
-              <a:spcBef>
-                <a:spcPct val="0"/>
-              </a:spcBef>
-              <a:spcAft>
-                <a:spcPct val="0"/>
-              </a:spcAft>
-              <a:buClrTx/>
-              <a:buSzTx/>
-              <a:buFontTx/>
-              <a:buNone/>
-              <a:tabLst/>
-            </a:pPr>
-            <a:endParaRPr kumimoji="0" lang="en-US" altLang="en-US" sz="1300" b="0" i="0" u="none" strike="noStrike" cap="none" normalizeH="0" baseline="0">
-              <a:ln>
-                <a:noFill/>
-              </a:ln>
-              <a:solidFill>
-                <a:schemeClr val="tx1"/>
-              </a:solidFill>
-              <a:effectLst/>
-              <a:latin typeface="Arial" panose="020B0604020202020204" pitchFamily="34" charset="0"/>
-            </a:endParaRPr>
-          </a:p>
-          <a:p>
-            <a:pPr marL="0" marR="0" lvl="0" indent="0" algn="l" defTabSz="914400" rtl="0" eaLnBrk="0" fontAlgn="base" latinLnBrk="0" hangingPunct="0">
-              <a:lnSpc>
-                <a:spcPct val="100000"/>
-              </a:lnSpc>
-              <a:spcBef>
-                <a:spcPct val="0"/>
-              </a:spcBef>
-              <a:spcAft>
-                <a:spcPct val="0"/>
-              </a:spcAft>
-              <a:buClrTx/>
-              <a:buSzTx/>
-              <a:buFontTx/>
-              <a:buNone/>
-              <a:tabLst/>
-            </a:pPr>
-            <a:r>
-              <a:rPr kumimoji="0" lang="en-US" altLang="en-US" sz="1300" b="1" i="0" u="none" strike="noStrike" cap="none" normalizeH="0" baseline="0">
-                <a:ln>
-                  <a:noFill/>
-                </a:ln>
-                <a:solidFill>
-                  <a:schemeClr val="tx1"/>
-                </a:solidFill>
-                <a:effectLst/>
-                <a:latin typeface="Arial" panose="020B0604020202020204" pitchFamily="34" charset="0"/>
-              </a:rPr>
-              <a:t>Əsas funksiyaları:</a:t>
-            </a:r>
-            <a:endParaRPr kumimoji="0" lang="en-US" altLang="en-US" sz="1300" b="0" i="0" u="none" strike="noStrike" cap="none" normalizeH="0" baseline="0">
-              <a:ln>
-                <a:noFill/>
-              </a:ln>
-              <a:solidFill>
-                <a:schemeClr val="tx1"/>
-              </a:solidFill>
-              <a:effectLst/>
-              <a:latin typeface="Arial" panose="020B0604020202020204" pitchFamily="34" charset="0"/>
-            </a:endParaRPr>
-          </a:p>
-          <a:p>
-            <a:pPr marL="285750" marR="0" lvl="0" indent="-285750" algn="l" defTabSz="914400" rtl="0" eaLnBrk="0" fontAlgn="base" latinLnBrk="0" hangingPunct="0">
-              <a:lnSpc>
-                <a:spcPct val="100000"/>
-              </a:lnSpc>
-              <a:spcBef>
-                <a:spcPct val="0"/>
-              </a:spcBef>
-              <a:spcAft>
-                <a:spcPct val="0"/>
-              </a:spcAft>
-              <a:buClrTx/>
-              <a:buSzTx/>
-              <a:buFont typeface="Arial" panose="020B0604020202020204" pitchFamily="34" charset="0"/>
-              <a:buChar char="•"/>
-              <a:tabLst/>
-            </a:pPr>
-            <a:r>
-              <a:rPr kumimoji="0" lang="en-US" altLang="en-US" sz="1300" b="0" i="0" u="none" strike="noStrike" cap="none" normalizeH="0" baseline="0">
-                <a:ln>
-                  <a:noFill/>
-                </a:ln>
-                <a:solidFill>
-                  <a:schemeClr val="tx1"/>
-                </a:solidFill>
-                <a:effectLst/>
-                <a:latin typeface="Arial" panose="020B0604020202020204" pitchFamily="34" charset="0"/>
-              </a:rPr>
-              <a:t>HTTP sorğularını idarə etmək.</a:t>
-            </a:r>
-          </a:p>
-          <a:p>
-            <a:pPr marL="285750" marR="0" lvl="0" indent="-285750" algn="l" defTabSz="914400" rtl="0" eaLnBrk="0" fontAlgn="base" latinLnBrk="0" hangingPunct="0">
-              <a:lnSpc>
-                <a:spcPct val="100000"/>
-              </a:lnSpc>
-              <a:spcBef>
-                <a:spcPct val="0"/>
-              </a:spcBef>
-              <a:spcAft>
-                <a:spcPct val="0"/>
-              </a:spcAft>
-              <a:buClrTx/>
-              <a:buSzTx/>
-              <a:buFont typeface="Arial" panose="020B0604020202020204" pitchFamily="34" charset="0"/>
-              <a:buChar char="•"/>
-              <a:tabLst/>
-            </a:pPr>
-            <a:r>
-              <a:rPr kumimoji="0" lang="en-US" altLang="en-US" sz="1300" b="0" i="0" u="none" strike="noStrike" cap="none" normalizeH="0" baseline="0">
-                <a:ln>
-                  <a:noFill/>
-                </a:ln>
-                <a:solidFill>
-                  <a:schemeClr val="tx1"/>
-                </a:solidFill>
-                <a:effectLst/>
-                <a:latin typeface="Arial" panose="020B0604020202020204" pitchFamily="34" charset="0"/>
-              </a:rPr>
-              <a:t>Biznes məntiqi yazmaq.</a:t>
-            </a:r>
-          </a:p>
-          <a:p>
-            <a:pPr marL="285750" marR="0" lvl="0" indent="-285750" algn="l" defTabSz="914400" rtl="0" eaLnBrk="0" fontAlgn="base" latinLnBrk="0" hangingPunct="0">
-              <a:lnSpc>
-                <a:spcPct val="100000"/>
-              </a:lnSpc>
-              <a:spcBef>
-                <a:spcPct val="0"/>
-              </a:spcBef>
-              <a:spcAft>
-                <a:spcPct val="0"/>
-              </a:spcAft>
-              <a:buClrTx/>
-              <a:buSzTx/>
-              <a:buFont typeface="Arial" panose="020B0604020202020204" pitchFamily="34" charset="0"/>
-              <a:buChar char="•"/>
-              <a:tabLst/>
-            </a:pPr>
-            <a:r>
-              <a:rPr kumimoji="0" lang="en-US" altLang="en-US" sz="1300" b="0" i="0" u="none" strike="noStrike" cap="none" normalizeH="0" baseline="0">
-                <a:ln>
-                  <a:noFill/>
-                </a:ln>
-                <a:solidFill>
-                  <a:schemeClr val="tx1"/>
-                </a:solidFill>
-                <a:effectLst/>
-                <a:latin typeface="Arial" panose="020B0604020202020204" pitchFamily="34" charset="0"/>
-              </a:rPr>
-              <a:t>Middleware-lərlə işləmək.</a:t>
-            </a:r>
-          </a:p>
-          <a:p>
-            <a:pPr marL="0" marR="0" lvl="0" indent="0" algn="l" defTabSz="914400" rtl="0" eaLnBrk="0" fontAlgn="base" latinLnBrk="0" hangingPunct="0">
-              <a:lnSpc>
-                <a:spcPct val="100000"/>
-              </a:lnSpc>
-              <a:spcBef>
-                <a:spcPct val="0"/>
-              </a:spcBef>
-              <a:spcAft>
-                <a:spcPct val="0"/>
-              </a:spcAft>
-              <a:buClrTx/>
-              <a:buSzTx/>
-              <a:buFontTx/>
-              <a:buNone/>
-              <a:tabLst/>
-            </a:pPr>
-            <a:endParaRPr kumimoji="0" lang="az-Latn-AZ" altLang="en-US" sz="1300" b="0" i="0" u="none" strike="noStrike" cap="none" normalizeH="0" baseline="0">
-              <a:ln>
-                <a:noFill/>
-              </a:ln>
-              <a:solidFill>
-                <a:schemeClr val="tx1"/>
-              </a:solidFill>
-              <a:effectLst/>
-              <a:latin typeface="Arial" panose="020B0604020202020204" pitchFamily="34" charset="0"/>
-            </a:endParaRPr>
-          </a:p>
-          <a:p>
-            <a:pPr marL="0" marR="0" lvl="0" indent="0" algn="l" defTabSz="914400" rtl="0" eaLnBrk="0" fontAlgn="base" latinLnBrk="0" hangingPunct="0">
-              <a:lnSpc>
-                <a:spcPct val="100000"/>
-              </a:lnSpc>
-              <a:spcBef>
-                <a:spcPct val="0"/>
-              </a:spcBef>
-              <a:spcAft>
-                <a:spcPct val="0"/>
-              </a:spcAft>
-              <a:buClrTx/>
-              <a:buSzTx/>
-              <a:buFontTx/>
-              <a:buNone/>
-              <a:tabLst/>
-            </a:pPr>
-            <a:endParaRPr lang="az-Latn-AZ" altLang="en-US" sz="1300">
-              <a:latin typeface="Arial" panose="020B0604020202020204" pitchFamily="34" charset="0"/>
-            </a:endParaRPr>
-          </a:p>
-          <a:p>
-            <a:pPr marL="0" marR="0" lvl="0" indent="0" algn="l" defTabSz="914400" rtl="0" eaLnBrk="0" fontAlgn="base" latinLnBrk="0" hangingPunct="0">
-              <a:lnSpc>
-                <a:spcPct val="100000"/>
-              </a:lnSpc>
-              <a:spcBef>
-                <a:spcPct val="0"/>
-              </a:spcBef>
-              <a:spcAft>
-                <a:spcPct val="0"/>
-              </a:spcAft>
-              <a:buClrTx/>
-              <a:buSzTx/>
-              <a:buFontTx/>
-              <a:buNone/>
-              <a:tabLst/>
-            </a:pPr>
-            <a:endParaRPr lang="az-Latn-AZ" altLang="en-US" sz="1300">
-              <a:latin typeface="Arial" panose="020B0604020202020204" pitchFamily="34" charset="0"/>
-            </a:endParaRPr>
-          </a:p>
-          <a:p>
-            <a:pPr marL="0" marR="0" lvl="0" indent="0" algn="l" defTabSz="914400" rtl="0" eaLnBrk="0" fontAlgn="base" latinLnBrk="0" hangingPunct="0">
-              <a:lnSpc>
-                <a:spcPct val="100000"/>
-              </a:lnSpc>
-              <a:spcBef>
-                <a:spcPct val="0"/>
-              </a:spcBef>
-              <a:spcAft>
-                <a:spcPct val="0"/>
-              </a:spcAft>
-              <a:buClrTx/>
-              <a:buSzTx/>
-              <a:buFontTx/>
-              <a:buNone/>
-              <a:tabLst/>
-            </a:pPr>
-            <a:endParaRPr lang="az-Latn-AZ" altLang="en-US" sz="1300">
-              <a:latin typeface="Arial" panose="020B0604020202020204" pitchFamily="34" charset="0"/>
-            </a:endParaRPr>
-          </a:p>
-          <a:p>
-            <a:pPr marL="0" marR="0" lvl="0" indent="0" algn="l" defTabSz="914400" rtl="0" eaLnBrk="0" fontAlgn="base" latinLnBrk="0" hangingPunct="0">
-              <a:lnSpc>
-                <a:spcPct val="100000"/>
-              </a:lnSpc>
-              <a:spcBef>
-                <a:spcPct val="0"/>
-              </a:spcBef>
-              <a:spcAft>
-                <a:spcPct val="0"/>
-              </a:spcAft>
-              <a:buClrTx/>
-              <a:buSzTx/>
-              <a:buFontTx/>
-              <a:buNone/>
-              <a:tabLst/>
-            </a:pPr>
-            <a:endParaRPr lang="az-Latn-AZ" altLang="en-US" sz="1300">
-              <a:latin typeface="Arial" panose="020B0604020202020204" pitchFamily="34" charset="0"/>
-            </a:endParaRPr>
-          </a:p>
-          <a:p>
-            <a:pPr marL="0" marR="0" lvl="0" indent="0" algn="l" defTabSz="914400" rtl="0" eaLnBrk="0" fontAlgn="base" latinLnBrk="0" hangingPunct="0">
-              <a:lnSpc>
-                <a:spcPct val="100000"/>
-              </a:lnSpc>
-              <a:spcBef>
-                <a:spcPct val="0"/>
-              </a:spcBef>
-              <a:spcAft>
-                <a:spcPct val="0"/>
-              </a:spcAft>
-              <a:buClrTx/>
-              <a:buSzTx/>
-              <a:buFontTx/>
-              <a:buNone/>
-              <a:tabLst/>
-            </a:pPr>
-            <a:endParaRPr lang="az-Latn-AZ" altLang="en-US" sz="1300">
-              <a:latin typeface="Arial" panose="020B0604020202020204" pitchFamily="34" charset="0"/>
-            </a:endParaRPr>
-          </a:p>
-          <a:p>
-            <a:pPr marL="0" marR="0" lvl="0" indent="0" algn="l" defTabSz="914400" rtl="0" eaLnBrk="0" fontAlgn="base" latinLnBrk="0" hangingPunct="0">
-              <a:lnSpc>
-                <a:spcPct val="100000"/>
-              </a:lnSpc>
-              <a:spcBef>
-                <a:spcPct val="0"/>
-              </a:spcBef>
-              <a:spcAft>
-                <a:spcPct val="0"/>
-              </a:spcAft>
-              <a:buClrTx/>
-              <a:buSzTx/>
-              <a:buFontTx/>
-              <a:buNone/>
-              <a:tabLst/>
-            </a:pPr>
-            <a:r>
-              <a:rPr kumimoji="0" lang="en-US" altLang="en-US" sz="1300" b="1" i="0" u="none" strike="noStrike" cap="none" normalizeH="0" baseline="0">
-                <a:ln>
-                  <a:noFill/>
-                </a:ln>
-                <a:solidFill>
-                  <a:schemeClr val="tx1"/>
-                </a:solidFill>
-                <a:effectLst/>
-                <a:latin typeface="Arial" panose="020B0604020202020204" pitchFamily="34" charset="0"/>
-              </a:rPr>
-              <a:t>4. Routing (</a:t>
-            </a:r>
-            <a:r>
-              <a:rPr kumimoji="0" lang="en-US" altLang="en-US" sz="1300" b="1" i="0" u="none" strike="noStrike" cap="none" normalizeH="0" baseline="0">
-                <a:ln>
-                  <a:noFill/>
-                </a:ln>
-                <a:solidFill>
-                  <a:schemeClr val="tx1"/>
-                </a:solidFill>
-                <a:effectLst/>
-                <a:latin typeface="Arial Unicode MS"/>
-              </a:rPr>
-              <a:t>routes/web.php</a:t>
-            </a:r>
-            <a:r>
-              <a:rPr kumimoji="0" lang="en-US" altLang="en-US" sz="1300" b="1" i="0" u="none" strike="noStrike" cap="none" normalizeH="0" baseline="0">
-                <a:ln>
-                  <a:noFill/>
-                </a:ln>
-                <a:solidFill>
-                  <a:schemeClr val="tx1"/>
-                </a:solidFill>
-                <a:effectLst/>
-              </a:rPr>
-              <a:t> və </a:t>
-            </a:r>
-            <a:r>
-              <a:rPr kumimoji="0" lang="en-US" altLang="en-US" sz="1300" b="1" i="0" u="none" strike="noStrike" cap="none" normalizeH="0" baseline="0">
-                <a:ln>
-                  <a:noFill/>
-                </a:ln>
-                <a:solidFill>
-                  <a:schemeClr val="tx1"/>
-                </a:solidFill>
-                <a:effectLst/>
-                <a:latin typeface="Arial Unicode MS"/>
-              </a:rPr>
-              <a:t>routes/api.php</a:t>
-            </a:r>
-            <a:r>
-              <a:rPr kumimoji="0" lang="en-US" altLang="en-US" sz="1300" b="1" i="0" u="none" strike="noStrike" cap="none" normalizeH="0" baseline="0">
-                <a:ln>
-                  <a:noFill/>
-                </a:ln>
-                <a:solidFill>
-                  <a:schemeClr val="tx1"/>
-                </a:solidFill>
-                <a:effectLst/>
-              </a:rPr>
-              <a:t>)</a:t>
-            </a:r>
-            <a:r>
-              <a:rPr lang="az-Latn-AZ" altLang="en-US" sz="1300" b="1">
-                <a:latin typeface="Arial" panose="020B0604020202020204" pitchFamily="34" charset="0"/>
-              </a:rPr>
-              <a:t> - </a:t>
-            </a:r>
-            <a:r>
-              <a:rPr kumimoji="0" lang="en-US" altLang="en-US" sz="1300" b="0" i="0" u="none" strike="noStrike" cap="none" normalizeH="0" baseline="0">
-                <a:ln>
-                  <a:noFill/>
-                </a:ln>
-                <a:solidFill>
-                  <a:schemeClr val="tx1"/>
-                </a:solidFill>
-                <a:effectLst/>
-                <a:latin typeface="Arial" panose="020B0604020202020204" pitchFamily="34" charset="0"/>
-              </a:rPr>
-              <a:t>Routing HTTP sorğularının hansı controller və ya function-a yönləndiriləcəyini təyin edir.</a:t>
-            </a:r>
-            <a:endParaRPr kumimoji="0" lang="az-Latn-AZ" altLang="en-US" sz="1300" b="0" i="0" u="none" strike="noStrike" cap="none" normalizeH="0" baseline="0">
-              <a:ln>
-                <a:noFill/>
-              </a:ln>
-              <a:solidFill>
-                <a:schemeClr val="tx1"/>
-              </a:solidFill>
-              <a:effectLst/>
-              <a:latin typeface="Arial" panose="020B0604020202020204" pitchFamily="34" charset="0"/>
-            </a:endParaRPr>
-          </a:p>
-          <a:p>
-            <a:pPr marL="0" marR="0" lvl="0" indent="0" algn="l" defTabSz="914400" rtl="0" eaLnBrk="0" fontAlgn="base" latinLnBrk="0" hangingPunct="0">
-              <a:lnSpc>
-                <a:spcPct val="100000"/>
-              </a:lnSpc>
-              <a:spcBef>
-                <a:spcPct val="0"/>
-              </a:spcBef>
-              <a:spcAft>
-                <a:spcPct val="0"/>
-              </a:spcAft>
-              <a:buClrTx/>
-              <a:buSzTx/>
-              <a:buFontTx/>
-              <a:buNone/>
-              <a:tabLst/>
-            </a:pPr>
-            <a:endParaRPr kumimoji="0" lang="en-US" altLang="en-US" sz="1300" b="0" i="0" u="none" strike="noStrike" cap="none" normalizeH="0" baseline="0">
-              <a:ln>
-                <a:noFill/>
-              </a:ln>
-              <a:solidFill>
-                <a:schemeClr val="tx1"/>
-              </a:solidFill>
-              <a:effectLst/>
-              <a:latin typeface="Arial" panose="020B0604020202020204" pitchFamily="34" charset="0"/>
-            </a:endParaRPr>
-          </a:p>
-          <a:p>
-            <a:pPr marL="0" marR="0" lvl="0" indent="0" algn="l" defTabSz="914400" rtl="0" eaLnBrk="0" fontAlgn="base" latinLnBrk="0" hangingPunct="0">
-              <a:lnSpc>
-                <a:spcPct val="100000"/>
-              </a:lnSpc>
-              <a:spcBef>
-                <a:spcPct val="0"/>
-              </a:spcBef>
-              <a:spcAft>
-                <a:spcPct val="0"/>
-              </a:spcAft>
-              <a:buClrTx/>
-              <a:buSzTx/>
-              <a:buFontTx/>
-              <a:buNone/>
-              <a:tabLst/>
-            </a:pPr>
-            <a:r>
-              <a:rPr kumimoji="0" lang="en-US" altLang="en-US" sz="1300" b="1" i="0" u="none" strike="noStrike" cap="none" normalizeH="0" baseline="0">
-                <a:ln>
-                  <a:noFill/>
-                </a:ln>
-                <a:solidFill>
-                  <a:schemeClr val="tx1"/>
-                </a:solidFill>
-                <a:effectLst/>
-                <a:latin typeface="Arial" panose="020B0604020202020204" pitchFamily="34" charset="0"/>
-              </a:rPr>
-              <a:t>Əsas funksiyaları:</a:t>
-            </a:r>
-            <a:endParaRPr kumimoji="0" lang="en-US" altLang="en-US" sz="1300" b="0" i="0" u="none" strike="noStrike" cap="none" normalizeH="0" baseline="0">
-              <a:ln>
-                <a:noFill/>
-              </a:ln>
-              <a:solidFill>
-                <a:schemeClr val="tx1"/>
-              </a:solidFill>
-              <a:effectLst/>
-              <a:latin typeface="Arial" panose="020B0604020202020204" pitchFamily="34" charset="0"/>
-            </a:endParaRPr>
-          </a:p>
-          <a:p>
-            <a:pPr marL="285750" marR="0" lvl="0" indent="-285750" algn="l" defTabSz="914400" rtl="0" eaLnBrk="0" fontAlgn="base" latinLnBrk="0" hangingPunct="0">
-              <a:lnSpc>
-                <a:spcPct val="100000"/>
-              </a:lnSpc>
-              <a:spcBef>
-                <a:spcPct val="0"/>
-              </a:spcBef>
-              <a:spcAft>
-                <a:spcPct val="0"/>
-              </a:spcAft>
-              <a:buClrTx/>
-              <a:buSzTx/>
-              <a:buFont typeface="Arial" panose="020B0604020202020204" pitchFamily="34" charset="0"/>
-              <a:buChar char="•"/>
-              <a:tabLst/>
-            </a:pPr>
-            <a:r>
-              <a:rPr kumimoji="0" lang="en-US" altLang="en-US" sz="1300" b="0" i="0" u="none" strike="noStrike" cap="none" normalizeH="0" baseline="0">
-                <a:ln>
-                  <a:noFill/>
-                </a:ln>
-                <a:solidFill>
-                  <a:schemeClr val="tx1"/>
-                </a:solidFill>
-                <a:effectLst/>
-                <a:latin typeface="Arial" panose="020B0604020202020204" pitchFamily="34" charset="0"/>
-              </a:rPr>
-              <a:t>URL-lər</a:t>
-            </a:r>
-            <a:r>
-              <a:rPr lang="az-Latn-AZ" altLang="en-US" sz="1300">
-                <a:latin typeface="Arial" panose="020B0604020202020204" pitchFamily="34" charset="0"/>
-              </a:rPr>
-              <a:t>dən istifadə edərək,</a:t>
-            </a:r>
-            <a:r>
-              <a:rPr kumimoji="0" lang="en-US" altLang="en-US" sz="1300" b="0" i="0" u="none" strike="noStrike" cap="none" normalizeH="0" baseline="0">
-                <a:ln>
-                  <a:noFill/>
-                </a:ln>
-                <a:solidFill>
-                  <a:schemeClr val="tx1"/>
-                </a:solidFill>
-                <a:effectLst/>
-                <a:latin typeface="Arial" panose="020B0604020202020204" pitchFamily="34" charset="0"/>
-              </a:rPr>
-              <a:t> kontroller funksiyaları arasında əlaqə yaratmaq.</a:t>
-            </a:r>
-          </a:p>
-          <a:p>
-            <a:pPr marL="285750" marR="0" lvl="0" indent="-285750" algn="l" defTabSz="914400" rtl="0" eaLnBrk="0" fontAlgn="base" latinLnBrk="0" hangingPunct="0">
-              <a:lnSpc>
-                <a:spcPct val="100000"/>
-              </a:lnSpc>
-              <a:spcBef>
-                <a:spcPct val="0"/>
-              </a:spcBef>
-              <a:spcAft>
-                <a:spcPct val="0"/>
-              </a:spcAft>
-              <a:buClrTx/>
-              <a:buSzTx/>
-              <a:buFont typeface="Arial" panose="020B0604020202020204" pitchFamily="34" charset="0"/>
-              <a:buChar char="•"/>
-              <a:tabLst/>
-            </a:pPr>
-            <a:r>
-              <a:rPr kumimoji="0" lang="en-US" altLang="en-US" sz="1300" b="0" i="0" u="none" strike="noStrike" cap="none" normalizeH="0" baseline="0">
-                <a:ln>
-                  <a:noFill/>
-                </a:ln>
-                <a:solidFill>
-                  <a:schemeClr val="tx1"/>
-                </a:solidFill>
-                <a:effectLst/>
-                <a:latin typeface="Arial" panose="020B0604020202020204" pitchFamily="34" charset="0"/>
-              </a:rPr>
-              <a:t>Route parameter və middleware istifadə etmək.</a:t>
-            </a:r>
-          </a:p>
-          <a:p>
-            <a:pPr marL="285750" marR="0" lvl="0" indent="-285750" algn="l" defTabSz="914400" rtl="0" eaLnBrk="0" fontAlgn="base" latinLnBrk="0" hangingPunct="0">
-              <a:lnSpc>
-                <a:spcPct val="100000"/>
-              </a:lnSpc>
-              <a:spcBef>
-                <a:spcPct val="0"/>
-              </a:spcBef>
-              <a:spcAft>
-                <a:spcPct val="0"/>
-              </a:spcAft>
-              <a:buClrTx/>
-              <a:buSzTx/>
-              <a:buFont typeface="Arial" panose="020B0604020202020204" pitchFamily="34" charset="0"/>
-              <a:buChar char="•"/>
-              <a:tabLst/>
-            </a:pPr>
-            <a:r>
-              <a:rPr kumimoji="0" lang="en-US" altLang="en-US" sz="1300" b="1" i="0" u="none" strike="noStrike" cap="none" normalizeH="0" baseline="0">
-                <a:ln>
-                  <a:noFill/>
-                </a:ln>
-                <a:solidFill>
-                  <a:srgbClr val="FF0000"/>
-                </a:solidFill>
-                <a:effectLst/>
-                <a:latin typeface="Arial" panose="020B0604020202020204" pitchFamily="34" charset="0"/>
-              </a:rPr>
-              <a:t>API</a:t>
-            </a:r>
-            <a:r>
-              <a:rPr kumimoji="0" lang="en-US" altLang="en-US" sz="1300" b="0" i="0" u="none" strike="noStrike" cap="none" normalizeH="0" baseline="0">
-                <a:ln>
-                  <a:noFill/>
-                </a:ln>
-                <a:solidFill>
-                  <a:schemeClr val="tx1"/>
-                </a:solidFill>
-                <a:effectLst/>
-                <a:latin typeface="Arial" panose="020B0604020202020204" pitchFamily="34" charset="0"/>
-              </a:rPr>
-              <a:t> və </a:t>
-            </a:r>
-            <a:r>
-              <a:rPr kumimoji="0" lang="en-US" altLang="en-US" sz="1300" b="1" i="0" u="none" strike="noStrike" cap="none" normalizeH="0" baseline="0">
-                <a:ln>
-                  <a:noFill/>
-                </a:ln>
-                <a:solidFill>
-                  <a:srgbClr val="FF0000"/>
-                </a:solidFill>
-                <a:effectLst/>
-                <a:latin typeface="Arial" panose="020B0604020202020204" pitchFamily="34" charset="0"/>
-              </a:rPr>
-              <a:t>web</a:t>
-            </a:r>
-            <a:r>
-              <a:rPr kumimoji="0" lang="en-US" altLang="en-US" sz="1300" b="0" i="0" u="none" strike="noStrike" cap="none" normalizeH="0" baseline="0">
-                <a:ln>
-                  <a:noFill/>
-                </a:ln>
-                <a:solidFill>
-                  <a:schemeClr val="tx1"/>
-                </a:solidFill>
-                <a:effectLst/>
-                <a:latin typeface="Arial" panose="020B0604020202020204" pitchFamily="34" charset="0"/>
-              </a:rPr>
-              <a:t> üçün fərqli route faylları.</a:t>
-            </a:r>
-          </a:p>
-          <a:p>
-            <a:pPr marL="0" marR="0" lvl="0" indent="0" algn="l" defTabSz="914400" rtl="0" eaLnBrk="0" fontAlgn="base" latinLnBrk="0" hangingPunct="0">
-              <a:lnSpc>
-                <a:spcPct val="100000"/>
-              </a:lnSpc>
-              <a:spcBef>
-                <a:spcPct val="0"/>
-              </a:spcBef>
-              <a:spcAft>
-                <a:spcPct val="0"/>
-              </a:spcAft>
-              <a:buClrTx/>
-              <a:buSzTx/>
-              <a:buFontTx/>
-              <a:buNone/>
-              <a:tabLst/>
-            </a:pPr>
-            <a:endParaRPr kumimoji="0" lang="en-US" altLang="en-US" sz="1300" b="0" i="0" u="none" strike="noStrike" cap="none" normalizeH="0" baseline="0">
-              <a:ln>
-                <a:noFill/>
-              </a:ln>
-              <a:solidFill>
-                <a:schemeClr val="tx1"/>
-              </a:solidFill>
-              <a:effectLst/>
-              <a:latin typeface="Arial" panose="020B0604020202020204" pitchFamily="34" charset="0"/>
-            </a:endParaRPr>
-          </a:p>
-          <a:p>
-            <a:pPr marL="0" marR="0" lvl="0" indent="0" algn="l" defTabSz="914400" rtl="0" eaLnBrk="0" fontAlgn="base" latinLnBrk="0" hangingPunct="0">
-              <a:lnSpc>
-                <a:spcPct val="100000"/>
-              </a:lnSpc>
-              <a:spcBef>
-                <a:spcPct val="0"/>
-              </a:spcBef>
-              <a:spcAft>
-                <a:spcPct val="0"/>
-              </a:spcAft>
-              <a:buClrTx/>
-              <a:buSzTx/>
-              <a:buFontTx/>
-              <a:buNone/>
-              <a:tabLst/>
-            </a:pPr>
-            <a:endParaRPr lang="az-Latn-AZ" altLang="en-US" sz="1300">
-              <a:latin typeface="Arial" panose="020B0604020202020204" pitchFamily="34" charset="0"/>
-            </a:endParaRPr>
-          </a:p>
-          <a:p>
-            <a:pPr marL="0" marR="0" lvl="0" indent="0" algn="l" defTabSz="914400" rtl="0" eaLnBrk="0" fontAlgn="base" latinLnBrk="0" hangingPunct="0">
-              <a:lnSpc>
-                <a:spcPct val="100000"/>
-              </a:lnSpc>
-              <a:spcBef>
-                <a:spcPct val="0"/>
-              </a:spcBef>
-              <a:spcAft>
-                <a:spcPct val="0"/>
-              </a:spcAft>
-              <a:buClrTx/>
-              <a:buSzTx/>
-              <a:buFontTx/>
-              <a:buNone/>
-              <a:tabLst/>
-            </a:pPr>
-            <a:endParaRPr lang="az-Latn-AZ" altLang="en-US" sz="1300">
-              <a:latin typeface="Arial" panose="020B0604020202020204" pitchFamily="34" charset="0"/>
-            </a:endParaRPr>
-          </a:p>
-          <a:p>
-            <a:pPr marL="0" marR="0" lvl="0" indent="0" algn="l" defTabSz="914400" rtl="0" eaLnBrk="0" fontAlgn="base" latinLnBrk="0" hangingPunct="0">
-              <a:lnSpc>
-                <a:spcPct val="100000"/>
-              </a:lnSpc>
-              <a:spcBef>
-                <a:spcPct val="0"/>
-              </a:spcBef>
-              <a:spcAft>
-                <a:spcPct val="0"/>
-              </a:spcAft>
-              <a:buClrTx/>
-              <a:buSzTx/>
-              <a:buFontTx/>
-              <a:buNone/>
-              <a:tabLst/>
-            </a:pPr>
-            <a:endParaRPr lang="az-Latn-AZ" altLang="en-US" sz="1300">
-              <a:latin typeface="Arial" panose="020B0604020202020204" pitchFamily="34" charset="0"/>
-            </a:endParaRPr>
-          </a:p>
-          <a:p>
-            <a:pPr marL="0" marR="0" lvl="0" indent="0" algn="l" defTabSz="914400" rtl="0" eaLnBrk="0" fontAlgn="base" latinLnBrk="0" hangingPunct="0">
-              <a:lnSpc>
-                <a:spcPct val="100000"/>
-              </a:lnSpc>
-              <a:spcBef>
-                <a:spcPct val="0"/>
-              </a:spcBef>
-              <a:spcAft>
-                <a:spcPct val="0"/>
-              </a:spcAft>
-              <a:buClrTx/>
-              <a:buSzTx/>
-              <a:buFontTx/>
-              <a:buNone/>
-              <a:tabLst/>
-            </a:pPr>
-            <a:endParaRPr lang="az-Latn-AZ" altLang="en-US" sz="1300">
-              <a:latin typeface="Arial" panose="020B0604020202020204" pitchFamily="34" charset="0"/>
-            </a:endParaRPr>
-          </a:p>
-          <a:p>
-            <a:pPr marL="0" marR="0" lvl="0" indent="0" algn="l" defTabSz="914400" rtl="0" eaLnBrk="0" fontAlgn="base" latinLnBrk="0" hangingPunct="0">
-              <a:lnSpc>
-                <a:spcPct val="100000"/>
-              </a:lnSpc>
-              <a:spcBef>
-                <a:spcPct val="0"/>
-              </a:spcBef>
-              <a:spcAft>
-                <a:spcPct val="0"/>
-              </a:spcAft>
-              <a:buClrTx/>
-              <a:buSzTx/>
-              <a:buFontTx/>
-              <a:buNone/>
-              <a:tabLst/>
-            </a:pPr>
-            <a:r>
-              <a:rPr kumimoji="0" lang="en-US" altLang="en-US" sz="1300" b="1" i="0" u="none" strike="noStrike" cap="none" normalizeH="0" baseline="0">
-                <a:ln>
-                  <a:noFill/>
-                </a:ln>
-                <a:solidFill>
-                  <a:schemeClr val="tx1"/>
-                </a:solidFill>
-                <a:effectLst/>
-                <a:latin typeface="Arial" panose="020B0604020202020204" pitchFamily="34" charset="0"/>
-              </a:rPr>
-              <a:t>5. File Store (Storage) (</a:t>
-            </a:r>
-            <a:r>
-              <a:rPr kumimoji="0" lang="en-US" altLang="en-US" sz="1300" b="1" i="0" u="none" strike="noStrike" cap="none" normalizeH="0" baseline="0">
-                <a:ln>
-                  <a:noFill/>
-                </a:ln>
-                <a:solidFill>
-                  <a:schemeClr val="tx1"/>
-                </a:solidFill>
-                <a:effectLst/>
-                <a:latin typeface="Arial Unicode MS"/>
-              </a:rPr>
-              <a:t>storage/app/public</a:t>
-            </a:r>
-            <a:r>
-              <a:rPr kumimoji="0" lang="en-US" altLang="en-US" sz="1300" b="1" i="0" u="none" strike="noStrike" cap="none" normalizeH="0" baseline="0">
-                <a:ln>
-                  <a:noFill/>
-                </a:ln>
-                <a:solidFill>
-                  <a:schemeClr val="tx1"/>
-                </a:solidFill>
-                <a:effectLst/>
-              </a:rPr>
-              <a:t>, </a:t>
-            </a:r>
-            <a:r>
-              <a:rPr kumimoji="0" lang="en-US" altLang="en-US" sz="1300" b="1" i="0" u="none" strike="noStrike" cap="none" normalizeH="0" baseline="0">
-                <a:ln>
-                  <a:noFill/>
-                </a:ln>
-                <a:solidFill>
-                  <a:schemeClr val="tx1"/>
-                </a:solidFill>
-                <a:effectLst/>
-                <a:latin typeface="Arial Unicode MS"/>
-              </a:rPr>
-              <a:t>storage/framework</a:t>
-            </a:r>
-            <a:r>
-              <a:rPr kumimoji="0" lang="en-US" altLang="en-US" sz="1300" b="1" i="0" u="none" strike="noStrike" cap="none" normalizeH="0" baseline="0">
-                <a:ln>
-                  <a:noFill/>
-                </a:ln>
-                <a:solidFill>
-                  <a:schemeClr val="tx1"/>
-                </a:solidFill>
-                <a:effectLst/>
-              </a:rPr>
-              <a:t>, </a:t>
-            </a:r>
-            <a:r>
-              <a:rPr kumimoji="0" lang="en-US" altLang="en-US" sz="1300" b="1" i="0" u="none" strike="noStrike" cap="none" normalizeH="0" baseline="0">
-                <a:ln>
-                  <a:noFill/>
-                </a:ln>
-                <a:solidFill>
-                  <a:schemeClr val="tx1"/>
-                </a:solidFill>
-                <a:effectLst/>
-                <a:latin typeface="Arial Unicode MS"/>
-              </a:rPr>
-              <a:t>storage/logs</a:t>
-            </a:r>
-            <a:r>
-              <a:rPr kumimoji="0" lang="en-US" altLang="en-US" sz="1300" b="1" i="0" u="none" strike="noStrike" cap="none" normalizeH="0" baseline="0">
-                <a:ln>
-                  <a:noFill/>
-                </a:ln>
-                <a:solidFill>
-                  <a:schemeClr val="tx1"/>
-                </a:solidFill>
-                <a:effectLst/>
-              </a:rPr>
-              <a:t>)</a:t>
-            </a:r>
-            <a:r>
-              <a:rPr lang="az-Latn-AZ" altLang="en-US" sz="1300" b="1">
-                <a:latin typeface="Arial" panose="020B0604020202020204" pitchFamily="34" charset="0"/>
-              </a:rPr>
-              <a:t> - </a:t>
-            </a:r>
-            <a:r>
-              <a:rPr kumimoji="0" lang="en-US" altLang="en-US" sz="1300" b="0" i="0" u="none" strike="noStrike" cap="none" normalizeH="0" baseline="0">
-                <a:ln>
-                  <a:noFill/>
-                </a:ln>
-                <a:solidFill>
-                  <a:schemeClr val="tx1"/>
-                </a:solidFill>
-                <a:effectLst/>
-                <a:latin typeface="Arial" panose="020B0604020202020204" pitchFamily="34" charset="0"/>
-              </a:rPr>
-              <a:t>Fayl saxlanması və idarəsi üçün istifadə olunur. İstifadəçinin yüklədiyi fayllar, log-lar və sessiyalar burada saxlanır.</a:t>
-            </a:r>
-            <a:endParaRPr kumimoji="0" lang="az-Latn-AZ" altLang="en-US" sz="1300" b="0" i="0" u="none" strike="noStrike" cap="none" normalizeH="0" baseline="0">
-              <a:ln>
-                <a:noFill/>
-              </a:ln>
-              <a:solidFill>
-                <a:schemeClr val="tx1"/>
-              </a:solidFill>
-              <a:effectLst/>
-              <a:latin typeface="Arial" panose="020B0604020202020204" pitchFamily="34" charset="0"/>
-            </a:endParaRPr>
-          </a:p>
-          <a:p>
-            <a:pPr marL="0" marR="0" lvl="0" indent="0" algn="l" defTabSz="914400" rtl="0" eaLnBrk="0" fontAlgn="base" latinLnBrk="0" hangingPunct="0">
-              <a:lnSpc>
-                <a:spcPct val="100000"/>
-              </a:lnSpc>
-              <a:spcBef>
-                <a:spcPct val="0"/>
-              </a:spcBef>
-              <a:spcAft>
-                <a:spcPct val="0"/>
-              </a:spcAft>
-              <a:buClrTx/>
-              <a:buSzTx/>
-              <a:buFontTx/>
-              <a:buNone/>
-              <a:tabLst/>
-            </a:pPr>
-            <a:endParaRPr kumimoji="0" lang="en-US" altLang="en-US" sz="1300" b="0" i="0" u="none" strike="noStrike" cap="none" normalizeH="0" baseline="0">
-              <a:ln>
-                <a:noFill/>
-              </a:ln>
-              <a:solidFill>
-                <a:schemeClr val="tx1"/>
-              </a:solidFill>
-              <a:effectLst/>
-              <a:latin typeface="Arial" panose="020B0604020202020204" pitchFamily="34" charset="0"/>
-            </a:endParaRPr>
-          </a:p>
-          <a:p>
-            <a:pPr marL="0" marR="0" lvl="0" indent="0" algn="l" defTabSz="914400" rtl="0" eaLnBrk="0" fontAlgn="base" latinLnBrk="0" hangingPunct="0">
-              <a:lnSpc>
-                <a:spcPct val="100000"/>
-              </a:lnSpc>
-              <a:spcBef>
-                <a:spcPct val="0"/>
-              </a:spcBef>
-              <a:spcAft>
-                <a:spcPct val="0"/>
-              </a:spcAft>
-              <a:buClrTx/>
-              <a:buSzTx/>
-              <a:buFontTx/>
-              <a:buNone/>
-              <a:tabLst/>
-            </a:pPr>
-            <a:r>
-              <a:rPr kumimoji="0" lang="en-US" altLang="en-US" sz="1300" b="1" i="0" u="none" strike="noStrike" cap="none" normalizeH="0" baseline="0">
-                <a:ln>
-                  <a:noFill/>
-                </a:ln>
-                <a:solidFill>
-                  <a:schemeClr val="tx1"/>
-                </a:solidFill>
-                <a:effectLst/>
-                <a:latin typeface="Arial" panose="020B0604020202020204" pitchFamily="34" charset="0"/>
-              </a:rPr>
-              <a:t>Əsas funksiyaları:</a:t>
-            </a:r>
-            <a:endParaRPr kumimoji="0" lang="en-US" altLang="en-US" sz="1300" b="0" i="0" u="none" strike="noStrike" cap="none" normalizeH="0" baseline="0">
-              <a:ln>
-                <a:noFill/>
-              </a:ln>
-              <a:solidFill>
-                <a:schemeClr val="tx1"/>
-              </a:solidFill>
-              <a:effectLst/>
-              <a:latin typeface="Arial" panose="020B0604020202020204" pitchFamily="34" charset="0"/>
-            </a:endParaRPr>
-          </a:p>
-          <a:p>
-            <a:pPr marL="285750" marR="0" lvl="0" indent="-285750" algn="l" defTabSz="914400" rtl="0" eaLnBrk="0" fontAlgn="base" latinLnBrk="0" hangingPunct="0">
-              <a:lnSpc>
-                <a:spcPct val="100000"/>
-              </a:lnSpc>
-              <a:spcBef>
-                <a:spcPct val="0"/>
-              </a:spcBef>
-              <a:spcAft>
-                <a:spcPct val="0"/>
-              </a:spcAft>
-              <a:buClrTx/>
-              <a:buSzTx/>
-              <a:buFont typeface="Arial" panose="020B0604020202020204" pitchFamily="34" charset="0"/>
-              <a:buChar char="•"/>
-              <a:tabLst/>
-            </a:pPr>
-            <a:r>
-              <a:rPr kumimoji="0" lang="en-US" altLang="en-US" sz="1300" b="0" i="0" u="none" strike="noStrike" cap="none" normalizeH="0" baseline="0">
-                <a:ln>
-                  <a:noFill/>
-                </a:ln>
-                <a:solidFill>
-                  <a:schemeClr val="tx1"/>
-                </a:solidFill>
-                <a:effectLst/>
-                <a:latin typeface="Arial" panose="020B0604020202020204" pitchFamily="34" charset="0"/>
-              </a:rPr>
-              <a:t>İstifadəçi fayllarını yükləmək və saxlamaq.</a:t>
-            </a:r>
-          </a:p>
-          <a:p>
-            <a:pPr marL="285750" marR="0" lvl="0" indent="-285750" algn="l" defTabSz="914400" rtl="0" eaLnBrk="0" fontAlgn="base" latinLnBrk="0" hangingPunct="0">
-              <a:lnSpc>
-                <a:spcPct val="100000"/>
-              </a:lnSpc>
-              <a:spcBef>
-                <a:spcPct val="0"/>
-              </a:spcBef>
-              <a:spcAft>
-                <a:spcPct val="0"/>
-              </a:spcAft>
-              <a:buClrTx/>
-              <a:buSzTx/>
-              <a:buFont typeface="Arial" panose="020B0604020202020204" pitchFamily="34" charset="0"/>
-              <a:buChar char="•"/>
-              <a:tabLst/>
-            </a:pPr>
-            <a:r>
-              <a:rPr kumimoji="0" lang="en-US" altLang="en-US" sz="1300" b="0" i="0" u="none" strike="noStrike" cap="none" normalizeH="0" baseline="0">
-                <a:ln>
-                  <a:noFill/>
-                </a:ln>
-                <a:solidFill>
-                  <a:schemeClr val="tx1"/>
-                </a:solidFill>
-                <a:effectLst/>
-                <a:latin typeface="Arial" panose="020B0604020202020204" pitchFamily="34" charset="0"/>
-              </a:rPr>
-              <a:t>Log qeydləri aparmaq (</a:t>
-            </a:r>
-            <a:r>
-              <a:rPr kumimoji="0" lang="en-US" altLang="en-US" sz="1300" b="0" i="0" u="none" strike="noStrike" cap="none" normalizeH="0" baseline="0">
-                <a:ln>
-                  <a:noFill/>
-                </a:ln>
-                <a:solidFill>
-                  <a:schemeClr val="tx1"/>
-                </a:solidFill>
-                <a:effectLst/>
-                <a:latin typeface="Arial Unicode MS"/>
-              </a:rPr>
-              <a:t>storage/logs/laravel.log</a:t>
-            </a:r>
-            <a:r>
-              <a:rPr kumimoji="0" lang="en-US" altLang="en-US" sz="1300" b="0" i="0" u="none" strike="noStrike" cap="none" normalizeH="0" baseline="0">
-                <a:ln>
-                  <a:noFill/>
-                </a:ln>
-                <a:solidFill>
-                  <a:schemeClr val="tx1"/>
-                </a:solidFill>
-                <a:effectLst/>
-              </a:rPr>
-              <a:t>).</a:t>
-            </a:r>
-            <a:endParaRPr kumimoji="0" lang="en-US" altLang="en-US" sz="1300" b="0" i="0" u="none" strike="noStrike" cap="none" normalizeH="0" baseline="0">
-              <a:ln>
-                <a:noFill/>
-              </a:ln>
-              <a:solidFill>
-                <a:schemeClr val="tx1"/>
-              </a:solidFill>
-              <a:effectLst/>
-              <a:latin typeface="Arial" panose="020B0604020202020204" pitchFamily="34" charset="0"/>
-            </a:endParaRPr>
-          </a:p>
-          <a:p>
-            <a:pPr marL="285750" marR="0" lvl="0" indent="-285750" algn="l" defTabSz="914400" rtl="0" eaLnBrk="0" fontAlgn="base" latinLnBrk="0" hangingPunct="0">
-              <a:lnSpc>
-                <a:spcPct val="100000"/>
-              </a:lnSpc>
-              <a:spcBef>
-                <a:spcPct val="0"/>
-              </a:spcBef>
-              <a:spcAft>
-                <a:spcPct val="0"/>
-              </a:spcAft>
-              <a:buClrTx/>
-              <a:buSzTx/>
-              <a:buFont typeface="Arial" panose="020B0604020202020204" pitchFamily="34" charset="0"/>
-              <a:buChar char="•"/>
-              <a:tabLst/>
-            </a:pPr>
-            <a:r>
-              <a:rPr kumimoji="0" lang="en-US" altLang="en-US" sz="1300" b="0" i="0" u="none" strike="noStrike" cap="none" normalizeH="0" baseline="0">
-                <a:ln>
-                  <a:noFill/>
-                </a:ln>
-                <a:solidFill>
-                  <a:schemeClr val="tx1"/>
-                </a:solidFill>
-                <a:effectLst/>
-                <a:latin typeface="Arial" panose="020B0604020202020204" pitchFamily="34" charset="0"/>
-              </a:rPr>
-              <a:t>Keş və sessiya idarəsi (</a:t>
-            </a:r>
-            <a:r>
-              <a:rPr kumimoji="0" lang="en-US" altLang="en-US" sz="1300" b="0" i="0" u="none" strike="noStrike" cap="none" normalizeH="0" baseline="0">
-                <a:ln>
-                  <a:noFill/>
-                </a:ln>
-                <a:solidFill>
-                  <a:schemeClr val="tx1"/>
-                </a:solidFill>
-                <a:effectLst/>
-                <a:latin typeface="Arial Unicode MS"/>
-              </a:rPr>
-              <a:t>storage/framework</a:t>
-            </a:r>
-            <a:r>
-              <a:rPr kumimoji="0" lang="en-US" altLang="en-US" sz="1300" b="0" i="0" u="none" strike="noStrike" cap="none" normalizeH="0" baseline="0">
-                <a:ln>
-                  <a:noFill/>
-                </a:ln>
-                <a:solidFill>
-                  <a:schemeClr val="tx1"/>
-                </a:solidFill>
-                <a:effectLst/>
-              </a:rPr>
-              <a:t>).</a:t>
-            </a:r>
-            <a:endParaRPr kumimoji="0" lang="en-US" altLang="en-US" sz="1300" b="0" i="0" u="none" strike="noStrike" cap="none" normalizeH="0" baseline="0">
-              <a:ln>
-                <a:noFill/>
-              </a:ln>
-              <a:solidFill>
-                <a:schemeClr val="tx1"/>
-              </a:solidFill>
-              <a:effectLst/>
-              <a:latin typeface="Arial" panose="020B0604020202020204" pitchFamily="34" charset="0"/>
+              <a:cs typeface="Arial" panose="020B0604020202020204" pitchFamily="34" charset="0"/>
             </a:endParaRPr>
           </a:p>
         </p:txBody>
@@ -7538,7 +8247,7 @@
     </p:spTree>
     <p:extLst>
       <p:ext uri="{BB962C8B-B14F-4D97-AF65-F5344CB8AC3E}">
-        <p14:creationId xmlns:p14="http://schemas.microsoft.com/office/powerpoint/2010/main" val="3515091407"/>
+        <p14:creationId xmlns:p14="http://schemas.microsoft.com/office/powerpoint/2010/main" val="4223090936"/>
       </p:ext>
     </p:extLst>
   </p:cSld>
